--- a/Slides/On-Campus/01_HistoryAndIntro.pptx
+++ b/Slides/On-Campus/01_HistoryAndIntro.pptx
@@ -5,24 +5,26 @@
     <p:sldMasterId id="2147483648" r:id="rId1"/>
   </p:sldMasterIdLst>
   <p:notesMasterIdLst>
-    <p:notesMasterId r:id="rId14"/>
+    <p:notesMasterId r:id="rId16"/>
   </p:notesMasterIdLst>
   <p:handoutMasterIdLst>
-    <p:handoutMasterId r:id="rId15"/>
+    <p:handoutMasterId r:id="rId17"/>
   </p:handoutMasterIdLst>
   <p:sldIdLst>
     <p:sldId id="256" r:id="rId2"/>
-    <p:sldId id="267" r:id="rId3"/>
-    <p:sldId id="261" r:id="rId4"/>
-    <p:sldId id="262" r:id="rId5"/>
-    <p:sldId id="263" r:id="rId6"/>
-    <p:sldId id="264" r:id="rId7"/>
-    <p:sldId id="265" r:id="rId8"/>
-    <p:sldId id="266" r:id="rId9"/>
-    <p:sldId id="257" r:id="rId10"/>
-    <p:sldId id="258" r:id="rId11"/>
-    <p:sldId id="259" r:id="rId12"/>
-    <p:sldId id="260" r:id="rId13"/>
+    <p:sldId id="270" r:id="rId3"/>
+    <p:sldId id="271" r:id="rId4"/>
+    <p:sldId id="267" r:id="rId5"/>
+    <p:sldId id="262" r:id="rId6"/>
+    <p:sldId id="263" r:id="rId7"/>
+    <p:sldId id="264" r:id="rId8"/>
+    <p:sldId id="265" r:id="rId9"/>
+    <p:sldId id="266" r:id="rId10"/>
+    <p:sldId id="257" r:id="rId11"/>
+    <p:sldId id="258" r:id="rId12"/>
+    <p:sldId id="259" r:id="rId13"/>
+    <p:sldId id="260" r:id="rId14"/>
+    <p:sldId id="272" r:id="rId15"/>
   </p:sldIdLst>
   <p:sldSz cx="13817600" cy="7772400"/>
   <p:notesSz cx="6858000" cy="9144000"/>
@@ -225,7 +227,7 @@
           <a:p>
             <a:fld id="{4D7E51A5-B478-1E40-8CBB-0DAA8831E99D}" type="datetimeFigureOut">
               <a:rPr lang="en-US" smtClean="0"/>
-              <a:t>8/18/21</a:t>
+              <a:t>8/26/21</a:t>
             </a:fld>
             <a:endParaRPr lang="en-US"/>
           </a:p>
@@ -390,7 +392,7 @@
           <a:p>
             <a:fld id="{D0ED587F-861E-6740-9643-E3DDAE89B8D6}" type="datetimeFigureOut">
               <a:rPr lang="en-US" smtClean="0"/>
-              <a:t>8/18/21</a:t>
+              <a:t>8/26/21</a:t>
             </a:fld>
             <a:endParaRPr lang="en-US"/>
           </a:p>
@@ -662,7 +664,7 @@
   <p:cSld>
     <p:spTree>
       <p:nvGrpSpPr>
-        <p:cNvPr id="1" name="Shape 188"/>
+        <p:cNvPr id="1" name="Shape 194"/>
         <p:cNvGrpSpPr/>
         <p:nvPr/>
       </p:nvGrpSpPr>
@@ -676,7 +678,7 @@
       </p:grpSpPr>
       <p:sp>
         <p:nvSpPr>
-          <p:cNvPr id="189" name="Google Shape;189;g7ca8bebc29_0_164:notes"/>
+          <p:cNvPr id="195" name="Google Shape;195;g7ca8bebc29_0_0:notes"/>
           <p:cNvSpPr>
             <a:spLocks noGrp="1" noRot="1" noChangeAspect="1"/>
           </p:cNvSpPr>
@@ -717,7 +719,7 @@
       </p:sp>
       <p:sp>
         <p:nvSpPr>
-          <p:cNvPr id="190" name="Google Shape;190;g7ca8bebc29_0_164:notes"/>
+          <p:cNvPr id="196" name="Google Shape;196;g7ca8bebc29_0_0:notes"/>
           <p:cNvSpPr txBox="1">
             <a:spLocks noGrp="1"/>
           </p:cNvSpPr>
@@ -762,110 +764,6 @@
 </file>
 
 <file path=ppt/notesSlides/notesSlide2.xml><?xml version="1.0" encoding="utf-8"?>
-<p:notes xmlns:a="http://schemas.openxmlformats.org/drawingml/2006/main" xmlns:r="http://schemas.openxmlformats.org/officeDocument/2006/relationships" xmlns:p="http://schemas.openxmlformats.org/presentationml/2006/main" showMasterSp="0" showMasterPhAnim="0">
-  <p:cSld>
-    <p:spTree>
-      <p:nvGrpSpPr>
-        <p:cNvPr id="1" name="Shape 194"/>
-        <p:cNvGrpSpPr/>
-        <p:nvPr/>
-      </p:nvGrpSpPr>
-      <p:grpSpPr>
-        <a:xfrm>
-          <a:off x="0" y="0"/>
-          <a:ext cx="0" cy="0"/>
-          <a:chOff x="0" y="0"/>
-          <a:chExt cx="0" cy="0"/>
-        </a:xfrm>
-      </p:grpSpPr>
-      <p:sp>
-        <p:nvSpPr>
-          <p:cNvPr id="195" name="Google Shape;195;g7ca8bebc29_0_0:notes"/>
-          <p:cNvSpPr>
-            <a:spLocks noGrp="1" noRot="1" noChangeAspect="1"/>
-          </p:cNvSpPr>
-          <p:nvPr>
-            <p:ph type="sldImg" idx="2"/>
-          </p:nvPr>
-        </p:nvSpPr>
-        <p:spPr>
-          <a:xfrm>
-            <a:off x="381000" y="685800"/>
-            <a:ext cx="6096000" cy="3429000"/>
-          </a:xfrm>
-          <a:custGeom>
-            <a:avLst/>
-            <a:gdLst/>
-            <a:ahLst/>
-            <a:cxnLst/>
-            <a:rect l="l" t="t" r="r" b="b"/>
-            <a:pathLst>
-              <a:path w="120000" h="120000" extrusionOk="0">
-                <a:moveTo>
-                  <a:pt x="0" y="0"/>
-                </a:moveTo>
-                <a:lnTo>
-                  <a:pt x="120000" y="0"/>
-                </a:lnTo>
-                <a:lnTo>
-                  <a:pt x="120000" y="120000"/>
-                </a:lnTo>
-                <a:lnTo>
-                  <a:pt x="0" y="120000"/>
-                </a:lnTo>
-                <a:close/>
-              </a:path>
-            </a:pathLst>
-          </a:custGeom>
-        </p:spPr>
-      </p:sp>
-      <p:sp>
-        <p:nvSpPr>
-          <p:cNvPr id="196" name="Google Shape;196;g7ca8bebc29_0_0:notes"/>
-          <p:cNvSpPr txBox="1">
-            <a:spLocks noGrp="1"/>
-          </p:cNvSpPr>
-          <p:nvPr>
-            <p:ph type="body" idx="1"/>
-          </p:nvPr>
-        </p:nvSpPr>
-        <p:spPr>
-          <a:xfrm>
-            <a:off x="685800" y="4343400"/>
-            <a:ext cx="5486400" cy="4114800"/>
-          </a:xfrm>
-          <a:prstGeom prst="rect">
-            <a:avLst/>
-          </a:prstGeom>
-        </p:spPr>
-        <p:txBody>
-          <a:bodyPr spcFirstLastPara="1" wrap="square" lIns="91425" tIns="91425" rIns="91425" bIns="91425" anchor="t" anchorCtr="0">
-            <a:noAutofit/>
-          </a:bodyPr>
-          <a:lstStyle/>
-          <a:p>
-            <a:pPr marL="0" lvl="0" indent="0" algn="l" rtl="0">
-              <a:spcBef>
-                <a:spcPts val="0"/>
-              </a:spcBef>
-              <a:spcAft>
-                <a:spcPts val="0"/>
-              </a:spcAft>
-              <a:buNone/>
-            </a:pPr>
-            <a:endParaRPr dirty="0"/>
-          </a:p>
-        </p:txBody>
-      </p:sp>
-    </p:spTree>
-  </p:cSld>
-  <p:clrMapOvr>
-    <a:masterClrMapping/>
-  </p:clrMapOvr>
-</p:notes>
-</file>
-
-<file path=ppt/notesSlides/notesSlide3.xml><?xml version="1.0" encoding="utf-8"?>
 <p:notes xmlns:a="http://schemas.openxmlformats.org/drawingml/2006/main" xmlns:r="http://schemas.openxmlformats.org/officeDocument/2006/relationships" xmlns:p="http://schemas.openxmlformats.org/presentationml/2006/main" showMasterSp="0" showMasterPhAnim="0">
   <p:cSld>
     <p:spTree>
@@ -969,7 +867,7 @@
 </p:notes>
 </file>
 
-<file path=ppt/notesSlides/notesSlide4.xml><?xml version="1.0" encoding="utf-8"?>
+<file path=ppt/notesSlides/notesSlide3.xml><?xml version="1.0" encoding="utf-8"?>
 <p:notes xmlns:a="http://schemas.openxmlformats.org/drawingml/2006/main" xmlns:r="http://schemas.openxmlformats.org/officeDocument/2006/relationships" xmlns:p="http://schemas.openxmlformats.org/presentationml/2006/main" showMasterSp="0" showMasterPhAnim="0">
   <p:cSld>
     <p:spTree>
@@ -1073,7 +971,7 @@
 </p:notes>
 </file>
 
-<file path=ppt/notesSlides/notesSlide5.xml><?xml version="1.0" encoding="utf-8"?>
+<file path=ppt/notesSlides/notesSlide4.xml><?xml version="1.0" encoding="utf-8"?>
 <p:notes xmlns:a="http://schemas.openxmlformats.org/drawingml/2006/main" xmlns:r="http://schemas.openxmlformats.org/officeDocument/2006/relationships" xmlns:p="http://schemas.openxmlformats.org/presentationml/2006/main" showMasterSp="0" showMasterPhAnim="0">
   <p:cSld>
     <p:spTree>
@@ -7825,10 +7723,10 @@
       </p:grpSpPr>
       <p:sp>
         <p:nvSpPr>
-          <p:cNvPr id="2" name="Title 1">
+          <p:cNvPr id="4" name="Title 3">
             <a:extLst>
               <a:ext uri="{FF2B5EF4-FFF2-40B4-BE49-F238E27FC236}">
-                <a16:creationId xmlns:a16="http://schemas.microsoft.com/office/drawing/2014/main" id="{F1ECD7D6-4BFC-104D-B6B5-AFD0B1104890}"/>
+                <a16:creationId xmlns:a16="http://schemas.microsoft.com/office/drawing/2014/main" id="{5C1EDB58-5A7E-E742-845D-F2420A07AFD1}"/>
               </a:ext>
             </a:extLst>
           </p:cNvPr>
@@ -7846,17 +7744,17 @@
           <a:p>
             <a:r>
               <a:rPr lang="en-US" dirty="0"/>
-              <a:t>Programs</a:t>
+              <a:t>Python</a:t>
             </a:r>
           </a:p>
         </p:txBody>
       </p:sp>
       <p:sp>
         <p:nvSpPr>
-          <p:cNvPr id="3" name="Text Placeholder 2">
+          <p:cNvPr id="5" name="Text Placeholder 4">
             <a:extLst>
               <a:ext uri="{FF2B5EF4-FFF2-40B4-BE49-F238E27FC236}">
-                <a16:creationId xmlns:a16="http://schemas.microsoft.com/office/drawing/2014/main" id="{0DF53A5F-F175-354E-BA1B-CFD3345DFA94}"/>
+                <a16:creationId xmlns:a16="http://schemas.microsoft.com/office/drawing/2014/main" id="{D16DB7A2-2392-ED45-9FF5-E34A4360A452}"/>
               </a:ext>
             </a:extLst>
           </p:cNvPr>
@@ -7870,7 +7768,7 @@
         <p:spPr>
           <a:xfrm>
             <a:off x="628075" y="1776683"/>
-            <a:ext cx="12561453" cy="3578416"/>
+            <a:ext cx="12561453" cy="5178021"/>
           </a:xfrm>
         </p:spPr>
         <p:txBody>
@@ -7879,78 +7777,121 @@
           <a:p>
             <a:r>
               <a:rPr lang="en-US" dirty="0"/>
-              <a:t>Are a set of instructions</a:t>
+              <a:t>A Modern Programming Language</a:t>
             </a:r>
           </a:p>
           <a:p>
             <a:pPr lvl="1"/>
             <a:r>
               <a:rPr lang="en-US" dirty="0"/>
-              <a:t>Like  Cooking (common/historical analogy) </a:t>
+              <a:t>Focuses on ‘scripting’</a:t>
             </a:r>
           </a:p>
           <a:p>
             <a:pPr lvl="1"/>
             <a:r>
               <a:rPr lang="en-US" dirty="0"/>
-              <a:t>Like following a how-to guide</a:t>
-            </a:r>
-          </a:p>
-          <a:p>
-            <a:r>
-              <a:rPr lang="en-US" dirty="0"/>
-              <a:t>A computer only  does what </a:t>
-            </a:r>
-            <a:r>
-              <a:rPr lang="en-US" b="1" dirty="0"/>
-              <a:t>you</a:t>
-            </a:r>
-            <a:r>
-              <a:rPr lang="en-US" dirty="0"/>
-              <a:t> tell it</a:t>
+              <a:t>Interpreted  </a:t>
+            </a:r>
+          </a:p>
+          <a:p>
+            <a:pPr lvl="2"/>
+            <a:r>
+              <a:rPr lang="en-US" dirty="0"/>
+              <a:t>Takes another program to run the code</a:t>
+            </a:r>
+          </a:p>
+          <a:p>
+            <a:r>
+              <a:rPr lang="en-US" dirty="0"/>
+              <a:t>Common Uses</a:t>
             </a:r>
           </a:p>
           <a:p>
             <a:pPr lvl="1"/>
             <a:r>
               <a:rPr lang="en-US" dirty="0"/>
-              <a:t>It can’t guess</a:t>
+              <a:t>Research</a:t>
             </a:r>
           </a:p>
           <a:p>
             <a:pPr lvl="1"/>
             <a:r>
               <a:rPr lang="en-US" dirty="0"/>
-              <a:t>It can’t assume</a:t>
+              <a:t>Data science </a:t>
             </a:r>
           </a:p>
           <a:p>
             <a:pPr lvl="1"/>
             <a:r>
               <a:rPr lang="en-US" dirty="0"/>
-              <a:t>It follows the instructions</a:t>
+              <a:t>Machine learning and Artificial Intelligence </a:t>
+            </a:r>
+          </a:p>
+          <a:p>
+            <a:pPr lvl="1"/>
+            <a:r>
+              <a:rPr lang="en-US" dirty="0"/>
+              <a:t>Web development (backend) </a:t>
+            </a:r>
+          </a:p>
+          <a:p>
+            <a:pPr lvl="1"/>
+            <a:r>
+              <a:rPr lang="en-US" dirty="0"/>
+              <a:t>Full applications and games </a:t>
             </a:r>
           </a:p>
           <a:p>
             <a:pPr lvl="2"/>
             <a:r>
               <a:rPr lang="en-US" dirty="0"/>
-              <a:t>for better or worse</a:t>
+              <a:t>Becoming more common</a:t>
             </a:r>
           </a:p>
           <a:p>
             <a:pPr lvl="1"/>
-            <a:r>
-              <a:rPr lang="en-US" dirty="0"/>
-              <a:t>Line by line, unless we say otherwise</a:t>
-            </a:r>
+            <a:endParaRPr lang="en-US" dirty="0"/>
+          </a:p>
+          <a:p>
+            <a:endParaRPr lang="en-US" dirty="0"/>
           </a:p>
         </p:txBody>
       </p:sp>
+      <p:pic>
+        <p:nvPicPr>
+          <p:cNvPr id="10" name="Picture 9">
+            <a:extLst>
+              <a:ext uri="{FF2B5EF4-FFF2-40B4-BE49-F238E27FC236}">
+                <a16:creationId xmlns:a16="http://schemas.microsoft.com/office/drawing/2014/main" id="{DF501B8C-726A-164D-A115-6DA48ADF254D}"/>
+              </a:ext>
+            </a:extLst>
+          </p:cNvPr>
+          <p:cNvPicPr>
+            <a:picLocks noChangeAspect="1"/>
+          </p:cNvPicPr>
+          <p:nvPr/>
+        </p:nvPicPr>
+        <p:blipFill>
+          <a:blip r:embed="rId2"/>
+          <a:stretch>
+            <a:fillRect/>
+          </a:stretch>
+        </p:blipFill>
+        <p:spPr>
+          <a:xfrm>
+            <a:off x="8608229" y="2047522"/>
+            <a:ext cx="3691721" cy="3677356"/>
+          </a:xfrm>
+          <a:prstGeom prst="rect">
+            <a:avLst/>
+          </a:prstGeom>
+        </p:spPr>
+      </p:pic>
     </p:spTree>
     <p:extLst>
       <p:ext uri="{BB962C8B-B14F-4D97-AF65-F5344CB8AC3E}">
-        <p14:creationId xmlns:p14="http://schemas.microsoft.com/office/powerpoint/2010/main" val="2602784044"/>
+        <p14:creationId xmlns:p14="http://schemas.microsoft.com/office/powerpoint/2010/main" val="2906900361"/>
       </p:ext>
     </p:extLst>
   </p:cSld>
@@ -7994,7 +7935,7 @@
           <p:cNvPr id="2" name="Title 1">
             <a:extLst>
               <a:ext uri="{FF2B5EF4-FFF2-40B4-BE49-F238E27FC236}">
-                <a16:creationId xmlns:a16="http://schemas.microsoft.com/office/drawing/2014/main" id="{645BB7B2-15B7-174D-9F67-5DC5CE208562}"/>
+                <a16:creationId xmlns:a16="http://schemas.microsoft.com/office/drawing/2014/main" id="{F1ECD7D6-4BFC-104D-B6B5-AFD0B1104890}"/>
               </a:ext>
             </a:extLst>
           </p:cNvPr>
@@ -8012,7 +7953,7 @@
           <a:p>
             <a:r>
               <a:rPr lang="en-US" dirty="0"/>
-              <a:t>Python Basics</a:t>
+              <a:t>Programs</a:t>
             </a:r>
           </a:p>
         </p:txBody>
@@ -8022,7 +7963,7 @@
           <p:cNvPr id="3" name="Text Placeholder 2">
             <a:extLst>
               <a:ext uri="{FF2B5EF4-FFF2-40B4-BE49-F238E27FC236}">
-                <a16:creationId xmlns:a16="http://schemas.microsoft.com/office/drawing/2014/main" id="{0876B3F8-452F-BA4B-B617-D2C9972B2542}"/>
+                <a16:creationId xmlns:a16="http://schemas.microsoft.com/office/drawing/2014/main" id="{0DF53A5F-F175-354E-BA1B-CFD3345DFA94}"/>
               </a:ext>
             </a:extLst>
           </p:cNvPr>
@@ -8035,8 +7976,8 @@
         </p:nvSpPr>
         <p:spPr>
           <a:xfrm>
-            <a:off x="628075" y="1463722"/>
-            <a:ext cx="12561453" cy="5926751"/>
+            <a:off x="628075" y="1776683"/>
+            <a:ext cx="12561453" cy="3578416"/>
           </a:xfrm>
         </p:spPr>
         <p:txBody>
@@ -8045,179 +7986,78 @@
           <a:p>
             <a:r>
               <a:rPr lang="en-US" dirty="0"/>
-              <a:t>Variables </a:t>
+              <a:t>Are a set of instructions</a:t>
             </a:r>
           </a:p>
           <a:p>
             <a:pPr lvl="1"/>
             <a:r>
               <a:rPr lang="en-US" dirty="0"/>
-              <a:t>Allow you to store information</a:t>
+              <a:t>Like  Cooking (common/historical analogy) </a:t>
             </a:r>
           </a:p>
           <a:p>
             <a:pPr lvl="1"/>
             <a:r>
-              <a:rPr lang="en-US" dirty="0" err="1">
-                <a:latin typeface="Consolas" panose="020B0609020204030204" pitchFamily="49" charset="0"/>
-                <a:cs typeface="Consolas" panose="020B0609020204030204" pitchFamily="49" charset="0"/>
-              </a:rPr>
-              <a:t>puppyCounter</a:t>
-            </a:r>
-            <a:r>
-              <a:rPr lang="en-US" dirty="0">
-                <a:latin typeface="Consolas" panose="020B0609020204030204" pitchFamily="49" charset="0"/>
-                <a:cs typeface="Consolas" panose="020B0609020204030204" pitchFamily="49" charset="0"/>
-              </a:rPr>
-              <a:t> = 100</a:t>
+              <a:rPr lang="en-US" dirty="0"/>
+              <a:t>Like following a how-to guide</a:t>
+            </a:r>
+          </a:p>
+          <a:p>
+            <a:r>
+              <a:rPr lang="en-US" dirty="0"/>
+              <a:t>A computer only  does what </a:t>
+            </a:r>
+            <a:r>
+              <a:rPr lang="en-US" b="1" dirty="0"/>
+              <a:t>you</a:t>
+            </a:r>
+            <a:r>
+              <a:rPr lang="en-US" dirty="0"/>
+              <a:t> tell it</a:t>
             </a:r>
           </a:p>
           <a:p>
             <a:pPr lvl="1"/>
             <a:r>
-              <a:rPr lang="en-US" dirty="0" err="1">
-                <a:latin typeface="Consolas" panose="020B0609020204030204" pitchFamily="49" charset="0"/>
-                <a:cs typeface="Consolas" panose="020B0609020204030204" pitchFamily="49" charset="0"/>
-              </a:rPr>
-              <a:t>puppyName</a:t>
-            </a:r>
-            <a:r>
-              <a:rPr lang="en-US" dirty="0">
-                <a:latin typeface="Consolas" panose="020B0609020204030204" pitchFamily="49" charset="0"/>
-                <a:cs typeface="Consolas" panose="020B0609020204030204" pitchFamily="49" charset="0"/>
-              </a:rPr>
-              <a:t> = “Cerberus” </a:t>
+              <a:rPr lang="en-US" dirty="0"/>
+              <a:t>It can’t guess</a:t>
             </a:r>
           </a:p>
           <a:p>
             <a:pPr lvl="1"/>
             <a:r>
-              <a:rPr lang="en-US" dirty="0" err="1">
-                <a:latin typeface="Consolas" panose="020B0609020204030204" pitchFamily="49" charset="0"/>
-                <a:cs typeface="Consolas" panose="020B0609020204030204" pitchFamily="49" charset="0"/>
-              </a:rPr>
-              <a:t>puppyName</a:t>
-            </a:r>
-            <a:r>
-              <a:rPr lang="en-US" dirty="0">
-                <a:latin typeface="Consolas" panose="020B0609020204030204" pitchFamily="49" charset="0"/>
-                <a:cs typeface="Consolas" panose="020B0609020204030204" pitchFamily="49" charset="0"/>
-              </a:rPr>
-              <a:t> = ‘Cerberus’</a:t>
-            </a:r>
-            <a:r>
-              <a:rPr lang="en-US" dirty="0"/>
-              <a:t> #also allowed, but we will often use double quotes for Strings</a:t>
+              <a:rPr lang="en-US" dirty="0"/>
+              <a:t>It can’t assume</a:t>
+            </a:r>
+          </a:p>
+          <a:p>
+            <a:pPr lvl="1"/>
+            <a:r>
+              <a:rPr lang="en-US" dirty="0"/>
+              <a:t>It follows the instructions</a:t>
             </a:r>
           </a:p>
           <a:p>
             <a:pPr lvl="2"/>
             <a:r>
               <a:rPr lang="en-US" dirty="0"/>
-              <a:t>Anything after the # sign is a comment, so not an instruction! </a:t>
-            </a:r>
-          </a:p>
-          <a:p>
-            <a:r>
-              <a:rPr lang="en-US" dirty="0"/>
-              <a:t>Output  / Printing to the screen</a:t>
+              <a:t>for better or worse</a:t>
             </a:r>
           </a:p>
           <a:p>
             <a:pPr lvl="1"/>
             <a:r>
-              <a:rPr lang="en-US" b="1" dirty="0">
-                <a:latin typeface="Consolas" panose="020B0609020204030204" pitchFamily="49" charset="0"/>
-                <a:cs typeface="Consolas" panose="020B0609020204030204" pitchFamily="49" charset="0"/>
-              </a:rPr>
-              <a:t>print(</a:t>
-            </a:r>
-            <a:r>
-              <a:rPr lang="en-US" dirty="0">
-                <a:latin typeface="Consolas" panose="020B0609020204030204" pitchFamily="49" charset="0"/>
-                <a:cs typeface="Consolas" panose="020B0609020204030204" pitchFamily="49" charset="0"/>
-              </a:rPr>
-              <a:t>“Ada Lovelace was the first  programmer”)</a:t>
-            </a:r>
-          </a:p>
-          <a:p>
-            <a:pPr lvl="1"/>
-            <a:r>
-              <a:rPr lang="en-US" dirty="0"/>
-              <a:t>print() signifies a function – that does the work for you! </a:t>
-            </a:r>
-          </a:p>
-          <a:p>
-            <a:pPr lvl="2"/>
-            <a:r>
-              <a:rPr lang="en-US" dirty="0"/>
-              <a:t>code reusability</a:t>
-            </a:r>
-          </a:p>
-          <a:p>
-            <a:r>
-              <a:rPr lang="en-US" dirty="0"/>
-              <a:t>Input – From the console / client </a:t>
-            </a:r>
-          </a:p>
-          <a:p>
-            <a:pPr lvl="1"/>
-            <a:r>
-              <a:rPr lang="en-US" b="1" dirty="0">
-                <a:latin typeface="Consolas" panose="020B0609020204030204" pitchFamily="49" charset="0"/>
-                <a:cs typeface="Consolas" panose="020B0609020204030204" pitchFamily="49" charset="0"/>
-              </a:rPr>
-              <a:t>input(</a:t>
-            </a:r>
-            <a:r>
-              <a:rPr lang="en-US" dirty="0">
-                <a:latin typeface="Consolas" panose="020B0609020204030204" pitchFamily="49" charset="0"/>
-                <a:cs typeface="Consolas" panose="020B0609020204030204" pitchFamily="49" charset="0"/>
-              </a:rPr>
-              <a:t>“Who was the first programmer”)</a:t>
-            </a:r>
-          </a:p>
-          <a:p>
-            <a:pPr lvl="1"/>
-            <a:r>
-              <a:rPr lang="en-US" dirty="0"/>
-              <a:t>But… We need to store the value!</a:t>
-            </a:r>
-          </a:p>
-          <a:p>
-            <a:pPr lvl="1"/>
-            <a:r>
-              <a:rPr lang="en-US" dirty="0">
-                <a:latin typeface="Consolas" panose="020B0609020204030204" pitchFamily="49" charset="0"/>
-                <a:cs typeface="Consolas" panose="020B0609020204030204" pitchFamily="49" charset="0"/>
-              </a:rPr>
-              <a:t>answer = </a:t>
-            </a:r>
-            <a:r>
-              <a:rPr lang="en-US" b="1" dirty="0">
-                <a:latin typeface="Consolas" panose="020B0609020204030204" pitchFamily="49" charset="0"/>
-                <a:cs typeface="Consolas" panose="020B0609020204030204" pitchFamily="49" charset="0"/>
-              </a:rPr>
-              <a:t>input(</a:t>
-            </a:r>
-            <a:r>
-              <a:rPr lang="en-US" dirty="0">
-                <a:latin typeface="Consolas" panose="020B0609020204030204" pitchFamily="49" charset="0"/>
-                <a:cs typeface="Consolas" panose="020B0609020204030204" pitchFamily="49" charset="0"/>
-              </a:rPr>
-              <a:t>“Who was the first programmer”)</a:t>
-            </a:r>
-          </a:p>
-          <a:p>
-            <a:pPr lvl="1"/>
-            <a:endParaRPr lang="en-US" dirty="0"/>
+              <a:rPr lang="en-US" dirty="0"/>
+              <a:t>Line by line, unless we say otherwise</a:t>
+            </a:r>
           </a:p>
         </p:txBody>
       </p:sp>
     </p:spTree>
     <p:extLst>
       <p:ext uri="{BB962C8B-B14F-4D97-AF65-F5344CB8AC3E}">
-        <p14:creationId xmlns:p14="http://schemas.microsoft.com/office/powerpoint/2010/main" val="1512563093"/>
+        <p14:creationId xmlns:p14="http://schemas.microsoft.com/office/powerpoint/2010/main" val="2602784044"/>
       </p:ext>
     </p:extLst>
   </p:cSld>
@@ -8261,6 +8101,273 @@
           <p:cNvPr id="2" name="Title 1">
             <a:extLst>
               <a:ext uri="{FF2B5EF4-FFF2-40B4-BE49-F238E27FC236}">
+                <a16:creationId xmlns:a16="http://schemas.microsoft.com/office/drawing/2014/main" id="{645BB7B2-15B7-174D-9F67-5DC5CE208562}"/>
+              </a:ext>
+            </a:extLst>
+          </p:cNvPr>
+          <p:cNvSpPr>
+            <a:spLocks noGrp="1"/>
+          </p:cNvSpPr>
+          <p:nvPr>
+            <p:ph type="title"/>
+          </p:nvPr>
+        </p:nvSpPr>
+        <p:spPr/>
+        <p:txBody>
+          <a:bodyPr/>
+          <a:lstStyle/>
+          <a:p>
+            <a:r>
+              <a:rPr lang="en-US" dirty="0"/>
+              <a:t>Python Basics</a:t>
+            </a:r>
+          </a:p>
+        </p:txBody>
+      </p:sp>
+      <p:sp>
+        <p:nvSpPr>
+          <p:cNvPr id="3" name="Text Placeholder 2">
+            <a:extLst>
+              <a:ext uri="{FF2B5EF4-FFF2-40B4-BE49-F238E27FC236}">
+                <a16:creationId xmlns:a16="http://schemas.microsoft.com/office/drawing/2014/main" id="{0876B3F8-452F-BA4B-B617-D2C9972B2542}"/>
+              </a:ext>
+            </a:extLst>
+          </p:cNvPr>
+          <p:cNvSpPr>
+            <a:spLocks noGrp="1"/>
+          </p:cNvSpPr>
+          <p:nvPr>
+            <p:ph type="body" sz="quarter" idx="10"/>
+          </p:nvPr>
+        </p:nvSpPr>
+        <p:spPr>
+          <a:xfrm>
+            <a:off x="628075" y="1463722"/>
+            <a:ext cx="12561453" cy="5926751"/>
+          </a:xfrm>
+        </p:spPr>
+        <p:txBody>
+          <a:bodyPr/>
+          <a:lstStyle/>
+          <a:p>
+            <a:r>
+              <a:rPr lang="en-US" dirty="0"/>
+              <a:t>Variables </a:t>
+            </a:r>
+          </a:p>
+          <a:p>
+            <a:pPr lvl="1"/>
+            <a:r>
+              <a:rPr lang="en-US" dirty="0"/>
+              <a:t>Allow you to store information</a:t>
+            </a:r>
+          </a:p>
+          <a:p>
+            <a:pPr lvl="1"/>
+            <a:r>
+              <a:rPr lang="en-US" dirty="0" err="1">
+                <a:latin typeface="Consolas" panose="020B0609020204030204" pitchFamily="49" charset="0"/>
+                <a:cs typeface="Consolas" panose="020B0609020204030204" pitchFamily="49" charset="0"/>
+              </a:rPr>
+              <a:t>puppyCounter</a:t>
+            </a:r>
+            <a:r>
+              <a:rPr lang="en-US" dirty="0">
+                <a:latin typeface="Consolas" panose="020B0609020204030204" pitchFamily="49" charset="0"/>
+                <a:cs typeface="Consolas" panose="020B0609020204030204" pitchFamily="49" charset="0"/>
+              </a:rPr>
+              <a:t> = 100</a:t>
+            </a:r>
+          </a:p>
+          <a:p>
+            <a:pPr lvl="1"/>
+            <a:r>
+              <a:rPr lang="en-US" dirty="0" err="1">
+                <a:latin typeface="Consolas" panose="020B0609020204030204" pitchFamily="49" charset="0"/>
+                <a:cs typeface="Consolas" panose="020B0609020204030204" pitchFamily="49" charset="0"/>
+              </a:rPr>
+              <a:t>puppyName</a:t>
+            </a:r>
+            <a:r>
+              <a:rPr lang="en-US" dirty="0">
+                <a:latin typeface="Consolas" panose="020B0609020204030204" pitchFamily="49" charset="0"/>
+                <a:cs typeface="Consolas" panose="020B0609020204030204" pitchFamily="49" charset="0"/>
+              </a:rPr>
+              <a:t> = “Cerberus” </a:t>
+            </a:r>
+          </a:p>
+          <a:p>
+            <a:pPr lvl="1"/>
+            <a:r>
+              <a:rPr lang="en-US" dirty="0" err="1">
+                <a:latin typeface="Consolas" panose="020B0609020204030204" pitchFamily="49" charset="0"/>
+                <a:cs typeface="Consolas" panose="020B0609020204030204" pitchFamily="49" charset="0"/>
+              </a:rPr>
+              <a:t>puppyName</a:t>
+            </a:r>
+            <a:r>
+              <a:rPr lang="en-US" dirty="0">
+                <a:latin typeface="Consolas" panose="020B0609020204030204" pitchFamily="49" charset="0"/>
+                <a:cs typeface="Consolas" panose="020B0609020204030204" pitchFamily="49" charset="0"/>
+              </a:rPr>
+              <a:t> = ‘Cerberus’</a:t>
+            </a:r>
+            <a:r>
+              <a:rPr lang="en-US" dirty="0"/>
+              <a:t> #also allowed, but we will often use double quotes for Strings</a:t>
+            </a:r>
+          </a:p>
+          <a:p>
+            <a:pPr lvl="2"/>
+            <a:r>
+              <a:rPr lang="en-US" dirty="0"/>
+              <a:t>Anything after the # sign is a comment, so not an instruction! </a:t>
+            </a:r>
+          </a:p>
+          <a:p>
+            <a:r>
+              <a:rPr lang="en-US" dirty="0"/>
+              <a:t>Output  / Printing to the screen</a:t>
+            </a:r>
+          </a:p>
+          <a:p>
+            <a:pPr lvl="1"/>
+            <a:r>
+              <a:rPr lang="en-US" b="1" dirty="0">
+                <a:latin typeface="Consolas" panose="020B0609020204030204" pitchFamily="49" charset="0"/>
+                <a:cs typeface="Consolas" panose="020B0609020204030204" pitchFamily="49" charset="0"/>
+              </a:rPr>
+              <a:t>print(</a:t>
+            </a:r>
+            <a:r>
+              <a:rPr lang="en-US" dirty="0">
+                <a:latin typeface="Consolas" panose="020B0609020204030204" pitchFamily="49" charset="0"/>
+                <a:cs typeface="Consolas" panose="020B0609020204030204" pitchFamily="49" charset="0"/>
+              </a:rPr>
+              <a:t>“Ada Lovelace was the first  programmer”)</a:t>
+            </a:r>
+          </a:p>
+          <a:p>
+            <a:pPr lvl="1"/>
+            <a:r>
+              <a:rPr lang="en-US" dirty="0"/>
+              <a:t>print() signifies a function – that does the work for you! </a:t>
+            </a:r>
+          </a:p>
+          <a:p>
+            <a:pPr lvl="2"/>
+            <a:r>
+              <a:rPr lang="en-US" dirty="0"/>
+              <a:t>code reusability</a:t>
+            </a:r>
+          </a:p>
+          <a:p>
+            <a:r>
+              <a:rPr lang="en-US" dirty="0"/>
+              <a:t>Input – From the console / client </a:t>
+            </a:r>
+          </a:p>
+          <a:p>
+            <a:pPr lvl="1"/>
+            <a:r>
+              <a:rPr lang="en-US" b="1" dirty="0">
+                <a:latin typeface="Consolas" panose="020B0609020204030204" pitchFamily="49" charset="0"/>
+                <a:cs typeface="Consolas" panose="020B0609020204030204" pitchFamily="49" charset="0"/>
+              </a:rPr>
+              <a:t>input(</a:t>
+            </a:r>
+            <a:r>
+              <a:rPr lang="en-US" dirty="0">
+                <a:latin typeface="Consolas" panose="020B0609020204030204" pitchFamily="49" charset="0"/>
+                <a:cs typeface="Consolas" panose="020B0609020204030204" pitchFamily="49" charset="0"/>
+              </a:rPr>
+              <a:t>“Who was the first programmer”)</a:t>
+            </a:r>
+          </a:p>
+          <a:p>
+            <a:pPr lvl="1"/>
+            <a:r>
+              <a:rPr lang="en-US" dirty="0"/>
+              <a:t>But… We need to store the value!</a:t>
+            </a:r>
+          </a:p>
+          <a:p>
+            <a:pPr lvl="1"/>
+            <a:r>
+              <a:rPr lang="en-US" dirty="0">
+                <a:latin typeface="Consolas" panose="020B0609020204030204" pitchFamily="49" charset="0"/>
+                <a:cs typeface="Consolas" panose="020B0609020204030204" pitchFamily="49" charset="0"/>
+              </a:rPr>
+              <a:t>answer = </a:t>
+            </a:r>
+            <a:r>
+              <a:rPr lang="en-US" b="1" dirty="0">
+                <a:latin typeface="Consolas" panose="020B0609020204030204" pitchFamily="49" charset="0"/>
+                <a:cs typeface="Consolas" panose="020B0609020204030204" pitchFamily="49" charset="0"/>
+              </a:rPr>
+              <a:t>input(</a:t>
+            </a:r>
+            <a:r>
+              <a:rPr lang="en-US" dirty="0">
+                <a:latin typeface="Consolas" panose="020B0609020204030204" pitchFamily="49" charset="0"/>
+                <a:cs typeface="Consolas" panose="020B0609020204030204" pitchFamily="49" charset="0"/>
+              </a:rPr>
+              <a:t>“Who was the first programmer”)</a:t>
+            </a:r>
+          </a:p>
+          <a:p>
+            <a:pPr lvl="1"/>
+            <a:endParaRPr lang="en-US" dirty="0"/>
+          </a:p>
+        </p:txBody>
+      </p:sp>
+    </p:spTree>
+    <p:extLst>
+      <p:ext uri="{BB962C8B-B14F-4D97-AF65-F5344CB8AC3E}">
+        <p14:creationId xmlns:p14="http://schemas.microsoft.com/office/powerpoint/2010/main" val="1512563093"/>
+      </p:ext>
+    </p:extLst>
+  </p:cSld>
+  <p:clrMapOvr>
+    <a:masterClrMapping/>
+  </p:clrMapOvr>
+  <mc:AlternateContent xmlns:mc="http://schemas.openxmlformats.org/markup-compatibility/2006" xmlns:p14="http://schemas.microsoft.com/office/powerpoint/2010/main">
+    <mc:Choice Requires="p14">
+      <p:transition p14:dur="300">
+        <p:fade/>
+      </p:transition>
+    </mc:Choice>
+    <mc:Fallback xmlns="">
+      <p:transition>
+        <p:fade/>
+      </p:transition>
+    </mc:Fallback>
+  </mc:AlternateContent>
+</p:sld>
+</file>
+
+<file path=ppt/slides/slide13.xml><?xml version="1.0" encoding="utf-8"?>
+<p:sld xmlns:a="http://schemas.openxmlformats.org/drawingml/2006/main" xmlns:r="http://schemas.openxmlformats.org/officeDocument/2006/relationships" xmlns:p="http://schemas.openxmlformats.org/presentationml/2006/main">
+  <p:cSld>
+    <p:spTree>
+      <p:nvGrpSpPr>
+        <p:cNvPr id="1" name=""/>
+        <p:cNvGrpSpPr/>
+        <p:nvPr/>
+      </p:nvGrpSpPr>
+      <p:grpSpPr>
+        <a:xfrm>
+          <a:off x="0" y="0"/>
+          <a:ext cx="0" cy="0"/>
+          <a:chOff x="0" y="0"/>
+          <a:chExt cx="0" cy="0"/>
+        </a:xfrm>
+      </p:grpSpPr>
+      <p:sp>
+        <p:nvSpPr>
+          <p:cNvPr id="2" name="Title 1">
+            <a:extLst>
+              <a:ext uri="{FF2B5EF4-FFF2-40B4-BE49-F238E27FC236}">
                 <a16:creationId xmlns:a16="http://schemas.microsoft.com/office/drawing/2014/main" id="{1DCDF973-BFA2-C840-BF93-BE11617BC769}"/>
               </a:ext>
             </a:extLst>
@@ -8302,8 +8409,8 @@
         </p:nvSpPr>
         <p:spPr>
           <a:xfrm>
-            <a:off x="2187993" y="2765120"/>
-            <a:ext cx="9441614" cy="1479502"/>
+            <a:off x="2187993" y="4661653"/>
+            <a:ext cx="9441614" cy="2161874"/>
           </a:xfrm>
         </p:spPr>
         <p:txBody>
@@ -8318,7 +8425,7 @@
                 <a:latin typeface="Consolas" panose="020B0609020204030204" pitchFamily="49" charset="0"/>
                 <a:cs typeface="Consolas" panose="020B0609020204030204" pitchFamily="49" charset="0"/>
               </a:rPr>
-              <a:t>answer = input(“Who was the first  programmer?”) </a:t>
+              <a:t>answer = input(“Who was the first programmer?”) </a:t>
             </a:r>
           </a:p>
           <a:p>
@@ -8341,6 +8448,91 @@
               <a:buNone/>
             </a:pPr>
             <a:endParaRPr lang="en-US" dirty="0"/>
+          </a:p>
+        </p:txBody>
+      </p:sp>
+      <p:sp>
+        <p:nvSpPr>
+          <p:cNvPr id="5" name="TextBox 4">
+            <a:extLst>
+              <a:ext uri="{FF2B5EF4-FFF2-40B4-BE49-F238E27FC236}">
+                <a16:creationId xmlns:a16="http://schemas.microsoft.com/office/drawing/2014/main" id="{398AD5FF-0D87-F346-BE7E-7F08821BCC27}"/>
+              </a:ext>
+            </a:extLst>
+          </p:cNvPr>
+          <p:cNvSpPr txBox="1"/>
+          <p:nvPr/>
+        </p:nvSpPr>
+        <p:spPr>
+          <a:xfrm>
+            <a:off x="2325511" y="2142923"/>
+            <a:ext cx="9990254" cy="1631216"/>
+          </a:xfrm>
+          <a:prstGeom prst="rect">
+            <a:avLst/>
+          </a:prstGeom>
+          <a:noFill/>
+        </p:spPr>
+        <p:txBody>
+          <a:bodyPr wrap="square" rtlCol="0">
+            <a:spAutoFit/>
+          </a:bodyPr>
+          <a:lstStyle/>
+          <a:p>
+            <a:r>
+              <a:rPr lang="en-US" dirty="0">
+                <a:latin typeface="Franklin Gothic Book" panose="020B0503020102020204" pitchFamily="34" charset="0"/>
+              </a:rPr>
+              <a:t>As a team, write a two line program:</a:t>
+            </a:r>
+          </a:p>
+          <a:p>
+            <a:pPr marL="342900" indent="-342900">
+              <a:buFont typeface="Arial" panose="020B0604020202020204" pitchFamily="34" charset="0"/>
+              <a:buChar char="•"/>
+            </a:pPr>
+            <a:r>
+              <a:rPr lang="en-US" dirty="0">
+                <a:latin typeface="Franklin Gothic Book" panose="020B0503020102020204" pitchFamily="34" charset="0"/>
+              </a:rPr>
+              <a:t>Prompts the client with the question “Who was the first programmer?”</a:t>
+            </a:r>
+          </a:p>
+          <a:p>
+            <a:pPr marL="342900" indent="-342900">
+              <a:buFont typeface="Arial" panose="020B0604020202020204" pitchFamily="34" charset="0"/>
+              <a:buChar char="•"/>
+            </a:pPr>
+            <a:r>
+              <a:rPr lang="en-US" dirty="0">
+                <a:latin typeface="Franklin Gothic Book" panose="020B0503020102020204" pitchFamily="34" charset="0"/>
+              </a:rPr>
+              <a:t>Prints in response  “(their input) was the first programmer.”</a:t>
+            </a:r>
+          </a:p>
+          <a:p>
+            <a:pPr marL="342900" indent="-342900">
+              <a:buFont typeface="Arial" panose="020B0604020202020204" pitchFamily="34" charset="0"/>
+              <a:buChar char="•"/>
+            </a:pPr>
+            <a:r>
+              <a:rPr lang="en-US" dirty="0">
+                <a:latin typeface="Franklin Gothic Book" panose="020B0503020102020204" pitchFamily="34" charset="0"/>
+              </a:rPr>
+              <a:t>You do not have to do this in a  computer! </a:t>
+            </a:r>
+          </a:p>
+          <a:p>
+            <a:pPr marL="852192" lvl="1" indent="-342900">
+              <a:buFont typeface="Arial" panose="020B0604020202020204" pitchFamily="34" charset="0"/>
+              <a:buChar char="•"/>
+            </a:pPr>
+            <a:r>
+              <a:rPr lang="en-US" dirty="0">
+                <a:latin typeface="Franklin Gothic Book" panose="020B0503020102020204" pitchFamily="34" charset="0"/>
+              </a:rPr>
+              <a:t>Just work on paper or a white board with your team. </a:t>
+            </a:r>
           </a:p>
         </p:txBody>
       </p:sp>
@@ -8348,6 +8540,259 @@
     <p:extLst>
       <p:ext uri="{BB962C8B-B14F-4D97-AF65-F5344CB8AC3E}">
         <p14:creationId xmlns:p14="http://schemas.microsoft.com/office/powerpoint/2010/main" val="2701031142"/>
+      </p:ext>
+    </p:extLst>
+  </p:cSld>
+  <p:clrMapOvr>
+    <a:masterClrMapping/>
+  </p:clrMapOvr>
+  <mc:AlternateContent xmlns:mc="http://schemas.openxmlformats.org/markup-compatibility/2006" xmlns:p14="http://schemas.microsoft.com/office/powerpoint/2010/main">
+    <mc:Choice Requires="p14">
+      <p:transition p14:dur="300">
+        <p:fade/>
+      </p:transition>
+    </mc:Choice>
+    <mc:Fallback xmlns="">
+      <p:transition>
+        <p:fade/>
+      </p:transition>
+    </mc:Fallback>
+  </mc:AlternateContent>
+  <p:timing>
+    <p:tnLst>
+      <p:par>
+        <p:cTn id="1" dur="indefinite" restart="never" nodeType="tmRoot">
+          <p:childTnLst>
+            <p:seq concurrent="1" nextAc="seek">
+              <p:cTn id="2" dur="indefinite" nodeType="mainSeq">
+                <p:childTnLst>
+                  <p:par>
+                    <p:cTn id="3" fill="hold">
+                      <p:stCondLst>
+                        <p:cond delay="indefinite"/>
+                      </p:stCondLst>
+                      <p:childTnLst>
+                        <p:par>
+                          <p:cTn id="4" fill="hold">
+                            <p:stCondLst>
+                              <p:cond delay="0"/>
+                            </p:stCondLst>
+                            <p:childTnLst>
+                              <p:par>
+                                <p:cTn id="5" presetID="9" presetClass="entr" presetSubtype="0" fill="hold" grpId="0" nodeType="clickEffect">
+                                  <p:stCondLst>
+                                    <p:cond delay="0"/>
+                                  </p:stCondLst>
+                                  <p:childTnLst>
+                                    <p:set>
+                                      <p:cBhvr>
+                                        <p:cTn id="6" dur="1" fill="hold">
+                                          <p:stCondLst>
+                                            <p:cond delay="0"/>
+                                          </p:stCondLst>
+                                        </p:cTn>
+                                        <p:tgtEl>
+                                          <p:spTgt spid="3">
+                                            <p:txEl>
+                                              <p:pRg st="0" end="0"/>
+                                            </p:txEl>
+                                          </p:spTgt>
+                                        </p:tgtEl>
+                                        <p:attrNameLst>
+                                          <p:attrName>style.visibility</p:attrName>
+                                        </p:attrNameLst>
+                                      </p:cBhvr>
+                                      <p:to>
+                                        <p:strVal val="visible"/>
+                                      </p:to>
+                                    </p:set>
+                                    <p:animEffect transition="in" filter="dissolve">
+                                      <p:cBhvr>
+                                        <p:cTn id="7" dur="500"/>
+                                        <p:tgtEl>
+                                          <p:spTgt spid="3">
+                                            <p:txEl>
+                                              <p:pRg st="0" end="0"/>
+                                            </p:txEl>
+                                          </p:spTgt>
+                                        </p:tgtEl>
+                                      </p:cBhvr>
+                                    </p:animEffect>
+                                  </p:childTnLst>
+                                </p:cTn>
+                              </p:par>
+                            </p:childTnLst>
+                          </p:cTn>
+                        </p:par>
+                      </p:childTnLst>
+                    </p:cTn>
+                  </p:par>
+                  <p:par>
+                    <p:cTn id="8" fill="hold">
+                      <p:stCondLst>
+                        <p:cond delay="indefinite"/>
+                      </p:stCondLst>
+                      <p:childTnLst>
+                        <p:par>
+                          <p:cTn id="9" fill="hold">
+                            <p:stCondLst>
+                              <p:cond delay="0"/>
+                            </p:stCondLst>
+                            <p:childTnLst>
+                              <p:par>
+                                <p:cTn id="10" presetID="9" presetClass="entr" presetSubtype="0" fill="hold" grpId="0" nodeType="clickEffect">
+                                  <p:stCondLst>
+                                    <p:cond delay="0"/>
+                                  </p:stCondLst>
+                                  <p:childTnLst>
+                                    <p:set>
+                                      <p:cBhvr>
+                                        <p:cTn id="11" dur="1" fill="hold">
+                                          <p:stCondLst>
+                                            <p:cond delay="0"/>
+                                          </p:stCondLst>
+                                        </p:cTn>
+                                        <p:tgtEl>
+                                          <p:spTgt spid="3">
+                                            <p:txEl>
+                                              <p:pRg st="1" end="1"/>
+                                            </p:txEl>
+                                          </p:spTgt>
+                                        </p:tgtEl>
+                                        <p:attrNameLst>
+                                          <p:attrName>style.visibility</p:attrName>
+                                        </p:attrNameLst>
+                                      </p:cBhvr>
+                                      <p:to>
+                                        <p:strVal val="visible"/>
+                                      </p:to>
+                                    </p:set>
+                                    <p:animEffect transition="in" filter="dissolve">
+                                      <p:cBhvr>
+                                        <p:cTn id="12" dur="500"/>
+                                        <p:tgtEl>
+                                          <p:spTgt spid="3">
+                                            <p:txEl>
+                                              <p:pRg st="1" end="1"/>
+                                            </p:txEl>
+                                          </p:spTgt>
+                                        </p:tgtEl>
+                                      </p:cBhvr>
+                                    </p:animEffect>
+                                  </p:childTnLst>
+                                </p:cTn>
+                              </p:par>
+                            </p:childTnLst>
+                          </p:cTn>
+                        </p:par>
+                      </p:childTnLst>
+                    </p:cTn>
+                  </p:par>
+                </p:childTnLst>
+              </p:cTn>
+              <p:prevCondLst>
+                <p:cond evt="onPrev" delay="0">
+                  <p:tgtEl>
+                    <p:sldTgt/>
+                  </p:tgtEl>
+                </p:cond>
+              </p:prevCondLst>
+              <p:nextCondLst>
+                <p:cond evt="onNext" delay="0">
+                  <p:tgtEl>
+                    <p:sldTgt/>
+                  </p:tgtEl>
+                </p:cond>
+              </p:nextCondLst>
+            </p:seq>
+          </p:childTnLst>
+        </p:cTn>
+      </p:par>
+    </p:tnLst>
+    <p:bldLst>
+      <p:bldP spid="3" grpId="0" build="p"/>
+    </p:bldLst>
+  </p:timing>
+</p:sld>
+</file>
+
+<file path=ppt/slides/slide14.xml><?xml version="1.0" encoding="utf-8"?>
+<p:sld xmlns:a="http://schemas.openxmlformats.org/drawingml/2006/main" xmlns:r="http://schemas.openxmlformats.org/officeDocument/2006/relationships" xmlns:p="http://schemas.openxmlformats.org/presentationml/2006/main">
+  <p:cSld>
+    <p:spTree>
+      <p:nvGrpSpPr>
+        <p:cNvPr id="1" name=""/>
+        <p:cNvGrpSpPr/>
+        <p:nvPr/>
+      </p:nvGrpSpPr>
+      <p:grpSpPr>
+        <a:xfrm>
+          <a:off x="0" y="0"/>
+          <a:ext cx="0" cy="0"/>
+          <a:chOff x="0" y="0"/>
+          <a:chExt cx="0" cy="0"/>
+        </a:xfrm>
+      </p:grpSpPr>
+      <p:sp>
+        <p:nvSpPr>
+          <p:cNvPr id="2" name="Title 1">
+            <a:extLst>
+              <a:ext uri="{FF2B5EF4-FFF2-40B4-BE49-F238E27FC236}">
+                <a16:creationId xmlns:a16="http://schemas.microsoft.com/office/drawing/2014/main" id="{93838C94-E64F-F94F-8E6E-CCB90AB7D9D1}"/>
+              </a:ext>
+            </a:extLst>
+          </p:cNvPr>
+          <p:cNvSpPr>
+            <a:spLocks noGrp="1"/>
+          </p:cNvSpPr>
+          <p:nvPr>
+            <p:ph type="title"/>
+          </p:nvPr>
+        </p:nvSpPr>
+        <p:spPr/>
+        <p:txBody>
+          <a:bodyPr/>
+          <a:lstStyle/>
+          <a:p>
+            <a:r>
+              <a:rPr lang="en-US" dirty="0"/>
+              <a:t>Thought Question</a:t>
+            </a:r>
+          </a:p>
+        </p:txBody>
+      </p:sp>
+      <p:sp>
+        <p:nvSpPr>
+          <p:cNvPr id="3" name="Text Placeholder 2">
+            <a:extLst>
+              <a:ext uri="{FF2B5EF4-FFF2-40B4-BE49-F238E27FC236}">
+                <a16:creationId xmlns:a16="http://schemas.microsoft.com/office/drawing/2014/main" id="{D0C1E9F7-86EE-EB44-A494-85BCDCE9AA47}"/>
+              </a:ext>
+            </a:extLst>
+          </p:cNvPr>
+          <p:cNvSpPr>
+            <a:spLocks noGrp="1"/>
+          </p:cNvSpPr>
+          <p:nvPr>
+            <p:ph type="body" sz="quarter" idx="10"/>
+          </p:nvPr>
+        </p:nvSpPr>
+        <p:spPr/>
+        <p:txBody>
+          <a:bodyPr/>
+          <a:lstStyle/>
+          <a:p>
+            <a:r>
+              <a:rPr lang="en-US" dirty="0"/>
+              <a:t>What great world event pushed computers as an essential tool towards victory?</a:t>
+            </a:r>
+          </a:p>
+        </p:txBody>
+      </p:sp>
+    </p:spTree>
+    <p:extLst>
+      <p:ext uri="{BB962C8B-B14F-4D97-AF65-F5344CB8AC3E}">
+        <p14:creationId xmlns:p14="http://schemas.microsoft.com/office/powerpoint/2010/main" val="2389025649"/>
       </p:ext>
     </p:extLst>
   </p:cSld>
@@ -8388,6 +8833,592 @@
       </p:grpSpPr>
       <p:sp>
         <p:nvSpPr>
+          <p:cNvPr id="5" name="Title 4">
+            <a:extLst>
+              <a:ext uri="{FF2B5EF4-FFF2-40B4-BE49-F238E27FC236}">
+                <a16:creationId xmlns:a16="http://schemas.microsoft.com/office/drawing/2014/main" id="{C41A88B0-CF49-5149-8DBA-17B1BA803727}"/>
+              </a:ext>
+            </a:extLst>
+          </p:cNvPr>
+          <p:cNvSpPr>
+            <a:spLocks noGrp="1"/>
+          </p:cNvSpPr>
+          <p:nvPr>
+            <p:ph type="title"/>
+          </p:nvPr>
+        </p:nvSpPr>
+        <p:spPr/>
+        <p:txBody>
+          <a:bodyPr/>
+          <a:lstStyle/>
+          <a:p>
+            <a:r>
+              <a:rPr lang="en-US" dirty="0"/>
+              <a:t>Weekly Announcements! </a:t>
+            </a:r>
+          </a:p>
+        </p:txBody>
+      </p:sp>
+      <p:sp>
+        <p:nvSpPr>
+          <p:cNvPr id="6" name="Text Placeholder 5">
+            <a:extLst>
+              <a:ext uri="{FF2B5EF4-FFF2-40B4-BE49-F238E27FC236}">
+                <a16:creationId xmlns:a16="http://schemas.microsoft.com/office/drawing/2014/main" id="{3D9F4D3B-2C08-BE45-8FD4-7843D5BB5458}"/>
+              </a:ext>
+            </a:extLst>
+          </p:cNvPr>
+          <p:cNvSpPr>
+            <a:spLocks noGrp="1"/>
+          </p:cNvSpPr>
+          <p:nvPr>
+            <p:ph type="body" idx="1"/>
+          </p:nvPr>
+        </p:nvSpPr>
+        <p:spPr>
+          <a:xfrm>
+            <a:off x="628075" y="1920725"/>
+            <a:ext cx="7261774" cy="4836081"/>
+          </a:xfrm>
+        </p:spPr>
+        <p:txBody>
+          <a:bodyPr/>
+          <a:lstStyle/>
+          <a:p>
+            <a:r>
+              <a:rPr lang="en-US" dirty="0"/>
+              <a:t>Will have these up every week! </a:t>
+            </a:r>
+          </a:p>
+          <a:p>
+            <a:r>
+              <a:rPr lang="en-US" dirty="0"/>
+              <a:t>Start of every class as you come to class.</a:t>
+            </a:r>
+          </a:p>
+          <a:p>
+            <a:r>
+              <a:rPr lang="en-US" dirty="0"/>
+              <a:t>Make sure to start the welcome question as soon as you sit down (meant to be done before class starts)</a:t>
+            </a:r>
+          </a:p>
+          <a:p>
+            <a:r>
+              <a:rPr lang="en-US" dirty="0"/>
+              <a:t>Monday end of day - be through Reading 2</a:t>
+            </a:r>
+          </a:p>
+          <a:p>
+            <a:pPr marL="230292" indent="0">
+              <a:buNone/>
+            </a:pPr>
+            <a:endParaRPr lang="en-US" dirty="0"/>
+          </a:p>
+          <a:p>
+            <a:pPr marL="230292" indent="0" algn="ctr">
+              <a:buNone/>
+            </a:pPr>
+            <a:r>
+              <a:rPr lang="en-US" b="1" dirty="0"/>
+              <a:t>ACM / ACM-W - Welcome Back Boardgames!</a:t>
+            </a:r>
+          </a:p>
+          <a:p>
+            <a:pPr marL="230292" indent="0" algn="ctr">
+              <a:buNone/>
+            </a:pPr>
+            <a:r>
+              <a:rPr lang="en-US" b="1" dirty="0"/>
+              <a:t>Pinon Hall 131 (the study area)</a:t>
+            </a:r>
+          </a:p>
+          <a:p>
+            <a:pPr marL="230292" indent="0" algn="ctr">
+              <a:buNone/>
+            </a:pPr>
+            <a:r>
+              <a:rPr lang="en-US" b="1" dirty="0"/>
+              <a:t>Thursday (26</a:t>
+            </a:r>
+            <a:r>
+              <a:rPr lang="en-US" b="1" baseline="30000" dirty="0"/>
+              <a:t>th</a:t>
+            </a:r>
+            <a:r>
+              <a:rPr lang="en-US" b="1" dirty="0"/>
+              <a:t>) 5:30 PM</a:t>
+            </a:r>
+          </a:p>
+          <a:p>
+            <a:pPr marL="230292" indent="0">
+              <a:buNone/>
+            </a:pPr>
+            <a:endParaRPr lang="en-US" dirty="0"/>
+          </a:p>
+          <a:p>
+            <a:pPr marL="230292" indent="0">
+              <a:buNone/>
+            </a:pPr>
+            <a:r>
+              <a:rPr lang="en-US" dirty="0"/>
+              <a:t>A super popular event, great way to meet others in the major, and have fun!</a:t>
+            </a:r>
+          </a:p>
+        </p:txBody>
+      </p:sp>
+      <p:sp>
+        <p:nvSpPr>
+          <p:cNvPr id="7" name="TextBox 6">
+            <a:extLst>
+              <a:ext uri="{FF2B5EF4-FFF2-40B4-BE49-F238E27FC236}">
+                <a16:creationId xmlns:a16="http://schemas.microsoft.com/office/drawing/2014/main" id="{F1F79DD2-1F3F-234C-A44A-3A87D436D29A}"/>
+              </a:ext>
+            </a:extLst>
+          </p:cNvPr>
+          <p:cNvSpPr txBox="1"/>
+          <p:nvPr/>
+        </p:nvSpPr>
+        <p:spPr>
+          <a:xfrm>
+            <a:off x="10054127" y="1658113"/>
+            <a:ext cx="3597662" cy="1938992"/>
+          </a:xfrm>
+          <a:prstGeom prst="rect">
+            <a:avLst/>
+          </a:prstGeom>
+          <a:noFill/>
+        </p:spPr>
+        <p:txBody>
+          <a:bodyPr wrap="square" rtlCol="0">
+            <a:spAutoFit/>
+          </a:bodyPr>
+          <a:lstStyle/>
+          <a:p>
+            <a:r>
+              <a:rPr lang="en-US" dirty="0"/>
+              <a:t>TODO Reminders:</a:t>
+            </a:r>
+          </a:p>
+          <a:p>
+            <a:endParaRPr lang="en-US" dirty="0"/>
+          </a:p>
+          <a:p>
+            <a:pPr marL="431797" indent="-431797">
+              <a:buFont typeface="Arial" panose="020B0604020202020204" pitchFamily="34" charset="0"/>
+              <a:buChar char="•"/>
+            </a:pPr>
+            <a:r>
+              <a:rPr lang="en-US" dirty="0"/>
+              <a:t>Setup MS Teams</a:t>
+            </a:r>
+          </a:p>
+          <a:p>
+            <a:pPr marL="431797" indent="-431797">
+              <a:buFont typeface="Arial" panose="020B0604020202020204" pitchFamily="34" charset="0"/>
+              <a:buChar char="•"/>
+            </a:pPr>
+            <a:r>
+              <a:rPr lang="en-US" dirty="0"/>
+              <a:t>Reading 1 (</a:t>
+            </a:r>
+            <a:r>
+              <a:rPr lang="en-US" dirty="0" err="1"/>
+              <a:t>Zybooks</a:t>
+            </a:r>
+            <a:r>
+              <a:rPr lang="en-US" dirty="0"/>
+              <a:t>)</a:t>
+            </a:r>
+          </a:p>
+          <a:p>
+            <a:pPr marL="431797" indent="-431797">
+              <a:buFont typeface="Arial" panose="020B0604020202020204" pitchFamily="34" charset="0"/>
+              <a:buChar char="•"/>
+            </a:pPr>
+            <a:r>
+              <a:rPr lang="en-US" dirty="0"/>
+              <a:t>Syllabus Quiz</a:t>
+            </a:r>
+          </a:p>
+          <a:p>
+            <a:pPr marL="431797" indent="-431797">
+              <a:buFont typeface="Arial" panose="020B0604020202020204" pitchFamily="34" charset="0"/>
+              <a:buChar char="•"/>
+            </a:pPr>
+            <a:r>
+              <a:rPr lang="en-US" dirty="0"/>
+              <a:t>Knowledge Check</a:t>
+            </a:r>
+          </a:p>
+        </p:txBody>
+      </p:sp>
+      <p:pic>
+        <p:nvPicPr>
+          <p:cNvPr id="9" name="Picture 8" descr="Colorful boardgame">
+            <a:extLst>
+              <a:ext uri="{FF2B5EF4-FFF2-40B4-BE49-F238E27FC236}">
+                <a16:creationId xmlns:a16="http://schemas.microsoft.com/office/drawing/2014/main" id="{BC3A9A58-C08A-AF44-AD73-70E2D33CF140}"/>
+              </a:ext>
+            </a:extLst>
+          </p:cNvPr>
+          <p:cNvPicPr>
+            <a:picLocks noChangeAspect="1"/>
+          </p:cNvPicPr>
+          <p:nvPr/>
+        </p:nvPicPr>
+        <p:blipFill>
+          <a:blip r:embed="rId2"/>
+          <a:stretch>
+            <a:fillRect/>
+          </a:stretch>
+        </p:blipFill>
+        <p:spPr>
+          <a:xfrm>
+            <a:off x="8499103" y="4597769"/>
+            <a:ext cx="3770926" cy="2507813"/>
+          </a:xfrm>
+          <a:prstGeom prst="rect">
+            <a:avLst/>
+          </a:prstGeom>
+        </p:spPr>
+      </p:pic>
+      <p:sp>
+        <p:nvSpPr>
+          <p:cNvPr id="2" name="TextBox 1">
+            <a:extLst>
+              <a:ext uri="{FF2B5EF4-FFF2-40B4-BE49-F238E27FC236}">
+                <a16:creationId xmlns:a16="http://schemas.microsoft.com/office/drawing/2014/main" id="{0F43C21B-604B-A648-82D6-7A71D12BC284}"/>
+              </a:ext>
+            </a:extLst>
+          </p:cNvPr>
+          <p:cNvSpPr txBox="1"/>
+          <p:nvPr/>
+        </p:nvSpPr>
+        <p:spPr>
+          <a:xfrm>
+            <a:off x="2336800" y="197372"/>
+            <a:ext cx="10249922" cy="707886"/>
+          </a:xfrm>
+          <a:prstGeom prst="rect">
+            <a:avLst/>
+          </a:prstGeom>
+          <a:solidFill>
+            <a:schemeClr val="accent1"/>
+          </a:solidFill>
+        </p:spPr>
+        <p:txBody>
+          <a:bodyPr wrap="none" rtlCol="0">
+            <a:spAutoFit/>
+          </a:bodyPr>
+          <a:lstStyle/>
+          <a:p>
+            <a:r>
+              <a:rPr lang="en-US" dirty="0"/>
+              <a:t>Welcome Question: </a:t>
+            </a:r>
+            <a:r>
+              <a:rPr lang="en-US" b="1" dirty="0"/>
+              <a:t>Favorite board/card Game or game in general?</a:t>
+            </a:r>
+            <a:br>
+              <a:rPr lang="en-US" b="1" dirty="0"/>
+            </a:br>
+            <a:r>
+              <a:rPr lang="en-US" dirty="0"/>
+              <a:t>Remember: Introduce yourself, chat, and I will see if you can recall everyone as the table!</a:t>
+            </a:r>
+          </a:p>
+        </p:txBody>
+      </p:sp>
+    </p:spTree>
+    <p:extLst>
+      <p:ext uri="{BB962C8B-B14F-4D97-AF65-F5344CB8AC3E}">
+        <p14:creationId xmlns:p14="http://schemas.microsoft.com/office/powerpoint/2010/main" val="2954226462"/>
+      </p:ext>
+    </p:extLst>
+  </p:cSld>
+  <p:clrMapOvr>
+    <a:masterClrMapping/>
+  </p:clrMapOvr>
+  <p:transition>
+    <p:fade/>
+  </p:transition>
+</p:sld>
+</file>
+
+<file path=ppt/slides/slide3.xml><?xml version="1.0" encoding="utf-8"?>
+<p:sld xmlns:a="http://schemas.openxmlformats.org/drawingml/2006/main" xmlns:r="http://schemas.openxmlformats.org/officeDocument/2006/relationships" xmlns:p="http://schemas.openxmlformats.org/presentationml/2006/main">
+  <p:cSld>
+    <p:spTree>
+      <p:nvGrpSpPr>
+        <p:cNvPr id="1" name=""/>
+        <p:cNvGrpSpPr/>
+        <p:nvPr/>
+      </p:nvGrpSpPr>
+      <p:grpSpPr>
+        <a:xfrm>
+          <a:off x="0" y="0"/>
+          <a:ext cx="0" cy="0"/>
+          <a:chOff x="0" y="0"/>
+          <a:chExt cx="0" cy="0"/>
+        </a:xfrm>
+      </p:grpSpPr>
+      <p:sp>
+        <p:nvSpPr>
+          <p:cNvPr id="2" name="Title 1">
+            <a:extLst>
+              <a:ext uri="{FF2B5EF4-FFF2-40B4-BE49-F238E27FC236}">
+                <a16:creationId xmlns:a16="http://schemas.microsoft.com/office/drawing/2014/main" id="{58B07195-1340-7B4F-B7C0-C40A7A92AFB8}"/>
+              </a:ext>
+            </a:extLst>
+          </p:cNvPr>
+          <p:cNvSpPr>
+            <a:spLocks noGrp="1"/>
+          </p:cNvSpPr>
+          <p:nvPr>
+            <p:ph type="title"/>
+          </p:nvPr>
+        </p:nvSpPr>
+        <p:spPr/>
+        <p:txBody>
+          <a:bodyPr/>
+          <a:lstStyle/>
+          <a:p>
+            <a:r>
+              <a:rPr lang="en-US" dirty="0" err="1"/>
+              <a:t>Zybooks</a:t>
+            </a:r>
+            <a:r>
+              <a:rPr lang="en-US" dirty="0"/>
+              <a:t> Reminders</a:t>
+            </a:r>
+          </a:p>
+        </p:txBody>
+      </p:sp>
+      <p:sp>
+        <p:nvSpPr>
+          <p:cNvPr id="3" name="Text Placeholder 2">
+            <a:extLst>
+              <a:ext uri="{FF2B5EF4-FFF2-40B4-BE49-F238E27FC236}">
+                <a16:creationId xmlns:a16="http://schemas.microsoft.com/office/drawing/2014/main" id="{28B6DB16-4DCB-4F43-B33E-38F3283CB8E0}"/>
+              </a:ext>
+            </a:extLst>
+          </p:cNvPr>
+          <p:cNvSpPr>
+            <a:spLocks noGrp="1"/>
+          </p:cNvSpPr>
+          <p:nvPr>
+            <p:ph type="body" idx="1"/>
+          </p:nvPr>
+        </p:nvSpPr>
+        <p:spPr>
+          <a:xfrm>
+            <a:off x="628075" y="1874718"/>
+            <a:ext cx="12561413" cy="5564660"/>
+          </a:xfrm>
+        </p:spPr>
+        <p:txBody>
+          <a:bodyPr/>
+          <a:lstStyle/>
+          <a:p>
+            <a:r>
+              <a:rPr lang="en-US" dirty="0"/>
+              <a:t>Make sure it syncs back to canvas</a:t>
+            </a:r>
+          </a:p>
+          <a:p>
+            <a:pPr lvl="1"/>
+            <a:r>
+              <a:rPr lang="en-US" dirty="0"/>
+              <a:t>If you click through the canvas link – it ‘auto syncs’ (think autosaves) </a:t>
+            </a:r>
+          </a:p>
+          <a:p>
+            <a:pPr lvl="1"/>
+            <a:r>
+              <a:rPr lang="en-US" dirty="0"/>
+              <a:t>Alright if the score is low, it will overwrite the score as you do more</a:t>
+            </a:r>
+          </a:p>
+          <a:p>
+            <a:r>
+              <a:rPr lang="en-US" dirty="0"/>
+              <a:t>But – Always open assignment in canvas and “click through” before you start working</a:t>
+            </a:r>
+          </a:p>
+          <a:p>
+            <a:pPr lvl="1"/>
+            <a:r>
+              <a:rPr lang="en-US" dirty="0"/>
+              <a:t>Can easily ‘time out’ </a:t>
+            </a:r>
+          </a:p>
+          <a:p>
+            <a:r>
+              <a:rPr lang="en-US" dirty="0"/>
+              <a:t>Not syncing?</a:t>
+            </a:r>
+          </a:p>
+          <a:p>
+            <a:pPr lvl="1"/>
+            <a:r>
+              <a:rPr lang="en-US" dirty="0"/>
+              <a:t>Check emails – Canvas reports </a:t>
+            </a:r>
+            <a:r>
+              <a:rPr lang="en-US" b="1" dirty="0" err="1"/>
+              <a:t>First.Last@colostate.edu</a:t>
+            </a:r>
+            <a:r>
+              <a:rPr lang="en-US" b="1" dirty="0"/>
+              <a:t> </a:t>
+            </a:r>
+          </a:p>
+          <a:p>
+            <a:pPr lvl="2"/>
+            <a:r>
+              <a:rPr lang="en-US" dirty="0"/>
+              <a:t>you may have used </a:t>
+            </a:r>
+            <a:r>
+              <a:rPr lang="en-US" dirty="0" err="1"/>
+              <a:t>ename@colostate.edu</a:t>
+            </a:r>
+            <a:r>
+              <a:rPr lang="en-US" dirty="0"/>
+              <a:t> </a:t>
+            </a:r>
+          </a:p>
+          <a:p>
+            <a:pPr lvl="2"/>
+            <a:r>
+              <a:rPr lang="en-US" dirty="0"/>
+              <a:t>Especially if you didn’t follow instructions to wait until the first reading to sign up</a:t>
+            </a:r>
+          </a:p>
+          <a:p>
+            <a:pPr lvl="2"/>
+            <a:r>
+              <a:rPr lang="en-US" dirty="0"/>
+              <a:t>Fix – add your </a:t>
+            </a:r>
+            <a:r>
+              <a:rPr lang="en-US" dirty="0" err="1"/>
+              <a:t>First.Last</a:t>
+            </a:r>
+            <a:r>
+              <a:rPr lang="en-US" dirty="0"/>
+              <a:t> – email to your </a:t>
+            </a:r>
+            <a:r>
+              <a:rPr lang="en-US" dirty="0" err="1"/>
+              <a:t>zybooks</a:t>
+            </a:r>
+            <a:r>
+              <a:rPr lang="en-US" dirty="0"/>
+              <a:t> profile. </a:t>
+            </a:r>
+          </a:p>
+          <a:p>
+            <a:pPr lvl="3"/>
+            <a:r>
+              <a:rPr lang="en-US" dirty="0"/>
+              <a:t>More complicated issue if you created two accounts, only </a:t>
+            </a:r>
+            <a:r>
+              <a:rPr lang="en-US" dirty="0" err="1"/>
+              <a:t>zybooks</a:t>
+            </a:r>
+            <a:r>
+              <a:rPr lang="en-US" dirty="0"/>
+              <a:t> support can merge them</a:t>
+            </a:r>
+          </a:p>
+          <a:p>
+            <a:r>
+              <a:rPr lang="en-US" dirty="0"/>
+              <a:t>Access Code? Manage </a:t>
+            </a:r>
+            <a:r>
+              <a:rPr lang="en-US" dirty="0" err="1"/>
+              <a:t>eResources</a:t>
+            </a:r>
+            <a:endParaRPr lang="en-US" dirty="0"/>
+          </a:p>
+          <a:p>
+            <a:pPr lvl="1"/>
+            <a:r>
+              <a:rPr lang="en-US" dirty="0"/>
+              <a:t>Not there? Contact Bookstore</a:t>
+            </a:r>
+          </a:p>
+        </p:txBody>
+      </p:sp>
+      <p:pic>
+        <p:nvPicPr>
+          <p:cNvPr id="4" name="Picture 3">
+            <a:extLst>
+              <a:ext uri="{FF2B5EF4-FFF2-40B4-BE49-F238E27FC236}">
+                <a16:creationId xmlns:a16="http://schemas.microsoft.com/office/drawing/2014/main" id="{3D9F3D4F-8275-8C4D-AED3-BBE510BCAFB4}"/>
+              </a:ext>
+            </a:extLst>
+          </p:cNvPr>
+          <p:cNvPicPr>
+            <a:picLocks noChangeAspect="1"/>
+          </p:cNvPicPr>
+          <p:nvPr/>
+        </p:nvPicPr>
+        <p:blipFill>
+          <a:blip r:embed="rId2"/>
+          <a:stretch>
+            <a:fillRect/>
+          </a:stretch>
+        </p:blipFill>
+        <p:spPr>
+          <a:xfrm>
+            <a:off x="10783711" y="333022"/>
+            <a:ext cx="2590800" cy="1803400"/>
+          </a:xfrm>
+          <a:prstGeom prst="rect">
+            <a:avLst/>
+          </a:prstGeom>
+        </p:spPr>
+      </p:pic>
+    </p:spTree>
+    <p:extLst>
+      <p:ext uri="{BB962C8B-B14F-4D97-AF65-F5344CB8AC3E}">
+        <p14:creationId xmlns:p14="http://schemas.microsoft.com/office/powerpoint/2010/main" val="2843381743"/>
+      </p:ext>
+    </p:extLst>
+  </p:cSld>
+  <p:clrMapOvr>
+    <a:masterClrMapping/>
+  </p:clrMapOvr>
+  <p:transition>
+    <p:fade/>
+  </p:transition>
+</p:sld>
+</file>
+
+<file path=ppt/slides/slide4.xml><?xml version="1.0" encoding="utf-8"?>
+<p:sld xmlns:a="http://schemas.openxmlformats.org/drawingml/2006/main" xmlns:r="http://schemas.openxmlformats.org/officeDocument/2006/relationships" xmlns:p="http://schemas.openxmlformats.org/presentationml/2006/main">
+  <p:cSld>
+    <p:spTree>
+      <p:nvGrpSpPr>
+        <p:cNvPr id="1" name=""/>
+        <p:cNvGrpSpPr/>
+        <p:nvPr/>
+      </p:nvGrpSpPr>
+      <p:grpSpPr>
+        <a:xfrm>
+          <a:off x="0" y="0"/>
+          <a:ext cx="0" cy="0"/>
+          <a:chOff x="0" y="0"/>
+          <a:chExt cx="0" cy="0"/>
+        </a:xfrm>
+      </p:grpSpPr>
+      <p:sp>
+        <p:nvSpPr>
           <p:cNvPr id="4" name="Title 3">
             <a:extLst>
               <a:ext uri="{FF2B5EF4-FFF2-40B4-BE49-F238E27FC236}">
@@ -8518,7 +9549,7 @@
         </p:nvSpPr>
         <p:spPr>
           <a:xfrm>
-            <a:off x="12877257" y="1"/>
+            <a:off x="12624269" y="212392"/>
             <a:ext cx="1130438" cy="557397"/>
           </a:xfrm>
           <a:prstGeom prst="rect">
@@ -8555,127 +9586,7 @@
 </p:sld>
 </file>
 
-<file path=ppt/slides/slide3.xml><?xml version="1.0" encoding="utf-8"?>
-<p:sld xmlns:a="http://schemas.openxmlformats.org/drawingml/2006/main" xmlns:r="http://schemas.openxmlformats.org/officeDocument/2006/relationships" xmlns:p="http://schemas.openxmlformats.org/presentationml/2006/main">
-  <p:cSld>
-    <p:spTree>
-      <p:nvGrpSpPr>
-        <p:cNvPr id="1" name="Shape 191"/>
-        <p:cNvGrpSpPr/>
-        <p:nvPr/>
-      </p:nvGrpSpPr>
-      <p:grpSpPr>
-        <a:xfrm>
-          <a:off x="0" y="0"/>
-          <a:ext cx="0" cy="0"/>
-          <a:chOff x="0" y="0"/>
-          <a:chExt cx="0" cy="0"/>
-        </a:xfrm>
-      </p:grpSpPr>
-      <p:sp>
-        <p:nvSpPr>
-          <p:cNvPr id="192" name="Google Shape;192;p40"/>
-          <p:cNvSpPr txBox="1">
-            <a:spLocks noGrp="1"/>
-          </p:cNvSpPr>
-          <p:nvPr>
-            <p:ph type="title"/>
-          </p:nvPr>
-        </p:nvSpPr>
-        <p:spPr>
-          <a:xfrm>
-            <a:off x="628075" y="905258"/>
-            <a:ext cx="12561413" cy="1015467"/>
-          </a:xfrm>
-          <a:prstGeom prst="rect">
-            <a:avLst/>
-          </a:prstGeom>
-        </p:spPr>
-        <p:txBody>
-          <a:bodyPr spcFirstLastPara="1" vert="horz" wrap="square" lIns="91422" tIns="91422" rIns="91422" bIns="91422" rtlCol="0" anchor="b" anchorCtr="0">
-            <a:noAutofit/>
-          </a:bodyPr>
-          <a:lstStyle/>
-          <a:p>
-            <a:r>
-              <a:rPr lang="en" dirty="0"/>
-              <a:t>How did it all start?</a:t>
-            </a:r>
-            <a:endParaRPr dirty="0"/>
-          </a:p>
-        </p:txBody>
-      </p:sp>
-      <p:sp>
-        <p:nvSpPr>
-          <p:cNvPr id="193" name="Google Shape;193;p40"/>
-          <p:cNvSpPr txBox="1">
-            <a:spLocks noGrp="1"/>
-          </p:cNvSpPr>
-          <p:nvPr>
-            <p:ph type="body" idx="1"/>
-          </p:nvPr>
-        </p:nvSpPr>
-        <p:spPr>
-          <a:xfrm>
-            <a:off x="628075" y="2164732"/>
-            <a:ext cx="12561413" cy="2015520"/>
-          </a:xfrm>
-          <a:prstGeom prst="rect">
-            <a:avLst/>
-          </a:prstGeom>
-        </p:spPr>
-        <p:txBody>
-          <a:bodyPr spcFirstLastPara="1" vert="horz" wrap="square" lIns="91422" tIns="91422" rIns="91422" bIns="91422" rtlCol="0" anchor="t" anchorCtr="0">
-            <a:noAutofit/>
-          </a:bodyPr>
-          <a:lstStyle/>
-          <a:p>
-            <a:pPr>
-              <a:buChar char="●"/>
-            </a:pPr>
-            <a:r>
-              <a:rPr lang="en" dirty="0"/>
-              <a:t>First Industry</a:t>
-            </a:r>
-            <a:endParaRPr dirty="0"/>
-          </a:p>
-          <a:p>
-            <a:pPr>
-              <a:spcBef>
-                <a:spcPts val="0"/>
-              </a:spcBef>
-              <a:buChar char="●"/>
-            </a:pPr>
-            <a:r>
-              <a:rPr lang="en" dirty="0"/>
-              <a:t>First Computer</a:t>
-            </a:r>
-            <a:endParaRPr dirty="0"/>
-          </a:p>
-          <a:p>
-            <a:pPr>
-              <a:spcBef>
-                <a:spcPts val="0"/>
-              </a:spcBef>
-              <a:buChar char="●"/>
-            </a:pPr>
-            <a:r>
-              <a:rPr lang="en" dirty="0"/>
-              <a:t>First Programmer</a:t>
-            </a:r>
-            <a:endParaRPr dirty="0"/>
-          </a:p>
-        </p:txBody>
-      </p:sp>
-    </p:spTree>
-  </p:cSld>
-  <p:clrMapOvr>
-    <a:masterClrMapping/>
-  </p:clrMapOvr>
-</p:sld>
-</file>
-
-<file path=ppt/slides/slide4.xml><?xml version="1.0" encoding="utf-8"?>
+<file path=ppt/slides/slide5.xml><?xml version="1.0" encoding="utf-8"?>
 <p:sld xmlns:a="http://schemas.openxmlformats.org/drawingml/2006/main" xmlns:r="http://schemas.openxmlformats.org/officeDocument/2006/relationships" xmlns:p="http://schemas.openxmlformats.org/presentationml/2006/main">
   <p:cSld>
     <p:spTree>
@@ -8904,7 +9815,7 @@
 </p:sld>
 </file>
 
-<file path=ppt/slides/slide5.xml><?xml version="1.0" encoding="utf-8"?>
+<file path=ppt/slides/slide6.xml><?xml version="1.0" encoding="utf-8"?>
 <p:sld xmlns:a="http://schemas.openxmlformats.org/drawingml/2006/main" xmlns:r="http://schemas.openxmlformats.org/officeDocument/2006/relationships" xmlns:p="http://schemas.openxmlformats.org/presentationml/2006/main">
   <p:cSld>
     <p:spTree>
@@ -9136,7 +10047,7 @@
 </p:sld>
 </file>
 
-<file path=ppt/slides/slide6.xml><?xml version="1.0" encoding="utf-8"?>
+<file path=ppt/slides/slide7.xml><?xml version="1.0" encoding="utf-8"?>
 <p:sld xmlns:a="http://schemas.openxmlformats.org/drawingml/2006/main" xmlns:r="http://schemas.openxmlformats.org/officeDocument/2006/relationships" xmlns:p="http://schemas.openxmlformats.org/presentationml/2006/main">
   <p:cSld>
     <p:spTree>
@@ -9456,7 +10367,7 @@
 </p:sld>
 </file>
 
-<file path=ppt/slides/slide7.xml><?xml version="1.0" encoding="utf-8"?>
+<file path=ppt/slides/slide8.xml><?xml version="1.0" encoding="utf-8"?>
 <p:sld xmlns:a="http://schemas.openxmlformats.org/drawingml/2006/main" xmlns:r="http://schemas.openxmlformats.org/officeDocument/2006/relationships" xmlns:p="http://schemas.openxmlformats.org/presentationml/2006/main">
   <p:cSld>
     <p:spTree>
@@ -9518,8 +10429,8 @@
         </p:nvSpPr>
         <p:spPr>
           <a:xfrm>
-            <a:off x="628094" y="2106489"/>
-            <a:ext cx="7976853" cy="4341573"/>
+            <a:off x="339909" y="2095983"/>
+            <a:ext cx="8651373" cy="4341573"/>
           </a:xfrm>
           <a:prstGeom prst="rect">
             <a:avLst/>
@@ -9536,7 +10447,7 @@
               <a:buAutoNum type="arabicPeriod"/>
             </a:pPr>
             <a:r>
-              <a:rPr lang="en" sz="2116"/>
+              <a:rPr lang="en" sz="2116" dirty="0"/>
               <a:t>Grew up in a rich but a single mother household</a:t>
             </a:r>
             <a:endParaRPr sz="2116" dirty="0"/>
@@ -9550,7 +10461,7 @@
               <a:buAutoNum type="alphaLcPeriod"/>
             </a:pPr>
             <a:r>
-              <a:rPr lang="en" sz="1964"/>
+              <a:rPr lang="en" sz="1964" dirty="0"/>
               <a:t>Father was the famous poet Lord Byron </a:t>
             </a:r>
             <a:endParaRPr sz="1964" dirty="0"/>
@@ -9564,7 +10475,7 @@
               <a:buAutoNum type="alphaLcPeriod"/>
             </a:pPr>
             <a:r>
-              <a:rPr lang="en" sz="1964"/>
+              <a:rPr lang="en" sz="1964" dirty="0"/>
               <a:t>Was known as a rebellious child and adult (non-conformist) </a:t>
             </a:r>
             <a:endParaRPr sz="1964" dirty="0"/>
@@ -9578,7 +10489,7 @@
               <a:buAutoNum type="alphaLcPeriod"/>
             </a:pPr>
             <a:r>
-              <a:rPr lang="en" sz="1964"/>
+              <a:rPr lang="en" sz="1964" dirty="0"/>
               <a:t>Mother insisted on her becoming a mathematician </a:t>
             </a:r>
             <a:endParaRPr sz="1964" dirty="0"/>
@@ -9592,7 +10503,7 @@
               <a:buAutoNum type="arabicPeriod"/>
             </a:pPr>
             <a:r>
-              <a:rPr lang="en" sz="2116"/>
+              <a:rPr lang="en" sz="2116" dirty="0"/>
               <a:t>She was unruly: </a:t>
             </a:r>
             <a:endParaRPr sz="2116" dirty="0"/>
@@ -9606,7 +10517,7 @@
               <a:buAutoNum type="alphaLcPeriod"/>
             </a:pPr>
             <a:r>
-              <a:rPr lang="en" sz="2116"/>
+              <a:rPr lang="en" sz="2116" dirty="0"/>
               <a:t>part artist</a:t>
             </a:r>
             <a:endParaRPr sz="2116" dirty="0"/>
@@ -9620,7 +10531,7 @@
               <a:buAutoNum type="alphaLcPeriod"/>
             </a:pPr>
             <a:r>
-              <a:rPr lang="en" sz="2116"/>
+              <a:rPr lang="en" sz="2116" dirty="0"/>
               <a:t>part scientist</a:t>
             </a:r>
             <a:endParaRPr sz="2116" dirty="0"/>
@@ -9634,7 +10545,7 @@
               <a:buAutoNum type="alphaLcPeriod"/>
             </a:pPr>
             <a:r>
-              <a:rPr lang="en" sz="2116"/>
+              <a:rPr lang="en" sz="2116" dirty="0"/>
               <a:t>part philosopher</a:t>
             </a:r>
             <a:endParaRPr sz="1964" dirty="0"/>
@@ -9648,7 +10559,7 @@
               <a:buAutoNum type="arabicPeriod"/>
             </a:pPr>
             <a:r>
-              <a:rPr lang="en" sz="2116"/>
+              <a:rPr lang="en" sz="2116" dirty="0"/>
               <a:t>Wrote the first “Computer Program”</a:t>
             </a:r>
             <a:endParaRPr sz="2116" dirty="0"/>
@@ -9662,7 +10573,7 @@
               <a:buAutoNum type="arabicPeriod"/>
             </a:pPr>
             <a:r>
-              <a:rPr lang="en" sz="2116"/>
+              <a:rPr lang="en" sz="2116" dirty="0"/>
               <a:t>Theorized computers could be ‘general purpose’ machines to solve complex problems. </a:t>
             </a:r>
             <a:endParaRPr sz="2116" dirty="0"/>
@@ -9826,7 +10737,7 @@
 </p:sld>
 </file>
 
-<file path=ppt/slides/slide8.xml><?xml version="1.0" encoding="utf-8"?>
+<file path=ppt/slides/slide9.xml><?xml version="1.0" encoding="utf-8"?>
 <p:sld xmlns:a="http://schemas.openxmlformats.org/drawingml/2006/main" xmlns:r="http://schemas.openxmlformats.org/officeDocument/2006/relationships" xmlns:p="http://schemas.openxmlformats.org/presentationml/2006/main">
   <p:cSld>
     <p:spTree>
@@ -9896,219 +10807,59 @@
           </a:p>
         </p:txBody>
       </p:sp>
+      <p:sp>
+        <p:nvSpPr>
+          <p:cNvPr id="2" name="TextBox 1">
+            <a:extLst>
+              <a:ext uri="{FF2B5EF4-FFF2-40B4-BE49-F238E27FC236}">
+                <a16:creationId xmlns:a16="http://schemas.microsoft.com/office/drawing/2014/main" id="{A968738E-6B2C-A64F-9DA8-E68E9A79543A}"/>
+              </a:ext>
+            </a:extLst>
+          </p:cNvPr>
+          <p:cNvSpPr txBox="1"/>
+          <p:nvPr/>
+        </p:nvSpPr>
+        <p:spPr>
+          <a:xfrm>
+            <a:off x="4831644" y="6818488"/>
+            <a:ext cx="6538072" cy="707886"/>
+          </a:xfrm>
+          <a:prstGeom prst="rect">
+            <a:avLst/>
+          </a:prstGeom>
+          <a:noFill/>
+        </p:spPr>
+        <p:txBody>
+          <a:bodyPr wrap="none" rtlCol="0">
+            <a:spAutoFit/>
+          </a:bodyPr>
+          <a:lstStyle/>
+          <a:p>
+            <a:r>
+              <a:rPr lang="en-US" dirty="0"/>
+              <a:t>Quick Reminder: You should do reading </a:t>
+            </a:r>
+            <a:r>
+              <a:rPr lang="en-US" b="1" dirty="0"/>
+              <a:t>before</a:t>
+            </a:r>
+            <a:r>
+              <a:rPr lang="en-US" dirty="0"/>
+              <a:t> lecture. </a:t>
+            </a:r>
+          </a:p>
+          <a:p>
+            <a:r>
+              <a:rPr lang="en-US" dirty="0"/>
+              <a:t>Content assumes you have. </a:t>
+            </a:r>
+          </a:p>
+        </p:txBody>
+      </p:sp>
     </p:spTree>
     <p:extLst>
       <p:ext uri="{BB962C8B-B14F-4D97-AF65-F5344CB8AC3E}">
         <p14:creationId xmlns:p14="http://schemas.microsoft.com/office/powerpoint/2010/main" val="2070328429"/>
-      </p:ext>
-    </p:extLst>
-  </p:cSld>
-  <p:clrMapOvr>
-    <a:masterClrMapping/>
-  </p:clrMapOvr>
-  <mc:AlternateContent xmlns:mc="http://schemas.openxmlformats.org/markup-compatibility/2006" xmlns:p14="http://schemas.microsoft.com/office/powerpoint/2010/main">
-    <mc:Choice Requires="p14">
-      <p:transition p14:dur="300">
-        <p:fade/>
-      </p:transition>
-    </mc:Choice>
-    <mc:Fallback xmlns="">
-      <p:transition>
-        <p:fade/>
-      </p:transition>
-    </mc:Fallback>
-  </mc:AlternateContent>
-</p:sld>
-</file>
-
-<file path=ppt/slides/slide9.xml><?xml version="1.0" encoding="utf-8"?>
-<p:sld xmlns:a="http://schemas.openxmlformats.org/drawingml/2006/main" xmlns:r="http://schemas.openxmlformats.org/officeDocument/2006/relationships" xmlns:p="http://schemas.openxmlformats.org/presentationml/2006/main">
-  <p:cSld>
-    <p:spTree>
-      <p:nvGrpSpPr>
-        <p:cNvPr id="1" name=""/>
-        <p:cNvGrpSpPr/>
-        <p:nvPr/>
-      </p:nvGrpSpPr>
-      <p:grpSpPr>
-        <a:xfrm>
-          <a:off x="0" y="0"/>
-          <a:ext cx="0" cy="0"/>
-          <a:chOff x="0" y="0"/>
-          <a:chExt cx="0" cy="0"/>
-        </a:xfrm>
-      </p:grpSpPr>
-      <p:sp>
-        <p:nvSpPr>
-          <p:cNvPr id="4" name="Title 3">
-            <a:extLst>
-              <a:ext uri="{FF2B5EF4-FFF2-40B4-BE49-F238E27FC236}">
-                <a16:creationId xmlns:a16="http://schemas.microsoft.com/office/drawing/2014/main" id="{5C1EDB58-5A7E-E742-845D-F2420A07AFD1}"/>
-              </a:ext>
-            </a:extLst>
-          </p:cNvPr>
-          <p:cNvSpPr>
-            <a:spLocks noGrp="1"/>
-          </p:cNvSpPr>
-          <p:nvPr>
-            <p:ph type="title"/>
-          </p:nvPr>
-        </p:nvSpPr>
-        <p:spPr/>
-        <p:txBody>
-          <a:bodyPr/>
-          <a:lstStyle/>
-          <a:p>
-            <a:r>
-              <a:rPr lang="en-US" dirty="0"/>
-              <a:t>Python</a:t>
-            </a:r>
-          </a:p>
-        </p:txBody>
-      </p:sp>
-      <p:sp>
-        <p:nvSpPr>
-          <p:cNvPr id="5" name="Text Placeholder 4">
-            <a:extLst>
-              <a:ext uri="{FF2B5EF4-FFF2-40B4-BE49-F238E27FC236}">
-                <a16:creationId xmlns:a16="http://schemas.microsoft.com/office/drawing/2014/main" id="{D16DB7A2-2392-ED45-9FF5-E34A4360A452}"/>
-              </a:ext>
-            </a:extLst>
-          </p:cNvPr>
-          <p:cNvSpPr>
-            <a:spLocks noGrp="1"/>
-          </p:cNvSpPr>
-          <p:nvPr>
-            <p:ph type="body" sz="quarter" idx="10"/>
-          </p:nvPr>
-        </p:nvSpPr>
-        <p:spPr>
-          <a:xfrm>
-            <a:off x="628075" y="1776683"/>
-            <a:ext cx="12561453" cy="5178021"/>
-          </a:xfrm>
-        </p:spPr>
-        <p:txBody>
-          <a:bodyPr/>
-          <a:lstStyle/>
-          <a:p>
-            <a:r>
-              <a:rPr lang="en-US" dirty="0"/>
-              <a:t>A Modern Programming Language</a:t>
-            </a:r>
-          </a:p>
-          <a:p>
-            <a:pPr lvl="1"/>
-            <a:r>
-              <a:rPr lang="en-US" dirty="0"/>
-              <a:t>Focuses on ‘scripting’</a:t>
-            </a:r>
-          </a:p>
-          <a:p>
-            <a:pPr lvl="1"/>
-            <a:r>
-              <a:rPr lang="en-US" dirty="0"/>
-              <a:t>Interpreted  </a:t>
-            </a:r>
-          </a:p>
-          <a:p>
-            <a:pPr lvl="2"/>
-            <a:r>
-              <a:rPr lang="en-US" dirty="0"/>
-              <a:t>Takes another program to run the code</a:t>
-            </a:r>
-          </a:p>
-          <a:p>
-            <a:r>
-              <a:rPr lang="en-US" dirty="0"/>
-              <a:t>Common Uses</a:t>
-            </a:r>
-          </a:p>
-          <a:p>
-            <a:pPr lvl="1"/>
-            <a:r>
-              <a:rPr lang="en-US" dirty="0"/>
-              <a:t>Research</a:t>
-            </a:r>
-          </a:p>
-          <a:p>
-            <a:pPr lvl="1"/>
-            <a:r>
-              <a:rPr lang="en-US" dirty="0"/>
-              <a:t>Data science </a:t>
-            </a:r>
-          </a:p>
-          <a:p>
-            <a:pPr lvl="1"/>
-            <a:r>
-              <a:rPr lang="en-US" dirty="0"/>
-              <a:t>Machine learning and Artificial Intelligence </a:t>
-            </a:r>
-          </a:p>
-          <a:p>
-            <a:pPr lvl="1"/>
-            <a:r>
-              <a:rPr lang="en-US" dirty="0"/>
-              <a:t>Web development (backend) </a:t>
-            </a:r>
-          </a:p>
-          <a:p>
-            <a:pPr lvl="1"/>
-            <a:r>
-              <a:rPr lang="en-US" dirty="0"/>
-              <a:t>Full applications and games </a:t>
-            </a:r>
-          </a:p>
-          <a:p>
-            <a:pPr lvl="2"/>
-            <a:r>
-              <a:rPr lang="en-US" dirty="0"/>
-              <a:t>Becoming more common</a:t>
-            </a:r>
-          </a:p>
-          <a:p>
-            <a:pPr lvl="1"/>
-            <a:endParaRPr lang="en-US" dirty="0"/>
-          </a:p>
-          <a:p>
-            <a:endParaRPr lang="en-US" dirty="0"/>
-          </a:p>
-        </p:txBody>
-      </p:sp>
-      <p:pic>
-        <p:nvPicPr>
-          <p:cNvPr id="10" name="Picture 9">
-            <a:extLst>
-              <a:ext uri="{FF2B5EF4-FFF2-40B4-BE49-F238E27FC236}">
-                <a16:creationId xmlns:a16="http://schemas.microsoft.com/office/drawing/2014/main" id="{DF501B8C-726A-164D-A115-6DA48ADF254D}"/>
-              </a:ext>
-            </a:extLst>
-          </p:cNvPr>
-          <p:cNvPicPr>
-            <a:picLocks noChangeAspect="1"/>
-          </p:cNvPicPr>
-          <p:nvPr/>
-        </p:nvPicPr>
-        <p:blipFill>
-          <a:blip r:embed="rId2"/>
-          <a:stretch>
-            <a:fillRect/>
-          </a:stretch>
-        </p:blipFill>
-        <p:spPr>
-          <a:xfrm>
-            <a:off x="8608229" y="2047522"/>
-            <a:ext cx="3691721" cy="3677356"/>
-          </a:xfrm>
-          <a:prstGeom prst="rect">
-            <a:avLst/>
-          </a:prstGeom>
-        </p:spPr>
-      </p:pic>
-    </p:spTree>
-    <p:extLst>
-      <p:ext uri="{BB962C8B-B14F-4D97-AF65-F5344CB8AC3E}">
-        <p14:creationId xmlns:p14="http://schemas.microsoft.com/office/powerpoint/2010/main" val="2906900361"/>
       </p:ext>
     </p:extLst>
   </p:cSld>

--- a/Slides/On-Campus/01_HistoryAndIntro.pptx
+++ b/Slides/On-Campus/01_HistoryAndIntro.pptx
@@ -5,26 +5,30 @@
     <p:sldMasterId id="2147483648" r:id="rId1"/>
   </p:sldMasterIdLst>
   <p:notesMasterIdLst>
-    <p:notesMasterId r:id="rId16"/>
+    <p:notesMasterId r:id="rId20"/>
   </p:notesMasterIdLst>
   <p:handoutMasterIdLst>
-    <p:handoutMasterId r:id="rId17"/>
+    <p:handoutMasterId r:id="rId21"/>
   </p:handoutMasterIdLst>
   <p:sldIdLst>
     <p:sldId id="256" r:id="rId2"/>
     <p:sldId id="270" r:id="rId3"/>
     <p:sldId id="271" r:id="rId4"/>
-    <p:sldId id="267" r:id="rId5"/>
-    <p:sldId id="262" r:id="rId6"/>
-    <p:sldId id="263" r:id="rId7"/>
-    <p:sldId id="264" r:id="rId8"/>
-    <p:sldId id="265" r:id="rId9"/>
-    <p:sldId id="266" r:id="rId10"/>
-    <p:sldId id="257" r:id="rId11"/>
-    <p:sldId id="258" r:id="rId12"/>
-    <p:sldId id="259" r:id="rId13"/>
-    <p:sldId id="260" r:id="rId14"/>
-    <p:sldId id="272" r:id="rId15"/>
+    <p:sldId id="277" r:id="rId5"/>
+    <p:sldId id="278" r:id="rId6"/>
+    <p:sldId id="258" r:id="rId7"/>
+    <p:sldId id="280" r:id="rId8"/>
+    <p:sldId id="279" r:id="rId9"/>
+    <p:sldId id="267" r:id="rId10"/>
+    <p:sldId id="262" r:id="rId11"/>
+    <p:sldId id="263" r:id="rId12"/>
+    <p:sldId id="264" r:id="rId13"/>
+    <p:sldId id="265" r:id="rId14"/>
+    <p:sldId id="276" r:id="rId15"/>
+    <p:sldId id="273" r:id="rId16"/>
+    <p:sldId id="274" r:id="rId17"/>
+    <p:sldId id="275" r:id="rId18"/>
+    <p:sldId id="266" r:id="rId19"/>
   </p:sldIdLst>
   <p:sldSz cx="13817600" cy="7772400"/>
   <p:notesSz cx="6858000" cy="9144000"/>
@@ -227,7 +231,7 @@
           <a:p>
             <a:fld id="{4D7E51A5-B478-1E40-8CBB-0DAA8831E99D}" type="datetimeFigureOut">
               <a:rPr lang="en-US" smtClean="0"/>
-              <a:t>8/26/21</a:t>
+              <a:t>1/23/2022</a:t>
             </a:fld>
             <a:endParaRPr lang="en-US"/>
           </a:p>
@@ -392,7 +396,7 @@
           <a:p>
             <a:fld id="{D0ED587F-861E-6740-9643-E3DDAE89B8D6}" type="datetimeFigureOut">
               <a:rPr lang="en-US" smtClean="0"/>
-              <a:t>8/26/21</a:t>
+              <a:t>1/23/2022</a:t>
             </a:fld>
             <a:endParaRPr lang="en-US"/>
           </a:p>
@@ -664,7 +668,7 @@
   <p:cSld>
     <p:spTree>
       <p:nvGrpSpPr>
-        <p:cNvPr id="1" name="Shape 194"/>
+        <p:cNvPr id="1" name="Shape 188"/>
         <p:cNvGrpSpPr/>
         <p:nvPr/>
       </p:nvGrpSpPr>
@@ -678,7 +682,7 @@
       </p:grpSpPr>
       <p:sp>
         <p:nvSpPr>
-          <p:cNvPr id="195" name="Google Shape;195;g7ca8bebc29_0_0:notes"/>
+          <p:cNvPr id="189" name="Google Shape;189;g6ddd29daca_0_280:notes"/>
           <p:cNvSpPr>
             <a:spLocks noGrp="1" noRot="1" noChangeAspect="1"/>
           </p:cNvSpPr>
@@ -719,7 +723,7 @@
       </p:sp>
       <p:sp>
         <p:nvSpPr>
-          <p:cNvPr id="196" name="Google Shape;196;g7ca8bebc29_0_0:notes"/>
+          <p:cNvPr id="190" name="Google Shape;190;g6ddd29daca_0_280:notes"/>
           <p:cNvSpPr txBox="1">
             <a:spLocks noGrp="1"/>
           </p:cNvSpPr>
@@ -764,6 +768,214 @@
 </file>
 
 <file path=ppt/notesSlides/notesSlide2.xml><?xml version="1.0" encoding="utf-8"?>
+<p:notes xmlns:a="http://schemas.openxmlformats.org/drawingml/2006/main" xmlns:r="http://schemas.openxmlformats.org/officeDocument/2006/relationships" xmlns:p="http://schemas.openxmlformats.org/presentationml/2006/main" showMasterSp="0" showMasterPhAnim="0">
+  <p:cSld>
+    <p:spTree>
+      <p:nvGrpSpPr>
+        <p:cNvPr id="1" name="Shape 194"/>
+        <p:cNvGrpSpPr/>
+        <p:nvPr/>
+      </p:nvGrpSpPr>
+      <p:grpSpPr>
+        <a:xfrm>
+          <a:off x="0" y="0"/>
+          <a:ext cx="0" cy="0"/>
+          <a:chOff x="0" y="0"/>
+          <a:chExt cx="0" cy="0"/>
+        </a:xfrm>
+      </p:grpSpPr>
+      <p:sp>
+        <p:nvSpPr>
+          <p:cNvPr id="195" name="Google Shape;195;g6ddd29daca_0_285:notes"/>
+          <p:cNvSpPr>
+            <a:spLocks noGrp="1" noRot="1" noChangeAspect="1"/>
+          </p:cNvSpPr>
+          <p:nvPr>
+            <p:ph type="sldImg" idx="2"/>
+          </p:nvPr>
+        </p:nvSpPr>
+        <p:spPr>
+          <a:xfrm>
+            <a:off x="381000" y="685800"/>
+            <a:ext cx="6096000" cy="3429000"/>
+          </a:xfrm>
+          <a:custGeom>
+            <a:avLst/>
+            <a:gdLst/>
+            <a:ahLst/>
+            <a:cxnLst/>
+            <a:rect l="l" t="t" r="r" b="b"/>
+            <a:pathLst>
+              <a:path w="120000" h="120000" extrusionOk="0">
+                <a:moveTo>
+                  <a:pt x="0" y="0"/>
+                </a:moveTo>
+                <a:lnTo>
+                  <a:pt x="120000" y="0"/>
+                </a:lnTo>
+                <a:lnTo>
+                  <a:pt x="120000" y="120000"/>
+                </a:lnTo>
+                <a:lnTo>
+                  <a:pt x="0" y="120000"/>
+                </a:lnTo>
+                <a:close/>
+              </a:path>
+            </a:pathLst>
+          </a:custGeom>
+        </p:spPr>
+      </p:sp>
+      <p:sp>
+        <p:nvSpPr>
+          <p:cNvPr id="196" name="Google Shape;196;g6ddd29daca_0_285:notes"/>
+          <p:cNvSpPr txBox="1">
+            <a:spLocks noGrp="1"/>
+          </p:cNvSpPr>
+          <p:nvPr>
+            <p:ph type="body" idx="1"/>
+          </p:nvPr>
+        </p:nvSpPr>
+        <p:spPr>
+          <a:xfrm>
+            <a:off x="685800" y="4343400"/>
+            <a:ext cx="5486400" cy="4114800"/>
+          </a:xfrm>
+          <a:prstGeom prst="rect">
+            <a:avLst/>
+          </a:prstGeom>
+        </p:spPr>
+        <p:txBody>
+          <a:bodyPr spcFirstLastPara="1" wrap="square" lIns="91425" tIns="91425" rIns="91425" bIns="91425" anchor="t" anchorCtr="0">
+            <a:noAutofit/>
+          </a:bodyPr>
+          <a:lstStyle/>
+          <a:p>
+            <a:pPr marL="0" lvl="0" indent="0" algn="l" rtl="0">
+              <a:spcBef>
+                <a:spcPts val="0"/>
+              </a:spcBef>
+              <a:spcAft>
+                <a:spcPts val="0"/>
+              </a:spcAft>
+              <a:buNone/>
+            </a:pPr>
+            <a:endParaRPr dirty="0"/>
+          </a:p>
+        </p:txBody>
+      </p:sp>
+    </p:spTree>
+  </p:cSld>
+  <p:clrMapOvr>
+    <a:masterClrMapping/>
+  </p:clrMapOvr>
+</p:notes>
+</file>
+
+<file path=ppt/notesSlides/notesSlide3.xml><?xml version="1.0" encoding="utf-8"?>
+<p:notes xmlns:a="http://schemas.openxmlformats.org/drawingml/2006/main" xmlns:r="http://schemas.openxmlformats.org/officeDocument/2006/relationships" xmlns:p="http://schemas.openxmlformats.org/presentationml/2006/main" showMasterSp="0" showMasterPhAnim="0">
+  <p:cSld>
+    <p:spTree>
+      <p:nvGrpSpPr>
+        <p:cNvPr id="1" name="Shape 194"/>
+        <p:cNvGrpSpPr/>
+        <p:nvPr/>
+      </p:nvGrpSpPr>
+      <p:grpSpPr>
+        <a:xfrm>
+          <a:off x="0" y="0"/>
+          <a:ext cx="0" cy="0"/>
+          <a:chOff x="0" y="0"/>
+          <a:chExt cx="0" cy="0"/>
+        </a:xfrm>
+      </p:grpSpPr>
+      <p:sp>
+        <p:nvSpPr>
+          <p:cNvPr id="195" name="Google Shape;195;g7ca8bebc29_0_0:notes"/>
+          <p:cNvSpPr>
+            <a:spLocks noGrp="1" noRot="1" noChangeAspect="1"/>
+          </p:cNvSpPr>
+          <p:nvPr>
+            <p:ph type="sldImg" idx="2"/>
+          </p:nvPr>
+        </p:nvSpPr>
+        <p:spPr>
+          <a:xfrm>
+            <a:off x="381000" y="685800"/>
+            <a:ext cx="6096000" cy="3429000"/>
+          </a:xfrm>
+          <a:custGeom>
+            <a:avLst/>
+            <a:gdLst/>
+            <a:ahLst/>
+            <a:cxnLst/>
+            <a:rect l="l" t="t" r="r" b="b"/>
+            <a:pathLst>
+              <a:path w="120000" h="120000" extrusionOk="0">
+                <a:moveTo>
+                  <a:pt x="0" y="0"/>
+                </a:moveTo>
+                <a:lnTo>
+                  <a:pt x="120000" y="0"/>
+                </a:lnTo>
+                <a:lnTo>
+                  <a:pt x="120000" y="120000"/>
+                </a:lnTo>
+                <a:lnTo>
+                  <a:pt x="0" y="120000"/>
+                </a:lnTo>
+                <a:close/>
+              </a:path>
+            </a:pathLst>
+          </a:custGeom>
+        </p:spPr>
+      </p:sp>
+      <p:sp>
+        <p:nvSpPr>
+          <p:cNvPr id="196" name="Google Shape;196;g7ca8bebc29_0_0:notes"/>
+          <p:cNvSpPr txBox="1">
+            <a:spLocks noGrp="1"/>
+          </p:cNvSpPr>
+          <p:nvPr>
+            <p:ph type="body" idx="1"/>
+          </p:nvPr>
+        </p:nvSpPr>
+        <p:spPr>
+          <a:xfrm>
+            <a:off x="685800" y="4343400"/>
+            <a:ext cx="5486400" cy="4114800"/>
+          </a:xfrm>
+          <a:prstGeom prst="rect">
+            <a:avLst/>
+          </a:prstGeom>
+        </p:spPr>
+        <p:txBody>
+          <a:bodyPr spcFirstLastPara="1" wrap="square" lIns="91425" tIns="91425" rIns="91425" bIns="91425" anchor="t" anchorCtr="0">
+            <a:noAutofit/>
+          </a:bodyPr>
+          <a:lstStyle/>
+          <a:p>
+            <a:pPr marL="0" lvl="0" indent="0" algn="l" rtl="0">
+              <a:spcBef>
+                <a:spcPts val="0"/>
+              </a:spcBef>
+              <a:spcAft>
+                <a:spcPts val="0"/>
+              </a:spcAft>
+              <a:buNone/>
+            </a:pPr>
+            <a:endParaRPr dirty="0"/>
+          </a:p>
+        </p:txBody>
+      </p:sp>
+    </p:spTree>
+  </p:cSld>
+  <p:clrMapOvr>
+    <a:masterClrMapping/>
+  </p:clrMapOvr>
+</p:notes>
+</file>
+
+<file path=ppt/notesSlides/notesSlide4.xml><?xml version="1.0" encoding="utf-8"?>
 <p:notes xmlns:a="http://schemas.openxmlformats.org/drawingml/2006/main" xmlns:r="http://schemas.openxmlformats.org/officeDocument/2006/relationships" xmlns:p="http://schemas.openxmlformats.org/presentationml/2006/main" showMasterSp="0" showMasterPhAnim="0">
   <p:cSld>
     <p:spTree>
@@ -867,7 +1079,7 @@
 </p:notes>
 </file>
 
-<file path=ppt/notesSlides/notesSlide3.xml><?xml version="1.0" encoding="utf-8"?>
+<file path=ppt/notesSlides/notesSlide5.xml><?xml version="1.0" encoding="utf-8"?>
 <p:notes xmlns:a="http://schemas.openxmlformats.org/drawingml/2006/main" xmlns:r="http://schemas.openxmlformats.org/officeDocument/2006/relationships" xmlns:p="http://schemas.openxmlformats.org/presentationml/2006/main" showMasterSp="0" showMasterPhAnim="0">
   <p:cSld>
     <p:spTree>
@@ -971,7 +1183,7 @@
 </p:notes>
 </file>
 
-<file path=ppt/notesSlides/notesSlide4.xml><?xml version="1.0" encoding="utf-8"?>
+<file path=ppt/notesSlides/notesSlide6.xml><?xml version="1.0" encoding="utf-8"?>
 <p:notes xmlns:a="http://schemas.openxmlformats.org/drawingml/2006/main" xmlns:r="http://schemas.openxmlformats.org/officeDocument/2006/relationships" xmlns:p="http://schemas.openxmlformats.org/presentationml/2006/main" showMasterSp="0" showMasterPhAnim="0">
   <p:cSld>
     <p:spTree>
@@ -1032,6 +1244,318 @@
       <p:sp>
         <p:nvSpPr>
           <p:cNvPr id="219" name="Google Shape;219;g7ca8bebc29_0_20:notes"/>
+          <p:cNvSpPr txBox="1">
+            <a:spLocks noGrp="1"/>
+          </p:cNvSpPr>
+          <p:nvPr>
+            <p:ph type="body" idx="1"/>
+          </p:nvPr>
+        </p:nvSpPr>
+        <p:spPr>
+          <a:xfrm>
+            <a:off x="685800" y="4343400"/>
+            <a:ext cx="5486400" cy="4114800"/>
+          </a:xfrm>
+          <a:prstGeom prst="rect">
+            <a:avLst/>
+          </a:prstGeom>
+        </p:spPr>
+        <p:txBody>
+          <a:bodyPr spcFirstLastPara="1" wrap="square" lIns="91425" tIns="91425" rIns="91425" bIns="91425" anchor="t" anchorCtr="0">
+            <a:noAutofit/>
+          </a:bodyPr>
+          <a:lstStyle/>
+          <a:p>
+            <a:pPr marL="0" lvl="0" indent="0" algn="l" rtl="0">
+              <a:spcBef>
+                <a:spcPts val="0"/>
+              </a:spcBef>
+              <a:spcAft>
+                <a:spcPts val="0"/>
+              </a:spcAft>
+              <a:buNone/>
+            </a:pPr>
+            <a:endParaRPr dirty="0"/>
+          </a:p>
+        </p:txBody>
+      </p:sp>
+    </p:spTree>
+  </p:cSld>
+  <p:clrMapOvr>
+    <a:masterClrMapping/>
+  </p:clrMapOvr>
+</p:notes>
+</file>
+
+<file path=ppt/notesSlides/notesSlide7.xml><?xml version="1.0" encoding="utf-8"?>
+<p:notes xmlns:a="http://schemas.openxmlformats.org/drawingml/2006/main" xmlns:r="http://schemas.openxmlformats.org/officeDocument/2006/relationships" xmlns:p="http://schemas.openxmlformats.org/presentationml/2006/main" showMasterSp="0" showMasterPhAnim="0">
+  <p:cSld>
+    <p:spTree>
+      <p:nvGrpSpPr>
+        <p:cNvPr id="1" name="Shape 216"/>
+        <p:cNvGrpSpPr/>
+        <p:nvPr/>
+      </p:nvGrpSpPr>
+      <p:grpSpPr>
+        <a:xfrm>
+          <a:off x="0" y="0"/>
+          <a:ext cx="0" cy="0"/>
+          <a:chOff x="0" y="0"/>
+          <a:chExt cx="0" cy="0"/>
+        </a:xfrm>
+      </p:grpSpPr>
+      <p:sp>
+        <p:nvSpPr>
+          <p:cNvPr id="217" name="Google Shape;217;g7cf4755cd6_0_18:notes"/>
+          <p:cNvSpPr>
+            <a:spLocks noGrp="1" noRot="1" noChangeAspect="1"/>
+          </p:cNvSpPr>
+          <p:nvPr>
+            <p:ph type="sldImg" idx="2"/>
+          </p:nvPr>
+        </p:nvSpPr>
+        <p:spPr>
+          <a:xfrm>
+            <a:off x="381000" y="685800"/>
+            <a:ext cx="6096000" cy="3429000"/>
+          </a:xfrm>
+          <a:custGeom>
+            <a:avLst/>
+            <a:gdLst/>
+            <a:ahLst/>
+            <a:cxnLst/>
+            <a:rect l="l" t="t" r="r" b="b"/>
+            <a:pathLst>
+              <a:path w="120000" h="120000" extrusionOk="0">
+                <a:moveTo>
+                  <a:pt x="0" y="0"/>
+                </a:moveTo>
+                <a:lnTo>
+                  <a:pt x="120000" y="0"/>
+                </a:lnTo>
+                <a:lnTo>
+                  <a:pt x="120000" y="120000"/>
+                </a:lnTo>
+                <a:lnTo>
+                  <a:pt x="0" y="120000"/>
+                </a:lnTo>
+                <a:close/>
+              </a:path>
+            </a:pathLst>
+          </a:custGeom>
+        </p:spPr>
+      </p:sp>
+      <p:sp>
+        <p:nvSpPr>
+          <p:cNvPr id="218" name="Google Shape;218;g7cf4755cd6_0_18:notes"/>
+          <p:cNvSpPr txBox="1">
+            <a:spLocks noGrp="1"/>
+          </p:cNvSpPr>
+          <p:nvPr>
+            <p:ph type="body" idx="1"/>
+          </p:nvPr>
+        </p:nvSpPr>
+        <p:spPr>
+          <a:xfrm>
+            <a:off x="685800" y="4343400"/>
+            <a:ext cx="5486400" cy="4114800"/>
+          </a:xfrm>
+          <a:prstGeom prst="rect">
+            <a:avLst/>
+          </a:prstGeom>
+        </p:spPr>
+        <p:txBody>
+          <a:bodyPr spcFirstLastPara="1" wrap="square" lIns="91425" tIns="91425" rIns="91425" bIns="91425" anchor="t" anchorCtr="0">
+            <a:noAutofit/>
+          </a:bodyPr>
+          <a:lstStyle/>
+          <a:p>
+            <a:pPr marL="0" lvl="0" indent="0" algn="l" rtl="0">
+              <a:spcBef>
+                <a:spcPts val="0"/>
+              </a:spcBef>
+              <a:spcAft>
+                <a:spcPts val="0"/>
+              </a:spcAft>
+              <a:buNone/>
+            </a:pPr>
+            <a:endParaRPr dirty="0"/>
+          </a:p>
+        </p:txBody>
+      </p:sp>
+    </p:spTree>
+  </p:cSld>
+  <p:clrMapOvr>
+    <a:masterClrMapping/>
+  </p:clrMapOvr>
+</p:notes>
+</file>
+
+<file path=ppt/notesSlides/notesSlide8.xml><?xml version="1.0" encoding="utf-8"?>
+<p:notes xmlns:a="http://schemas.openxmlformats.org/drawingml/2006/main" xmlns:r="http://schemas.openxmlformats.org/officeDocument/2006/relationships" xmlns:p="http://schemas.openxmlformats.org/presentationml/2006/main" showMasterSp="0" showMasterPhAnim="0">
+  <p:cSld>
+    <p:spTree>
+      <p:nvGrpSpPr>
+        <p:cNvPr id="1" name="Shape 228"/>
+        <p:cNvGrpSpPr/>
+        <p:nvPr/>
+      </p:nvGrpSpPr>
+      <p:grpSpPr>
+        <a:xfrm>
+          <a:off x="0" y="0"/>
+          <a:ext cx="0" cy="0"/>
+          <a:chOff x="0" y="0"/>
+          <a:chExt cx="0" cy="0"/>
+        </a:xfrm>
+      </p:grpSpPr>
+      <p:sp>
+        <p:nvSpPr>
+          <p:cNvPr id="229" name="Google Shape;229;g7cf4755cd6_0_29:notes"/>
+          <p:cNvSpPr>
+            <a:spLocks noGrp="1" noRot="1" noChangeAspect="1"/>
+          </p:cNvSpPr>
+          <p:nvPr>
+            <p:ph type="sldImg" idx="2"/>
+          </p:nvPr>
+        </p:nvSpPr>
+        <p:spPr>
+          <a:xfrm>
+            <a:off x="381000" y="685800"/>
+            <a:ext cx="6096000" cy="3429000"/>
+          </a:xfrm>
+          <a:custGeom>
+            <a:avLst/>
+            <a:gdLst/>
+            <a:ahLst/>
+            <a:cxnLst/>
+            <a:rect l="l" t="t" r="r" b="b"/>
+            <a:pathLst>
+              <a:path w="120000" h="120000" extrusionOk="0">
+                <a:moveTo>
+                  <a:pt x="0" y="0"/>
+                </a:moveTo>
+                <a:lnTo>
+                  <a:pt x="120000" y="0"/>
+                </a:lnTo>
+                <a:lnTo>
+                  <a:pt x="120000" y="120000"/>
+                </a:lnTo>
+                <a:lnTo>
+                  <a:pt x="0" y="120000"/>
+                </a:lnTo>
+                <a:close/>
+              </a:path>
+            </a:pathLst>
+          </a:custGeom>
+        </p:spPr>
+      </p:sp>
+      <p:sp>
+        <p:nvSpPr>
+          <p:cNvPr id="230" name="Google Shape;230;g7cf4755cd6_0_29:notes"/>
+          <p:cNvSpPr txBox="1">
+            <a:spLocks noGrp="1"/>
+          </p:cNvSpPr>
+          <p:nvPr>
+            <p:ph type="body" idx="1"/>
+          </p:nvPr>
+        </p:nvSpPr>
+        <p:spPr>
+          <a:xfrm>
+            <a:off x="685800" y="4343400"/>
+            <a:ext cx="5486400" cy="4114800"/>
+          </a:xfrm>
+          <a:prstGeom prst="rect">
+            <a:avLst/>
+          </a:prstGeom>
+        </p:spPr>
+        <p:txBody>
+          <a:bodyPr spcFirstLastPara="1" wrap="square" lIns="91425" tIns="91425" rIns="91425" bIns="91425" anchor="t" anchorCtr="0">
+            <a:noAutofit/>
+          </a:bodyPr>
+          <a:lstStyle/>
+          <a:p>
+            <a:pPr marL="0" lvl="0" indent="0" algn="l" rtl="0">
+              <a:spcBef>
+                <a:spcPts val="0"/>
+              </a:spcBef>
+              <a:spcAft>
+                <a:spcPts val="0"/>
+              </a:spcAft>
+              <a:buNone/>
+            </a:pPr>
+            <a:endParaRPr dirty="0"/>
+          </a:p>
+        </p:txBody>
+      </p:sp>
+    </p:spTree>
+  </p:cSld>
+  <p:clrMapOvr>
+    <a:masterClrMapping/>
+  </p:clrMapOvr>
+</p:notes>
+</file>
+
+<file path=ppt/notesSlides/notesSlide9.xml><?xml version="1.0" encoding="utf-8"?>
+<p:notes xmlns:a="http://schemas.openxmlformats.org/drawingml/2006/main" xmlns:r="http://schemas.openxmlformats.org/officeDocument/2006/relationships" xmlns:p="http://schemas.openxmlformats.org/presentationml/2006/main" showMasterSp="0" showMasterPhAnim="0">
+  <p:cSld>
+    <p:spTree>
+      <p:nvGrpSpPr>
+        <p:cNvPr id="1" name="Shape 236"/>
+        <p:cNvGrpSpPr/>
+        <p:nvPr/>
+      </p:nvGrpSpPr>
+      <p:grpSpPr>
+        <a:xfrm>
+          <a:off x="0" y="0"/>
+          <a:ext cx="0" cy="0"/>
+          <a:chOff x="0" y="0"/>
+          <a:chExt cx="0" cy="0"/>
+        </a:xfrm>
+      </p:grpSpPr>
+      <p:sp>
+        <p:nvSpPr>
+          <p:cNvPr id="237" name="Google Shape;237;g7cf4755cd6_0_36:notes"/>
+          <p:cNvSpPr>
+            <a:spLocks noGrp="1" noRot="1" noChangeAspect="1"/>
+          </p:cNvSpPr>
+          <p:nvPr>
+            <p:ph type="sldImg" idx="2"/>
+          </p:nvPr>
+        </p:nvSpPr>
+        <p:spPr>
+          <a:xfrm>
+            <a:off x="381000" y="685800"/>
+            <a:ext cx="6096000" cy="3429000"/>
+          </a:xfrm>
+          <a:custGeom>
+            <a:avLst/>
+            <a:gdLst/>
+            <a:ahLst/>
+            <a:cxnLst/>
+            <a:rect l="l" t="t" r="r" b="b"/>
+            <a:pathLst>
+              <a:path w="120000" h="120000" extrusionOk="0">
+                <a:moveTo>
+                  <a:pt x="0" y="0"/>
+                </a:moveTo>
+                <a:lnTo>
+                  <a:pt x="120000" y="0"/>
+                </a:lnTo>
+                <a:lnTo>
+                  <a:pt x="120000" y="120000"/>
+                </a:lnTo>
+                <a:lnTo>
+                  <a:pt x="0" y="120000"/>
+                </a:lnTo>
+                <a:close/>
+              </a:path>
+            </a:pathLst>
+          </a:custGeom>
+        </p:spPr>
+      </p:sp>
+      <p:sp>
+        <p:nvSpPr>
+          <p:cNvPr id="238" name="Google Shape;238;g7cf4755cd6_0_36:notes"/>
           <p:cNvSpPr txBox="1">
             <a:spLocks noGrp="1"/>
           </p:cNvSpPr>
@@ -7709,7 +8233,7 @@
   <p:cSld>
     <p:spTree>
       <p:nvGrpSpPr>
-        <p:cNvPr id="1" name=""/>
+        <p:cNvPr id="1" name="Shape 197"/>
         <p:cNvGrpSpPr/>
         <p:nvPr/>
       </p:nvGrpSpPr>
@@ -7723,193 +8247,213 @@
       </p:grpSpPr>
       <p:sp>
         <p:nvSpPr>
-          <p:cNvPr id="4" name="Title 3">
-            <a:extLst>
-              <a:ext uri="{FF2B5EF4-FFF2-40B4-BE49-F238E27FC236}">
-                <a16:creationId xmlns:a16="http://schemas.microsoft.com/office/drawing/2014/main" id="{5C1EDB58-5A7E-E742-845D-F2420A07AFD1}"/>
-              </a:ext>
-            </a:extLst>
-          </p:cNvPr>
-          <p:cNvSpPr>
+          <p:cNvPr id="198" name="Google Shape;198;p41"/>
+          <p:cNvSpPr txBox="1">
             <a:spLocks noGrp="1"/>
           </p:cNvSpPr>
           <p:nvPr>
             <p:ph type="title"/>
           </p:nvPr>
         </p:nvSpPr>
-        <p:spPr/>
+        <p:spPr>
+          <a:xfrm>
+            <a:off x="628075" y="905258"/>
+            <a:ext cx="12561413" cy="1015467"/>
+          </a:xfrm>
+          <a:prstGeom prst="rect">
+            <a:avLst/>
+          </a:prstGeom>
+        </p:spPr>
         <p:txBody>
-          <a:bodyPr/>
+          <a:bodyPr spcFirstLastPara="1" vert="horz" wrap="square" lIns="91422" tIns="91422" rIns="91422" bIns="91422" rtlCol="0" anchor="b" anchorCtr="0">
+            <a:noAutofit/>
+          </a:bodyPr>
           <a:lstStyle/>
           <a:p>
             <a:r>
-              <a:rPr lang="en-US" dirty="0"/>
-              <a:t>Python</a:t>
-            </a:r>
+              <a:rPr lang="en" dirty="0"/>
+              <a:t>First Computer?</a:t>
+            </a:r>
+            <a:endParaRPr dirty="0"/>
           </a:p>
         </p:txBody>
       </p:sp>
       <p:sp>
         <p:nvSpPr>
-          <p:cNvPr id="5" name="Text Placeholder 4">
-            <a:extLst>
-              <a:ext uri="{FF2B5EF4-FFF2-40B4-BE49-F238E27FC236}">
-                <a16:creationId xmlns:a16="http://schemas.microsoft.com/office/drawing/2014/main" id="{D16DB7A2-2392-ED45-9FF5-E34A4360A452}"/>
-              </a:ext>
-            </a:extLst>
-          </p:cNvPr>
-          <p:cNvSpPr>
+          <p:cNvPr id="199" name="Google Shape;199;p41"/>
+          <p:cNvSpPr txBox="1">
             <a:spLocks noGrp="1"/>
           </p:cNvSpPr>
           <p:nvPr>
-            <p:ph type="body" sz="quarter" idx="10"/>
+            <p:ph type="body" idx="1"/>
           </p:nvPr>
         </p:nvSpPr>
         <p:spPr>
           <a:xfrm>
-            <a:off x="628075" y="1776683"/>
-            <a:ext cx="12561453" cy="5178021"/>
-          </a:xfrm>
+            <a:off x="628075" y="2164732"/>
+            <a:ext cx="12561413" cy="2015520"/>
+          </a:xfrm>
+          <a:prstGeom prst="rect">
+            <a:avLst/>
+          </a:prstGeom>
         </p:spPr>
         <p:txBody>
-          <a:bodyPr/>
+          <a:bodyPr spcFirstLastPara="1" vert="horz" wrap="square" lIns="91422" tIns="91422" rIns="91422" bIns="91422" rtlCol="0" anchor="t" anchorCtr="0">
+            <a:noAutofit/>
+          </a:bodyPr>
           <a:lstStyle/>
           <a:p>
             <a:r>
-              <a:rPr lang="en-US" dirty="0"/>
-              <a:t>A Modern Programming Language</a:t>
-            </a:r>
-          </a:p>
-          <a:p>
-            <a:pPr lvl="1"/>
-            <a:r>
-              <a:rPr lang="en-US" dirty="0"/>
-              <a:t>Focuses on ‘scripting’</a:t>
-            </a:r>
-          </a:p>
-          <a:p>
-            <a:pPr lvl="1"/>
-            <a:r>
-              <a:rPr lang="en-US" dirty="0"/>
-              <a:t>Interpreted  </a:t>
-            </a:r>
-          </a:p>
-          <a:p>
-            <a:pPr lvl="2"/>
-            <a:r>
-              <a:rPr lang="en-US" dirty="0"/>
-              <a:t>Takes another program to run the code</a:t>
-            </a:r>
-          </a:p>
-          <a:p>
-            <a:r>
-              <a:rPr lang="en-US" dirty="0"/>
-              <a:t>Common Uses</a:t>
-            </a:r>
-          </a:p>
-          <a:p>
-            <a:pPr lvl="1"/>
-            <a:r>
-              <a:rPr lang="en-US" dirty="0"/>
-              <a:t>Research</a:t>
-            </a:r>
-          </a:p>
-          <a:p>
-            <a:pPr lvl="1"/>
-            <a:r>
-              <a:rPr lang="en-US" dirty="0"/>
-              <a:t>Data science </a:t>
-            </a:r>
-          </a:p>
-          <a:p>
-            <a:pPr lvl="1"/>
-            <a:r>
-              <a:rPr lang="en-US" dirty="0"/>
-              <a:t>Machine learning and Artificial Intelligence </a:t>
-            </a:r>
-          </a:p>
-          <a:p>
-            <a:pPr lvl="1"/>
-            <a:r>
-              <a:rPr lang="en-US" dirty="0"/>
-              <a:t>Web development (backend) </a:t>
-            </a:r>
-          </a:p>
-          <a:p>
-            <a:pPr lvl="1"/>
-            <a:r>
-              <a:rPr lang="en-US" dirty="0"/>
-              <a:t>Full applications and games </a:t>
-            </a:r>
-          </a:p>
-          <a:p>
-            <a:pPr lvl="2"/>
-            <a:r>
-              <a:rPr lang="en-US" dirty="0"/>
-              <a:t>Becoming more common</a:t>
-            </a:r>
-          </a:p>
-          <a:p>
-            <a:pPr lvl="1"/>
-            <a:endParaRPr lang="en-US" dirty="0"/>
-          </a:p>
-          <a:p>
-            <a:endParaRPr lang="en-US" dirty="0"/>
+              <a:rPr lang="en" dirty="0"/>
+              <a:t>The industry - Weaving! </a:t>
+            </a:r>
+            <a:endParaRPr dirty="0"/>
+          </a:p>
+          <a:p>
+            <a:pPr>
+              <a:spcBef>
+                <a:spcPts val="0"/>
+              </a:spcBef>
+            </a:pPr>
+            <a:r>
+              <a:rPr lang="en" dirty="0"/>
+              <a:t>Jacquard loom / machine</a:t>
+            </a:r>
+            <a:endParaRPr dirty="0"/>
+          </a:p>
+          <a:p>
+            <a:pPr>
+              <a:spcBef>
+                <a:spcPts val="0"/>
+              </a:spcBef>
+            </a:pPr>
+            <a:r>
+              <a:rPr lang="en" dirty="0"/>
+              <a:t>Invented by  Joseph Marie Jacquard in </a:t>
+            </a:r>
+            <a:r>
+              <a:rPr lang="en" b="1" dirty="0"/>
+              <a:t>1804</a:t>
+            </a:r>
+            <a:endParaRPr b="1" dirty="0"/>
+          </a:p>
+          <a:p>
+            <a:pPr>
+              <a:spcBef>
+                <a:spcPts val="0"/>
+              </a:spcBef>
+            </a:pPr>
+            <a:r>
+              <a:rPr lang="en" dirty="0"/>
+              <a:t>Cards set the patterns, colors, etc</a:t>
+            </a:r>
+            <a:endParaRPr dirty="0"/>
+          </a:p>
+          <a:p>
+            <a:pPr>
+              <a:spcBef>
+                <a:spcPts val="0"/>
+              </a:spcBef>
+            </a:pPr>
+            <a:r>
+              <a:rPr lang="en" dirty="0"/>
+              <a:t>Very specific use - not general purpose</a:t>
+            </a:r>
+            <a:endParaRPr b="1" dirty="0"/>
+          </a:p>
+        </p:txBody>
+      </p:sp>
+      <p:sp>
+        <p:nvSpPr>
+          <p:cNvPr id="201" name="Google Shape;201;p41"/>
+          <p:cNvSpPr txBox="1"/>
+          <p:nvPr/>
+        </p:nvSpPr>
+        <p:spPr>
+          <a:xfrm>
+            <a:off x="3082695" y="5634075"/>
+            <a:ext cx="5837120" cy="1233067"/>
+          </a:xfrm>
+          <a:prstGeom prst="rect">
+            <a:avLst/>
+          </a:prstGeom>
+          <a:noFill/>
+          <a:ln>
+            <a:noFill/>
+          </a:ln>
+        </p:spPr>
+        <p:txBody>
+          <a:bodyPr spcFirstLastPara="1" wrap="square" lIns="138153" tIns="138153" rIns="138153" bIns="138153" anchor="t" anchorCtr="0">
+            <a:noAutofit/>
+          </a:bodyPr>
+          <a:lstStyle/>
+          <a:p>
+            <a:r>
+              <a:rPr lang="en" sz="3022"/>
+              <a:t>“</a:t>
+            </a:r>
+            <a:r>
+              <a:rPr lang="en" sz="1436">
+                <a:solidFill>
+                  <a:srgbClr val="222222"/>
+                </a:solidFill>
+              </a:rPr>
+              <a:t>This portrait of </a:t>
+            </a:r>
+            <a:r>
+              <a:rPr lang="en" sz="1436" u="sng">
+                <a:solidFill>
+                  <a:srgbClr val="0B0080"/>
+                </a:solidFill>
+                <a:hlinkClick r:id="rId3"/>
+              </a:rPr>
+              <a:t>Jacquard</a:t>
+            </a:r>
+            <a:r>
+              <a:rPr lang="en" sz="1436">
+                <a:solidFill>
+                  <a:srgbClr val="222222"/>
+                </a:solidFill>
+              </a:rPr>
+              <a:t> was woven in silk on a Jacquard loom and required 24,000 punched cards to create (1839). “  - ref: https://en.wikipedia.org/wiki/Jacquard_loom</a:t>
+            </a:r>
+            <a:endParaRPr sz="3022" dirty="0"/>
           </a:p>
         </p:txBody>
       </p:sp>
       <p:pic>
         <p:nvPicPr>
-          <p:cNvPr id="10" name="Picture 9">
-            <a:extLst>
-              <a:ext uri="{FF2B5EF4-FFF2-40B4-BE49-F238E27FC236}">
-                <a16:creationId xmlns:a16="http://schemas.microsoft.com/office/drawing/2014/main" id="{DF501B8C-726A-164D-A115-6DA48ADF254D}"/>
-              </a:ext>
-            </a:extLst>
-          </p:cNvPr>
-          <p:cNvPicPr>
-            <a:picLocks noChangeAspect="1"/>
-          </p:cNvPicPr>
+          <p:cNvPr id="200" name="Google Shape;200;p41" descr="Portrait of Joseph Jacquard"/>
+          <p:cNvPicPr preferRelativeResize="0"/>
           <p:nvPr/>
         </p:nvPicPr>
         <p:blipFill>
-          <a:blip r:embed="rId2"/>
+          <a:blip r:embed="rId4">
+            <a:alphaModFix/>
+          </a:blip>
           <a:stretch>
             <a:fillRect/>
           </a:stretch>
         </p:blipFill>
         <p:spPr>
           <a:xfrm>
-            <a:off x="8608229" y="2047522"/>
-            <a:ext cx="3691721" cy="3677356"/>
+            <a:off x="8967462" y="309929"/>
+            <a:ext cx="4222044" cy="6371449"/>
           </a:xfrm>
           <a:prstGeom prst="rect">
             <a:avLst/>
           </a:prstGeom>
+          <a:noFill/>
+          <a:ln>
+            <a:noFill/>
+          </a:ln>
         </p:spPr>
       </p:pic>
     </p:spTree>
-    <p:extLst>
-      <p:ext uri="{BB962C8B-B14F-4D97-AF65-F5344CB8AC3E}">
-        <p14:creationId xmlns:p14="http://schemas.microsoft.com/office/powerpoint/2010/main" val="2906900361"/>
-      </p:ext>
-    </p:extLst>
   </p:cSld>
   <p:clrMapOvr>
     <a:masterClrMapping/>
   </p:clrMapOvr>
-  <mc:AlternateContent xmlns:mc="http://schemas.openxmlformats.org/markup-compatibility/2006" xmlns:p14="http://schemas.microsoft.com/office/powerpoint/2010/main">
-    <mc:Choice Requires="p14">
-      <p:transition p14:dur="300">
-        <p:fade/>
-      </p:transition>
-    </mc:Choice>
-    <mc:Fallback xmlns="">
-      <p:transition>
-        <p:fade/>
-      </p:transition>
-    </mc:Fallback>
-  </mc:AlternateContent>
 </p:sld>
 </file>
 
@@ -7918,7 +8462,7 @@
   <p:cSld>
     <p:spTree>
       <p:nvGrpSpPr>
-        <p:cNvPr id="1" name=""/>
+        <p:cNvPr id="1" name="Shape 205"/>
         <p:cNvGrpSpPr/>
         <p:nvPr/>
       </p:nvGrpSpPr>
@@ -7932,150 +8476,216 @@
       </p:grpSpPr>
       <p:sp>
         <p:nvSpPr>
-          <p:cNvPr id="2" name="Title 1">
-            <a:extLst>
-              <a:ext uri="{FF2B5EF4-FFF2-40B4-BE49-F238E27FC236}">
-                <a16:creationId xmlns:a16="http://schemas.microsoft.com/office/drawing/2014/main" id="{F1ECD7D6-4BFC-104D-B6B5-AFD0B1104890}"/>
-              </a:ext>
-            </a:extLst>
-          </p:cNvPr>
-          <p:cNvSpPr>
+          <p:cNvPr id="206" name="Google Shape;206;p42"/>
+          <p:cNvSpPr txBox="1">
             <a:spLocks noGrp="1"/>
           </p:cNvSpPr>
           <p:nvPr>
             <p:ph type="title"/>
           </p:nvPr>
         </p:nvSpPr>
-        <p:spPr/>
+        <p:spPr>
+          <a:xfrm>
+            <a:off x="628075" y="905258"/>
+            <a:ext cx="12561413" cy="1015467"/>
+          </a:xfrm>
+          <a:prstGeom prst="rect">
+            <a:avLst/>
+          </a:prstGeom>
+        </p:spPr>
         <p:txBody>
-          <a:bodyPr/>
+          <a:bodyPr spcFirstLastPara="1" vert="horz" wrap="square" lIns="91422" tIns="91422" rIns="91422" bIns="91422" rtlCol="0" anchor="b" anchorCtr="0">
+            <a:noAutofit/>
+          </a:bodyPr>
           <a:lstStyle/>
           <a:p>
             <a:r>
-              <a:rPr lang="en-US" dirty="0"/>
-              <a:t>Programs</a:t>
-            </a:r>
+              <a:rPr lang="en"/>
+              <a:t>Analytical Engine</a:t>
+            </a:r>
+            <a:endParaRPr dirty="0"/>
           </a:p>
         </p:txBody>
       </p:sp>
       <p:sp>
         <p:nvSpPr>
-          <p:cNvPr id="3" name="Text Placeholder 2">
-            <a:extLst>
-              <a:ext uri="{FF2B5EF4-FFF2-40B4-BE49-F238E27FC236}">
-                <a16:creationId xmlns:a16="http://schemas.microsoft.com/office/drawing/2014/main" id="{0DF53A5F-F175-354E-BA1B-CFD3345DFA94}"/>
-              </a:ext>
-            </a:extLst>
-          </p:cNvPr>
-          <p:cNvSpPr>
+          <p:cNvPr id="207" name="Google Shape;207;p42"/>
+          <p:cNvSpPr txBox="1">
             <a:spLocks noGrp="1"/>
           </p:cNvSpPr>
           <p:nvPr>
-            <p:ph type="body" sz="quarter" idx="10"/>
+            <p:ph type="body" idx="1"/>
           </p:nvPr>
         </p:nvSpPr>
         <p:spPr>
           <a:xfrm>
-            <a:off x="628075" y="1776683"/>
-            <a:ext cx="12561453" cy="3578416"/>
-          </a:xfrm>
+            <a:off x="628075" y="2164732"/>
+            <a:ext cx="12561413" cy="2015520"/>
+          </a:xfrm>
+          <a:prstGeom prst="rect">
+            <a:avLst/>
+          </a:prstGeom>
         </p:spPr>
         <p:txBody>
-          <a:bodyPr/>
+          <a:bodyPr spcFirstLastPara="1" vert="horz" wrap="square" lIns="91422" tIns="91422" rIns="91422" bIns="91422" rtlCol="0" anchor="t" anchorCtr="0">
+            <a:noAutofit/>
+          </a:bodyPr>
           <a:lstStyle/>
           <a:p>
-            <a:r>
-              <a:rPr lang="en-US" dirty="0"/>
-              <a:t>Are a set of instructions</a:t>
-            </a:r>
-          </a:p>
-          <a:p>
-            <a:pPr lvl="1"/>
-            <a:r>
-              <a:rPr lang="en-US" dirty="0"/>
-              <a:t>Like  Cooking (common/historical analogy) </a:t>
-            </a:r>
-          </a:p>
-          <a:p>
-            <a:pPr lvl="1"/>
-            <a:r>
-              <a:rPr lang="en-US" dirty="0"/>
-              <a:t>Like following a how-to guide</a:t>
-            </a:r>
-          </a:p>
-          <a:p>
-            <a:r>
-              <a:rPr lang="en-US" dirty="0"/>
-              <a:t>A computer only  does what </a:t>
-            </a:r>
-            <a:r>
-              <a:rPr lang="en-US" b="1" dirty="0"/>
-              <a:t>you</a:t>
-            </a:r>
-            <a:r>
-              <a:rPr lang="en-US" dirty="0"/>
-              <a:t> tell it</a:t>
-            </a:r>
-          </a:p>
-          <a:p>
-            <a:pPr lvl="1"/>
-            <a:r>
-              <a:rPr lang="en-US" dirty="0"/>
-              <a:t>It can’t guess</a:t>
-            </a:r>
-          </a:p>
-          <a:p>
-            <a:pPr lvl="1"/>
-            <a:r>
-              <a:rPr lang="en-US" dirty="0"/>
-              <a:t>It can’t assume</a:t>
-            </a:r>
-          </a:p>
-          <a:p>
-            <a:pPr lvl="1"/>
-            <a:r>
-              <a:rPr lang="en-US" dirty="0"/>
-              <a:t>It follows the instructions</a:t>
-            </a:r>
-          </a:p>
-          <a:p>
-            <a:pPr lvl="2"/>
-            <a:r>
-              <a:rPr lang="en-US" dirty="0"/>
-              <a:t>for better or worse</a:t>
-            </a:r>
-          </a:p>
-          <a:p>
-            <a:pPr lvl="1"/>
-            <a:r>
-              <a:rPr lang="en-US" dirty="0"/>
-              <a:t>Line by line, unless we say otherwise</a:t>
-            </a:r>
+            <a:pPr indent="-470179">
+              <a:buSzPts val="1300"/>
+            </a:pPr>
+            <a:r>
+              <a:rPr lang="en" sz="1964" dirty="0"/>
+              <a:t>Charles Babbage</a:t>
+            </a:r>
+            <a:endParaRPr sz="1964" dirty="0"/>
+          </a:p>
+          <a:p>
+            <a:pPr lvl="1" indent="-460583">
+              <a:spcBef>
+                <a:spcPts val="0"/>
+              </a:spcBef>
+              <a:buSzPts val="1200"/>
+            </a:pPr>
+            <a:r>
+              <a:rPr lang="en" sz="1813" dirty="0"/>
+              <a:t>Polymath</a:t>
+            </a:r>
+            <a:endParaRPr sz="1813" dirty="0"/>
+          </a:p>
+          <a:p>
+            <a:pPr lvl="1" indent="-460583">
+              <a:spcBef>
+                <a:spcPts val="0"/>
+              </a:spcBef>
+              <a:buSzPts val="1200"/>
+            </a:pPr>
+            <a:r>
+              <a:rPr lang="en" sz="1813" dirty="0"/>
+              <a:t>“Father of the computer”</a:t>
+            </a:r>
+            <a:endParaRPr sz="1813" dirty="0"/>
+          </a:p>
+          <a:p>
+            <a:pPr lvl="1" indent="-460583">
+              <a:spcBef>
+                <a:spcPts val="0"/>
+              </a:spcBef>
+              <a:buSzPts val="1200"/>
+            </a:pPr>
+            <a:r>
+              <a:rPr lang="en" sz="1813" dirty="0"/>
+              <a:t>Mainly Theory</a:t>
+            </a:r>
+            <a:endParaRPr sz="1813" dirty="0"/>
+          </a:p>
+          <a:p>
+            <a:pPr indent="-470179">
+              <a:spcBef>
+                <a:spcPts val="0"/>
+              </a:spcBef>
+              <a:buSzPts val="1300"/>
+            </a:pPr>
+            <a:r>
+              <a:rPr lang="en" sz="1964" dirty="0"/>
+              <a:t>Purpose?</a:t>
+            </a:r>
+            <a:endParaRPr sz="1964" dirty="0"/>
+          </a:p>
+          <a:p>
+            <a:pPr lvl="1" indent="-460583">
+              <a:spcBef>
+                <a:spcPts val="0"/>
+              </a:spcBef>
+              <a:buSzPts val="1200"/>
+            </a:pPr>
+            <a:r>
+              <a:rPr lang="en" sz="1813" dirty="0"/>
+              <a:t>Algorithm Development and solving</a:t>
+            </a:r>
+            <a:endParaRPr sz="1813" dirty="0"/>
+          </a:p>
+          <a:p>
+            <a:pPr>
+              <a:spcBef>
+                <a:spcPts val="0"/>
+              </a:spcBef>
+            </a:pPr>
+            <a:r>
+              <a:rPr lang="en" b="1" dirty="0"/>
+              <a:t>1837</a:t>
+            </a:r>
+            <a:endParaRPr b="1" dirty="0"/>
+          </a:p>
+        </p:txBody>
+      </p:sp>
+      <p:pic>
+        <p:nvPicPr>
+          <p:cNvPr id="208" name="Google Shape;208;p42" descr="Photo of The Analytical Engine."/>
+          <p:cNvPicPr preferRelativeResize="0"/>
+          <p:nvPr/>
+        </p:nvPicPr>
+        <p:blipFill>
+          <a:blip r:embed="rId3">
+            <a:alphaModFix/>
+          </a:blip>
+          <a:stretch>
+            <a:fillRect/>
+          </a:stretch>
+        </p:blipFill>
+        <p:spPr>
+          <a:xfrm>
+            <a:off x="7429038" y="905269"/>
+            <a:ext cx="6071229" cy="5823973"/>
+          </a:xfrm>
+          <a:prstGeom prst="rect">
+            <a:avLst/>
+          </a:prstGeom>
+          <a:noFill/>
+          <a:ln>
+            <a:noFill/>
+          </a:ln>
+        </p:spPr>
+      </p:pic>
+      <p:sp>
+        <p:nvSpPr>
+          <p:cNvPr id="209" name="Google Shape;209;p42"/>
+          <p:cNvSpPr txBox="1"/>
+          <p:nvPr/>
+        </p:nvSpPr>
+        <p:spPr>
+          <a:xfrm>
+            <a:off x="7522802" y="6648662"/>
+            <a:ext cx="6071040" cy="561680"/>
+          </a:xfrm>
+          <a:prstGeom prst="rect">
+            <a:avLst/>
+          </a:prstGeom>
+          <a:noFill/>
+          <a:ln>
+            <a:noFill/>
+          </a:ln>
+        </p:spPr>
+        <p:txBody>
+          <a:bodyPr spcFirstLastPara="1" wrap="square" lIns="138153" tIns="138153" rIns="138153" bIns="138153" anchor="t" anchorCtr="0">
+            <a:noAutofit/>
+          </a:bodyPr>
+          <a:lstStyle/>
+          <a:p>
+            <a:r>
+              <a:rPr lang="en" sz="1209"/>
+              <a:t>Bruno Barral (ByB) [CC BY-SA 2.5  (https://creativecommons.org/licenses/by-sa/2.5)], from Wikimedia Commons</a:t>
+            </a:r>
+            <a:endParaRPr sz="1209" dirty="0"/>
           </a:p>
         </p:txBody>
       </p:sp>
     </p:spTree>
-    <p:extLst>
-      <p:ext uri="{BB962C8B-B14F-4D97-AF65-F5344CB8AC3E}">
-        <p14:creationId xmlns:p14="http://schemas.microsoft.com/office/powerpoint/2010/main" val="2602784044"/>
-      </p:ext>
-    </p:extLst>
   </p:cSld>
   <p:clrMapOvr>
     <a:masterClrMapping/>
   </p:clrMapOvr>
-  <mc:AlternateContent xmlns:mc="http://schemas.openxmlformats.org/markup-compatibility/2006" xmlns:p14="http://schemas.microsoft.com/office/powerpoint/2010/main">
-    <mc:Choice Requires="p14">
-      <p:transition p14:dur="300">
-        <p:fade/>
-      </p:transition>
-    </mc:Choice>
-    <mc:Fallback xmlns="">
-      <p:transition>
-        <p:fade/>
-      </p:transition>
-    </mc:Fallback>
-  </mc:AlternateContent>
 </p:sld>
 </file>
 
@@ -8084,7 +8694,7 @@
   <p:cSld>
     <p:spTree>
       <p:nvGrpSpPr>
-        <p:cNvPr id="1" name=""/>
+        <p:cNvPr id="1" name="Shape 213"/>
         <p:cNvGrpSpPr/>
         <p:nvPr/>
       </p:nvGrpSpPr>
@@ -8098,251 +8708,304 @@
       </p:grpSpPr>
       <p:sp>
         <p:nvSpPr>
-          <p:cNvPr id="2" name="Title 1">
-            <a:extLst>
-              <a:ext uri="{FF2B5EF4-FFF2-40B4-BE49-F238E27FC236}">
-                <a16:creationId xmlns:a16="http://schemas.microsoft.com/office/drawing/2014/main" id="{645BB7B2-15B7-174D-9F67-5DC5CE208562}"/>
-              </a:ext>
-            </a:extLst>
-          </p:cNvPr>
-          <p:cNvSpPr>
+          <p:cNvPr id="214" name="Google Shape;214;p43"/>
+          <p:cNvSpPr txBox="1">
             <a:spLocks noGrp="1"/>
           </p:cNvSpPr>
           <p:nvPr>
             <p:ph type="title"/>
           </p:nvPr>
         </p:nvSpPr>
-        <p:spPr/>
+        <p:spPr>
+          <a:xfrm>
+            <a:off x="628075" y="905258"/>
+            <a:ext cx="12561413" cy="1015467"/>
+          </a:xfrm>
+          <a:prstGeom prst="rect">
+            <a:avLst/>
+          </a:prstGeom>
+        </p:spPr>
         <p:txBody>
-          <a:bodyPr/>
+          <a:bodyPr spcFirstLastPara="1" vert="horz" wrap="square" lIns="91422" tIns="91422" rIns="91422" bIns="91422" rtlCol="0" anchor="b" anchorCtr="0">
+            <a:noAutofit/>
+          </a:bodyPr>
           <a:lstStyle/>
           <a:p>
             <a:r>
-              <a:rPr lang="en-US" dirty="0"/>
-              <a:t>Python Basics</a:t>
-            </a:r>
+              <a:rPr lang="en" dirty="0"/>
+              <a:t>Enchantress of Numbers </a:t>
+            </a:r>
+            <a:endParaRPr dirty="0"/>
           </a:p>
         </p:txBody>
       </p:sp>
+      <p:pic>
+        <p:nvPicPr>
+          <p:cNvPr id="215" name="Google Shape;215;p43" descr="Ada Lovelace portrait"/>
+          <p:cNvPicPr preferRelativeResize="0"/>
+          <p:nvPr/>
+        </p:nvPicPr>
+        <p:blipFill>
+          <a:blip r:embed="rId3">
+            <a:alphaModFix/>
+          </a:blip>
+          <a:stretch>
+            <a:fillRect/>
+          </a:stretch>
+        </p:blipFill>
+        <p:spPr>
+          <a:xfrm>
+            <a:off x="741918" y="2276603"/>
+            <a:ext cx="3200647" cy="4597291"/>
+          </a:xfrm>
+          <a:prstGeom prst="rect">
+            <a:avLst/>
+          </a:prstGeom>
+          <a:noFill/>
+          <a:ln>
+            <a:noFill/>
+          </a:ln>
+        </p:spPr>
+      </p:pic>
       <p:sp>
         <p:nvSpPr>
-          <p:cNvPr id="3" name="Text Placeholder 2">
-            <a:extLst>
-              <a:ext uri="{FF2B5EF4-FFF2-40B4-BE49-F238E27FC236}">
-                <a16:creationId xmlns:a16="http://schemas.microsoft.com/office/drawing/2014/main" id="{0876B3F8-452F-BA4B-B617-D2C9972B2542}"/>
-              </a:ext>
-            </a:extLst>
-          </p:cNvPr>
-          <p:cNvSpPr>
-            <a:spLocks noGrp="1"/>
-          </p:cNvSpPr>
-          <p:nvPr>
-            <p:ph type="body" sz="quarter" idx="10"/>
-          </p:nvPr>
+          <p:cNvPr id="216" name="Google Shape;216;p43"/>
+          <p:cNvSpPr txBox="1"/>
+          <p:nvPr/>
         </p:nvSpPr>
         <p:spPr>
           <a:xfrm>
-            <a:off x="628075" y="1463722"/>
-            <a:ext cx="12561453" cy="5926751"/>
-          </a:xfrm>
+            <a:off x="4838691" y="2422689"/>
+            <a:ext cx="8202160" cy="4308933"/>
+          </a:xfrm>
+          <a:prstGeom prst="rect">
+            <a:avLst/>
+          </a:prstGeom>
+          <a:noFill/>
+          <a:ln>
+            <a:noFill/>
+          </a:ln>
         </p:spPr>
         <p:txBody>
-          <a:bodyPr/>
+          <a:bodyPr spcFirstLastPara="1" wrap="square" lIns="138153" tIns="138153" rIns="138153" bIns="138153" anchor="ctr" anchorCtr="0">
+            <a:noAutofit/>
+          </a:bodyPr>
           <a:lstStyle/>
           <a:p>
-            <a:r>
-              <a:rPr lang="en-US" dirty="0"/>
-              <a:t>Variables </a:t>
-            </a:r>
-          </a:p>
-          <a:p>
-            <a:pPr lvl="1"/>
-            <a:r>
-              <a:rPr lang="en-US" dirty="0"/>
-              <a:t>Allow you to store information</a:t>
-            </a:r>
-          </a:p>
-          <a:p>
-            <a:pPr lvl="1"/>
-            <a:r>
-              <a:rPr lang="en-US" dirty="0" err="1">
-                <a:latin typeface="Consolas" panose="020B0609020204030204" pitchFamily="49" charset="0"/>
-                <a:cs typeface="Consolas" panose="020B0609020204030204" pitchFamily="49" charset="0"/>
+            <a:pPr marL="211101" indent="-287865">
+              <a:lnSpc>
+                <a:spcPct val="115000"/>
+              </a:lnSpc>
+            </a:pPr>
+            <a:r>
+              <a:rPr lang="en" sz="2720">
+                <a:solidFill>
+                  <a:schemeClr val="dk1"/>
+                </a:solidFill>
+                <a:latin typeface="Proxima Nova"/>
+                <a:ea typeface="Proxima Nova"/>
+                <a:cs typeface="Proxima Nova"/>
+                <a:sym typeface="Proxima Nova"/>
               </a:rPr>
-              <a:t>puppyCounter</a:t>
-            </a:r>
-            <a:r>
-              <a:rPr lang="en-US" dirty="0">
-                <a:latin typeface="Consolas" panose="020B0609020204030204" pitchFamily="49" charset="0"/>
-                <a:cs typeface="Consolas" panose="020B0609020204030204" pitchFamily="49" charset="0"/>
+              <a:t>She walks in beauty, like the night </a:t>
+            </a:r>
+            <a:endParaRPr sz="2720" dirty="0">
+              <a:solidFill>
+                <a:schemeClr val="dk1"/>
+              </a:solidFill>
+              <a:latin typeface="Proxima Nova"/>
+              <a:ea typeface="Proxima Nova"/>
+              <a:cs typeface="Proxima Nova"/>
+              <a:sym typeface="Proxima Nova"/>
+            </a:endParaRPr>
+          </a:p>
+          <a:p>
+            <a:pPr marL="211101" indent="-287865">
+              <a:lnSpc>
+                <a:spcPct val="115000"/>
+              </a:lnSpc>
+            </a:pPr>
+            <a:r>
+              <a:rPr lang="en" sz="2720">
+                <a:solidFill>
+                  <a:schemeClr val="dk1"/>
+                </a:solidFill>
+                <a:latin typeface="Proxima Nova"/>
+                <a:ea typeface="Proxima Nova"/>
+                <a:cs typeface="Proxima Nova"/>
+                <a:sym typeface="Proxima Nova"/>
               </a:rPr>
-              <a:t> = 100</a:t>
-            </a:r>
-          </a:p>
-          <a:p>
-            <a:pPr lvl="1"/>
-            <a:r>
-              <a:rPr lang="en-US" dirty="0" err="1">
-                <a:latin typeface="Consolas" panose="020B0609020204030204" pitchFamily="49" charset="0"/>
-                <a:cs typeface="Consolas" panose="020B0609020204030204" pitchFamily="49" charset="0"/>
+              <a:t>Of cloudless climes and starry skies; </a:t>
+            </a:r>
+            <a:endParaRPr sz="2720" dirty="0">
+              <a:solidFill>
+                <a:schemeClr val="dk1"/>
+              </a:solidFill>
+              <a:latin typeface="Proxima Nova"/>
+              <a:ea typeface="Proxima Nova"/>
+              <a:cs typeface="Proxima Nova"/>
+              <a:sym typeface="Proxima Nova"/>
+            </a:endParaRPr>
+          </a:p>
+          <a:p>
+            <a:pPr marL="211101" indent="-287865">
+              <a:lnSpc>
+                <a:spcPct val="115000"/>
+              </a:lnSpc>
+            </a:pPr>
+            <a:r>
+              <a:rPr lang="en" sz="2720">
+                <a:solidFill>
+                  <a:schemeClr val="dk1"/>
+                </a:solidFill>
+                <a:latin typeface="Proxima Nova"/>
+                <a:ea typeface="Proxima Nova"/>
+                <a:cs typeface="Proxima Nova"/>
+                <a:sym typeface="Proxima Nova"/>
               </a:rPr>
-              <a:t>puppyName</a:t>
-            </a:r>
-            <a:r>
-              <a:rPr lang="en-US" dirty="0">
-                <a:latin typeface="Consolas" panose="020B0609020204030204" pitchFamily="49" charset="0"/>
-                <a:cs typeface="Consolas" panose="020B0609020204030204" pitchFamily="49" charset="0"/>
+              <a:t>And all that’s best of dark and bright </a:t>
+            </a:r>
+            <a:endParaRPr sz="2720" dirty="0">
+              <a:solidFill>
+                <a:schemeClr val="dk1"/>
+              </a:solidFill>
+              <a:latin typeface="Proxima Nova"/>
+              <a:ea typeface="Proxima Nova"/>
+              <a:cs typeface="Proxima Nova"/>
+              <a:sym typeface="Proxima Nova"/>
+            </a:endParaRPr>
+          </a:p>
+          <a:p>
+            <a:pPr marL="211101" indent="-287865">
+              <a:lnSpc>
+                <a:spcPct val="115000"/>
+              </a:lnSpc>
+            </a:pPr>
+            <a:r>
+              <a:rPr lang="en" sz="2720">
+                <a:solidFill>
+                  <a:schemeClr val="dk1"/>
+                </a:solidFill>
+                <a:latin typeface="Proxima Nova"/>
+                <a:ea typeface="Proxima Nova"/>
+                <a:cs typeface="Proxima Nova"/>
+                <a:sym typeface="Proxima Nova"/>
               </a:rPr>
-              <a:t> = “Cerberus” </a:t>
-            </a:r>
-          </a:p>
-          <a:p>
-            <a:pPr lvl="1"/>
-            <a:r>
-              <a:rPr lang="en-US" dirty="0" err="1">
-                <a:latin typeface="Consolas" panose="020B0609020204030204" pitchFamily="49" charset="0"/>
-                <a:cs typeface="Consolas" panose="020B0609020204030204" pitchFamily="49" charset="0"/>
+              <a:t>Meet in her aspect and her eyes; </a:t>
+            </a:r>
+            <a:endParaRPr sz="2720" dirty="0">
+              <a:solidFill>
+                <a:schemeClr val="dk1"/>
+              </a:solidFill>
+              <a:latin typeface="Proxima Nova"/>
+              <a:ea typeface="Proxima Nova"/>
+              <a:cs typeface="Proxima Nova"/>
+              <a:sym typeface="Proxima Nova"/>
+            </a:endParaRPr>
+          </a:p>
+          <a:p>
+            <a:pPr marL="211101" indent="-287865">
+              <a:lnSpc>
+                <a:spcPct val="115000"/>
+              </a:lnSpc>
+            </a:pPr>
+            <a:r>
+              <a:rPr lang="en" sz="2720">
+                <a:solidFill>
+                  <a:schemeClr val="dk1"/>
+                </a:solidFill>
+                <a:latin typeface="Proxima Nova"/>
+                <a:ea typeface="Proxima Nova"/>
+                <a:cs typeface="Proxima Nova"/>
+                <a:sym typeface="Proxima Nova"/>
               </a:rPr>
-              <a:t>puppyName</a:t>
-            </a:r>
-            <a:r>
-              <a:rPr lang="en-US" dirty="0">
-                <a:latin typeface="Consolas" panose="020B0609020204030204" pitchFamily="49" charset="0"/>
-                <a:cs typeface="Consolas" panose="020B0609020204030204" pitchFamily="49" charset="0"/>
+              <a:t>Thus mellowed to that tender light </a:t>
+            </a:r>
+            <a:endParaRPr sz="2720" dirty="0">
+              <a:solidFill>
+                <a:schemeClr val="dk1"/>
+              </a:solidFill>
+              <a:latin typeface="Proxima Nova"/>
+              <a:ea typeface="Proxima Nova"/>
+              <a:cs typeface="Proxima Nova"/>
+              <a:sym typeface="Proxima Nova"/>
+            </a:endParaRPr>
+          </a:p>
+          <a:p>
+            <a:pPr marL="211101" indent="-287865">
+              <a:lnSpc>
+                <a:spcPct val="115000"/>
+              </a:lnSpc>
+            </a:pPr>
+            <a:r>
+              <a:rPr lang="en" sz="2720">
+                <a:solidFill>
+                  <a:schemeClr val="dk1"/>
+                </a:solidFill>
+                <a:latin typeface="Proxima Nova"/>
+                <a:ea typeface="Proxima Nova"/>
+                <a:cs typeface="Proxima Nova"/>
+                <a:sym typeface="Proxima Nova"/>
               </a:rPr>
-              <a:t> = ‘Cerberus’</a:t>
-            </a:r>
-            <a:r>
-              <a:rPr lang="en-US" dirty="0"/>
-              <a:t> #also allowed, but we will often use double quotes for Strings</a:t>
-            </a:r>
-          </a:p>
-          <a:p>
-            <a:pPr lvl="2"/>
-            <a:r>
-              <a:rPr lang="en-US" dirty="0"/>
-              <a:t>Anything after the # sign is a comment, so not an instruction! </a:t>
-            </a:r>
-          </a:p>
-          <a:p>
-            <a:r>
-              <a:rPr lang="en-US" dirty="0"/>
-              <a:t>Output  / Printing to the screen</a:t>
-            </a:r>
-          </a:p>
-          <a:p>
-            <a:pPr lvl="1"/>
-            <a:r>
-              <a:rPr lang="en-US" b="1" dirty="0">
-                <a:latin typeface="Consolas" panose="020B0609020204030204" pitchFamily="49" charset="0"/>
-                <a:cs typeface="Consolas" panose="020B0609020204030204" pitchFamily="49" charset="0"/>
+              <a:t>Which heaven to gaudy day denies. </a:t>
+            </a:r>
+            <a:endParaRPr sz="2720" dirty="0">
+              <a:solidFill>
+                <a:schemeClr val="dk1"/>
+              </a:solidFill>
+              <a:latin typeface="Proxima Nova"/>
+              <a:ea typeface="Proxima Nova"/>
+              <a:cs typeface="Proxima Nova"/>
+              <a:sym typeface="Proxima Nova"/>
+            </a:endParaRPr>
+          </a:p>
+          <a:p>
+            <a:pPr marL="211101" indent="-287865">
+              <a:lnSpc>
+                <a:spcPct val="115000"/>
+              </a:lnSpc>
+            </a:pPr>
+            <a:r>
+              <a:rPr lang="en" sz="2720">
+                <a:solidFill>
+                  <a:schemeClr val="dk1"/>
+                </a:solidFill>
+                <a:latin typeface="Proxima Nova"/>
+                <a:ea typeface="Proxima Nova"/>
+                <a:cs typeface="Proxima Nova"/>
+                <a:sym typeface="Proxima Nova"/>
               </a:rPr>
-              <a:t>print(</a:t>
-            </a:r>
-            <a:r>
-              <a:rPr lang="en-US" dirty="0">
-                <a:latin typeface="Consolas" panose="020B0609020204030204" pitchFamily="49" charset="0"/>
-                <a:cs typeface="Consolas" panose="020B0609020204030204" pitchFamily="49" charset="0"/>
+              <a:t>	</a:t>
+            </a:r>
+            <a:r>
+              <a:rPr lang="en" sz="1813">
+                <a:solidFill>
+                  <a:schemeClr val="dk1"/>
+                </a:solidFill>
+                <a:latin typeface="Proxima Nova"/>
+                <a:ea typeface="Proxima Nova"/>
+                <a:cs typeface="Proxima Nova"/>
+                <a:sym typeface="Proxima Nova"/>
               </a:rPr>
-              <a:t>“Ada Lovelace was the first  programmer”)</a:t>
-            </a:r>
-          </a:p>
-          <a:p>
-            <a:pPr lvl="1"/>
-            <a:r>
-              <a:rPr lang="en-US" dirty="0"/>
-              <a:t>print() signifies a function – that does the work for you! </a:t>
-            </a:r>
-          </a:p>
-          <a:p>
-            <a:pPr lvl="2"/>
-            <a:r>
-              <a:rPr lang="en-US" dirty="0"/>
-              <a:t>code reusability</a:t>
-            </a:r>
-          </a:p>
-          <a:p>
-            <a:r>
-              <a:rPr lang="en-US" dirty="0"/>
-              <a:t>Input – From the console / client </a:t>
-            </a:r>
-          </a:p>
-          <a:p>
-            <a:pPr lvl="1"/>
-            <a:r>
-              <a:rPr lang="en-US" b="1" dirty="0">
-                <a:latin typeface="Consolas" panose="020B0609020204030204" pitchFamily="49" charset="0"/>
-                <a:cs typeface="Consolas" panose="020B0609020204030204" pitchFamily="49" charset="0"/>
-              </a:rPr>
-              <a:t>input(</a:t>
-            </a:r>
-            <a:r>
-              <a:rPr lang="en-US" dirty="0">
-                <a:latin typeface="Consolas" panose="020B0609020204030204" pitchFamily="49" charset="0"/>
-                <a:cs typeface="Consolas" panose="020B0609020204030204" pitchFamily="49" charset="0"/>
-              </a:rPr>
-              <a:t>“Who was the first programmer”)</a:t>
-            </a:r>
-          </a:p>
-          <a:p>
-            <a:pPr lvl="1"/>
-            <a:r>
-              <a:rPr lang="en-US" dirty="0"/>
-              <a:t>But… We need to store the value!</a:t>
-            </a:r>
-          </a:p>
-          <a:p>
-            <a:pPr lvl="1"/>
-            <a:r>
-              <a:rPr lang="en-US" dirty="0">
-                <a:latin typeface="Consolas" panose="020B0609020204030204" pitchFamily="49" charset="0"/>
-                <a:cs typeface="Consolas" panose="020B0609020204030204" pitchFamily="49" charset="0"/>
-              </a:rPr>
-              <a:t>answer = </a:t>
-            </a:r>
-            <a:r>
-              <a:rPr lang="en-US" b="1" dirty="0">
-                <a:latin typeface="Consolas" panose="020B0609020204030204" pitchFamily="49" charset="0"/>
-                <a:cs typeface="Consolas" panose="020B0609020204030204" pitchFamily="49" charset="0"/>
-              </a:rPr>
-              <a:t>input(</a:t>
-            </a:r>
-            <a:r>
-              <a:rPr lang="en-US" dirty="0">
-                <a:latin typeface="Consolas" panose="020B0609020204030204" pitchFamily="49" charset="0"/>
-                <a:cs typeface="Consolas" panose="020B0609020204030204" pitchFamily="49" charset="0"/>
-              </a:rPr>
-              <a:t>“Who was the first programmer”)</a:t>
-            </a:r>
-          </a:p>
-          <a:p>
-            <a:pPr lvl="1"/>
-            <a:endParaRPr lang="en-US" dirty="0"/>
+              <a:t>Excerpt from “She Walks in Beauty” by Lord Byron</a:t>
+            </a:r>
+            <a:endParaRPr sz="1813" dirty="0">
+              <a:solidFill>
+                <a:schemeClr val="dk1"/>
+              </a:solidFill>
+              <a:latin typeface="Proxima Nova"/>
+              <a:ea typeface="Proxima Nova"/>
+              <a:cs typeface="Proxima Nova"/>
+              <a:sym typeface="Proxima Nova"/>
+            </a:endParaRPr>
           </a:p>
         </p:txBody>
       </p:sp>
     </p:spTree>
-    <p:extLst>
-      <p:ext uri="{BB962C8B-B14F-4D97-AF65-F5344CB8AC3E}">
-        <p14:creationId xmlns:p14="http://schemas.microsoft.com/office/powerpoint/2010/main" val="1512563093"/>
-      </p:ext>
-    </p:extLst>
   </p:cSld>
   <p:clrMapOvr>
     <a:masterClrMapping/>
   </p:clrMapOvr>
-  <mc:AlternateContent xmlns:mc="http://schemas.openxmlformats.org/markup-compatibility/2006" xmlns:p14="http://schemas.microsoft.com/office/powerpoint/2010/main">
-    <mc:Choice Requires="p14">
-      <p:transition p14:dur="300">
-        <p:fade/>
-      </p:transition>
-    </mc:Choice>
-    <mc:Fallback xmlns="">
-      <p:transition>
-        <p:fade/>
-      </p:transition>
-    </mc:Fallback>
-  </mc:AlternateContent>
 </p:sld>
 </file>
 
@@ -8351,7 +9014,7 @@
   <p:cSld>
     <p:spTree>
       <p:nvGrpSpPr>
-        <p:cNvPr id="1" name=""/>
+        <p:cNvPr id="1" name="Shape 220"/>
         <p:cNvGrpSpPr/>
         <p:nvPr/>
       </p:nvGrpSpPr>
@@ -8365,354 +9028,354 @@
       </p:grpSpPr>
       <p:sp>
         <p:nvSpPr>
-          <p:cNvPr id="2" name="Title 1">
-            <a:extLst>
-              <a:ext uri="{FF2B5EF4-FFF2-40B4-BE49-F238E27FC236}">
-                <a16:creationId xmlns:a16="http://schemas.microsoft.com/office/drawing/2014/main" id="{1DCDF973-BFA2-C840-BF93-BE11617BC769}"/>
-              </a:ext>
-            </a:extLst>
-          </p:cNvPr>
-          <p:cNvSpPr>
+          <p:cNvPr id="221" name="Google Shape;221;p44"/>
+          <p:cNvSpPr txBox="1">
             <a:spLocks noGrp="1"/>
           </p:cNvSpPr>
           <p:nvPr>
             <p:ph type="title"/>
           </p:nvPr>
         </p:nvSpPr>
-        <p:spPr/>
+        <p:spPr>
+          <a:xfrm>
+            <a:off x="628075" y="905258"/>
+            <a:ext cx="12561413" cy="1015467"/>
+          </a:xfrm>
+          <a:prstGeom prst="rect">
+            <a:avLst/>
+          </a:prstGeom>
+        </p:spPr>
         <p:txBody>
-          <a:bodyPr/>
+          <a:bodyPr spcFirstLastPara="1" vert="horz" wrap="square" lIns="91422" tIns="91422" rIns="91422" bIns="91422" rtlCol="0" anchor="b" anchorCtr="0">
+            <a:noAutofit/>
+          </a:bodyPr>
           <a:lstStyle/>
           <a:p>
             <a:r>
-              <a:rPr lang="en-US" dirty="0"/>
-              <a:t>Let’s Look At Some Code!</a:t>
-            </a:r>
+              <a:rPr lang="en" dirty="0"/>
+              <a:t>Ada Lovelace </a:t>
+            </a:r>
+            <a:endParaRPr dirty="0"/>
           </a:p>
         </p:txBody>
       </p:sp>
       <p:sp>
         <p:nvSpPr>
-          <p:cNvPr id="3" name="Text Placeholder 2">
-            <a:extLst>
-              <a:ext uri="{FF2B5EF4-FFF2-40B4-BE49-F238E27FC236}">
-                <a16:creationId xmlns:a16="http://schemas.microsoft.com/office/drawing/2014/main" id="{12AC72FB-DB99-DE4A-9E20-2CE4C99D3CC4}"/>
-              </a:ext>
-            </a:extLst>
-          </p:cNvPr>
-          <p:cNvSpPr>
+          <p:cNvPr id="222" name="Google Shape;222;p44"/>
+          <p:cNvSpPr txBox="1">
             <a:spLocks noGrp="1"/>
           </p:cNvSpPr>
           <p:nvPr>
-            <p:ph type="body" sz="quarter" idx="10"/>
+            <p:ph type="body" idx="1"/>
           </p:nvPr>
         </p:nvSpPr>
         <p:spPr>
           <a:xfrm>
-            <a:off x="2187993" y="4661653"/>
-            <a:ext cx="9441614" cy="2161874"/>
-          </a:xfrm>
+            <a:off x="339909" y="2095983"/>
+            <a:ext cx="8651373" cy="4341573"/>
+          </a:xfrm>
+          <a:prstGeom prst="rect">
+            <a:avLst/>
+          </a:prstGeom>
         </p:spPr>
         <p:txBody>
-          <a:bodyPr/>
+          <a:bodyPr spcFirstLastPara="1" vert="horz" wrap="square" lIns="91422" tIns="91422" rIns="91422" bIns="91422" rtlCol="0" anchor="t" anchorCtr="0">
+            <a:noAutofit/>
+          </a:bodyPr>
           <a:lstStyle/>
+          <a:p>
+            <a:pPr indent="-479774">
+              <a:buSzPts val="1400"/>
+              <a:buAutoNum type="arabicPeriod"/>
+            </a:pPr>
+            <a:r>
+              <a:rPr lang="en" sz="2116" dirty="0"/>
+              <a:t>Grew up in a rich but a single mother household</a:t>
+            </a:r>
+            <a:endParaRPr sz="2116" dirty="0"/>
+          </a:p>
+          <a:p>
+            <a:pPr lvl="1" indent="-470179">
+              <a:spcBef>
+                <a:spcPts val="0"/>
+              </a:spcBef>
+              <a:buSzPts val="1300"/>
+              <a:buAutoNum type="alphaLcPeriod"/>
+            </a:pPr>
+            <a:r>
+              <a:rPr lang="en" sz="1964" dirty="0"/>
+              <a:t>Father was the famous poet Lord Byron </a:t>
+            </a:r>
+            <a:endParaRPr sz="1964" dirty="0"/>
+          </a:p>
+          <a:p>
+            <a:pPr lvl="1" indent="-470179">
+              <a:spcBef>
+                <a:spcPts val="0"/>
+              </a:spcBef>
+              <a:buSzPts val="1300"/>
+              <a:buAutoNum type="alphaLcPeriod"/>
+            </a:pPr>
+            <a:r>
+              <a:rPr lang="en" sz="1964" dirty="0"/>
+              <a:t>Was known as a rebellious child and adult (non-conformist) </a:t>
+            </a:r>
+            <a:endParaRPr sz="1964" dirty="0"/>
+          </a:p>
+          <a:p>
+            <a:pPr lvl="1" indent="-470179">
+              <a:spcBef>
+                <a:spcPts val="0"/>
+              </a:spcBef>
+              <a:buSzPts val="1300"/>
+              <a:buAutoNum type="alphaLcPeriod"/>
+            </a:pPr>
+            <a:r>
+              <a:rPr lang="en" sz="1964" dirty="0"/>
+              <a:t>Mother insisted on her becoming a mathematician </a:t>
+            </a:r>
+            <a:endParaRPr sz="1964" dirty="0"/>
+          </a:p>
+          <a:p>
+            <a:pPr indent="-470179">
+              <a:spcBef>
+                <a:spcPts val="0"/>
+              </a:spcBef>
+              <a:buSzPts val="1300"/>
+              <a:buAutoNum type="arabicPeriod"/>
+            </a:pPr>
+            <a:r>
+              <a:rPr lang="en" sz="2116" dirty="0"/>
+              <a:t>She was unruly: </a:t>
+            </a:r>
+            <a:endParaRPr sz="2116" dirty="0"/>
+          </a:p>
+          <a:p>
+            <a:pPr lvl="1" indent="-470179">
+              <a:spcBef>
+                <a:spcPts val="0"/>
+              </a:spcBef>
+              <a:buSzPts val="1300"/>
+              <a:buAutoNum type="alphaLcPeriod"/>
+            </a:pPr>
+            <a:r>
+              <a:rPr lang="en" sz="2116" dirty="0"/>
+              <a:t>part artist</a:t>
+            </a:r>
+            <a:endParaRPr sz="2116" dirty="0"/>
+          </a:p>
+          <a:p>
+            <a:pPr lvl="1" indent="-470179">
+              <a:spcBef>
+                <a:spcPts val="0"/>
+              </a:spcBef>
+              <a:buSzPts val="1300"/>
+              <a:buAutoNum type="alphaLcPeriod"/>
+            </a:pPr>
+            <a:r>
+              <a:rPr lang="en" sz="2116" dirty="0"/>
+              <a:t>part scientist</a:t>
+            </a:r>
+            <a:endParaRPr sz="2116" dirty="0"/>
+          </a:p>
+          <a:p>
+            <a:pPr lvl="1" indent="-470179">
+              <a:spcBef>
+                <a:spcPts val="0"/>
+              </a:spcBef>
+              <a:buSzPts val="1300"/>
+              <a:buAutoNum type="alphaLcPeriod"/>
+            </a:pPr>
+            <a:r>
+              <a:rPr lang="en" sz="2116" dirty="0"/>
+              <a:t>part philosopher</a:t>
+            </a:r>
+            <a:endParaRPr sz="1964" dirty="0"/>
+          </a:p>
+          <a:p>
+            <a:pPr indent="-470179">
+              <a:spcBef>
+                <a:spcPts val="0"/>
+              </a:spcBef>
+              <a:buSzPts val="1300"/>
+              <a:buAutoNum type="arabicPeriod"/>
+            </a:pPr>
+            <a:r>
+              <a:rPr lang="en" sz="2116" dirty="0"/>
+              <a:t>Wrote the first “Computer Program”</a:t>
+            </a:r>
+            <a:endParaRPr sz="2116" dirty="0"/>
+          </a:p>
+          <a:p>
+            <a:pPr indent="-479774">
+              <a:spcBef>
+                <a:spcPts val="0"/>
+              </a:spcBef>
+              <a:buSzPts val="1400"/>
+              <a:buAutoNum type="arabicPeriod"/>
+            </a:pPr>
+            <a:r>
+              <a:rPr lang="en" sz="2116" dirty="0"/>
+              <a:t>Theorized computers could be general purpose machines to solve complex problems. </a:t>
+            </a:r>
+            <a:endParaRPr sz="2116" dirty="0"/>
+          </a:p>
           <a:p>
             <a:pPr marL="0" indent="0">
               <a:buNone/>
             </a:pPr>
-            <a:r>
-              <a:rPr lang="en-US" sz="2400" dirty="0">
-                <a:latin typeface="Consolas" panose="020B0609020204030204" pitchFamily="49" charset="0"/>
-                <a:cs typeface="Consolas" panose="020B0609020204030204" pitchFamily="49" charset="0"/>
-              </a:rPr>
-              <a:t>answer = input(“Who was the first programmer?”) </a:t>
-            </a:r>
-          </a:p>
-          <a:p>
-            <a:pPr marL="0" indent="0">
+            <a:endParaRPr sz="2116" dirty="0"/>
+          </a:p>
+          <a:p>
+            <a:pPr indent="0">
+              <a:spcAft>
+                <a:spcPts val="604"/>
+              </a:spcAft>
               <a:buNone/>
             </a:pPr>
-            <a:r>
-              <a:rPr lang="en-US" sz="2400" dirty="0">
-                <a:latin typeface="Consolas" panose="020B0609020204030204" pitchFamily="49" charset="0"/>
-                <a:cs typeface="Consolas" panose="020B0609020204030204" pitchFamily="49" charset="0"/>
-              </a:rPr>
-              <a:t>print(answer + “ was the first programmer.”)</a:t>
-            </a:r>
-          </a:p>
-          <a:p>
-            <a:endParaRPr lang="en-US" dirty="0"/>
-          </a:p>
-          <a:p>
-            <a:pPr marL="0" indent="0">
-              <a:buNone/>
-            </a:pPr>
-            <a:endParaRPr lang="en-US" dirty="0"/>
+            <a:endParaRPr sz="2116" dirty="0"/>
+          </a:p>
+        </p:txBody>
+      </p:sp>
+      <p:pic>
+        <p:nvPicPr>
+          <p:cNvPr id="223" name="Google Shape;223;p44" descr="Diagram for the computation by the Engine of Numbers of Bernoulli"/>
+          <p:cNvPicPr preferRelativeResize="0"/>
+          <p:nvPr/>
+        </p:nvPicPr>
+        <p:blipFill>
+          <a:blip r:embed="rId3">
+            <a:alphaModFix/>
+          </a:blip>
+          <a:stretch>
+            <a:fillRect/>
+          </a:stretch>
+        </p:blipFill>
+        <p:spPr>
+          <a:xfrm>
+            <a:off x="8605021" y="2237107"/>
+            <a:ext cx="4711947" cy="3309296"/>
+          </a:xfrm>
+          <a:prstGeom prst="rect">
+            <a:avLst/>
+          </a:prstGeom>
+          <a:noFill/>
+          <a:ln>
+            <a:noFill/>
+          </a:ln>
+        </p:spPr>
+      </p:pic>
+      <p:sp>
+        <p:nvSpPr>
+          <p:cNvPr id="224" name="Google Shape;224;p44"/>
+          <p:cNvSpPr txBox="1"/>
+          <p:nvPr/>
+        </p:nvSpPr>
+        <p:spPr>
+          <a:xfrm>
+            <a:off x="9444596" y="5546420"/>
+            <a:ext cx="3872373" cy="487787"/>
+          </a:xfrm>
+          <a:prstGeom prst="rect">
+            <a:avLst/>
+          </a:prstGeom>
+          <a:noFill/>
+          <a:ln>
+            <a:noFill/>
+          </a:ln>
+        </p:spPr>
+        <p:txBody>
+          <a:bodyPr spcFirstLastPara="1" wrap="square" lIns="138153" tIns="138153" rIns="138153" bIns="138153" anchor="t" anchorCtr="0">
+            <a:noAutofit/>
+          </a:bodyPr>
+          <a:lstStyle/>
+          <a:p>
+            <a:pPr algn="r"/>
+            <a:r>
+              <a:rPr lang="en" sz="907"/>
+              <a:t>By Ada Lovelace (http://www.sophiararebooks.com/pictures/3544a.jpg) [Public domain], via Wikimedia Commons</a:t>
+            </a:r>
+            <a:endParaRPr sz="907" dirty="0"/>
           </a:p>
         </p:txBody>
       </p:sp>
       <p:sp>
         <p:nvSpPr>
-          <p:cNvPr id="5" name="TextBox 4">
-            <a:extLst>
-              <a:ext uri="{FF2B5EF4-FFF2-40B4-BE49-F238E27FC236}">
-                <a16:creationId xmlns:a16="http://schemas.microsoft.com/office/drawing/2014/main" id="{398AD5FF-0D87-F346-BE7E-7F08821BCC27}"/>
-              </a:ext>
-            </a:extLst>
-          </p:cNvPr>
+          <p:cNvPr id="225" name="Google Shape;225;p44"/>
           <p:cNvSpPr txBox="1"/>
           <p:nvPr/>
         </p:nvSpPr>
         <p:spPr>
           <a:xfrm>
-            <a:off x="2325511" y="2142923"/>
-            <a:ext cx="9990254" cy="1631216"/>
+            <a:off x="5249333" y="7328709"/>
+            <a:ext cx="6023161" cy="652536"/>
           </a:xfrm>
           <a:prstGeom prst="rect">
             <a:avLst/>
           </a:prstGeom>
           <a:noFill/>
+          <a:ln>
+            <a:noFill/>
+          </a:ln>
         </p:spPr>
         <p:txBody>
-          <a:bodyPr wrap="square" rtlCol="0">
-            <a:spAutoFit/>
+          <a:bodyPr spcFirstLastPara="1" wrap="square" lIns="138153" tIns="138153" rIns="138153" bIns="138153" anchor="t" anchorCtr="0">
+            <a:noAutofit/>
           </a:bodyPr>
           <a:lstStyle/>
           <a:p>
             <a:r>
-              <a:rPr lang="en-US" dirty="0">
-                <a:latin typeface="Franklin Gothic Book" panose="020B0503020102020204" pitchFamily="34" charset="0"/>
+              <a:rPr lang="en" sz="1600" dirty="0">
+                <a:latin typeface="Proxima Nova"/>
+                <a:ea typeface="Proxima Nova"/>
+                <a:cs typeface="Proxima Nova"/>
+                <a:sym typeface="Proxima Nova"/>
               </a:rPr>
-              <a:t>As a team, write a two line program:</a:t>
-            </a:r>
-          </a:p>
-          <a:p>
-            <a:pPr marL="342900" indent="-342900">
-              <a:buFont typeface="Arial" panose="020B0604020202020204" pitchFamily="34" charset="0"/>
-              <a:buChar char="•"/>
-            </a:pPr>
-            <a:r>
-              <a:rPr lang="en-US" dirty="0">
-                <a:latin typeface="Franklin Gothic Book" panose="020B0503020102020204" pitchFamily="34" charset="0"/>
+              <a:t>Additional Reading: </a:t>
+            </a:r>
+            <a:r>
+              <a:rPr lang="en" sz="1600" dirty="0">
+                <a:solidFill>
+                  <a:srgbClr val="212529"/>
+                </a:solidFill>
               </a:rPr>
-              <a:t>Prompts the client with the question “Who was the first programmer?”</a:t>
-            </a:r>
-          </a:p>
-          <a:p>
-            <a:pPr marL="342900" indent="-342900">
-              <a:buFont typeface="Arial" panose="020B0604020202020204" pitchFamily="34" charset="0"/>
-              <a:buChar char="•"/>
-            </a:pPr>
-            <a:r>
-              <a:rPr lang="en-US" dirty="0">
-                <a:latin typeface="Franklin Gothic Book" panose="020B0503020102020204" pitchFamily="34" charset="0"/>
+              <a:t> </a:t>
+            </a:r>
+            <a:r>
+              <a:rPr lang="en" sz="1600" dirty="0">
+                <a:solidFill>
+                  <a:srgbClr val="105456"/>
+                </a:solidFill>
+                <a:uFill>
+                  <a:noFill/>
+                </a:uFill>
+                <a:hlinkClick r:id="rId4"/>
               </a:rPr>
-              <a:t>Prints in response  “(their input) was the first programmer.”</a:t>
-            </a:r>
-          </a:p>
-          <a:p>
-            <a:pPr marL="342900" indent="-342900">
-              <a:buFont typeface="Arial" panose="020B0604020202020204" pitchFamily="34" charset="0"/>
-              <a:buChar char="•"/>
-            </a:pPr>
-            <a:r>
-              <a:rPr lang="en-US" dirty="0">
-                <a:latin typeface="Franklin Gothic Book" panose="020B0503020102020204" pitchFamily="34" charset="0"/>
+              <a:t>Victorian computing visionary</a:t>
+            </a:r>
+            <a:r>
+              <a:rPr lang="en" sz="1600" dirty="0">
+                <a:latin typeface="Proxima Nova"/>
+                <a:ea typeface="Proxima Nova"/>
+                <a:cs typeface="Proxima Nova"/>
+                <a:sym typeface="Proxima Nova"/>
               </a:rPr>
-              <a:t>You do not have to do this in a  computer! </a:t>
-            </a:r>
-          </a:p>
-          <a:p>
-            <a:pPr marL="852192" lvl="1" indent="-342900">
-              <a:buFont typeface="Arial" panose="020B0604020202020204" pitchFamily="34" charset="0"/>
-              <a:buChar char="•"/>
-            </a:pPr>
-            <a:r>
-              <a:rPr lang="en-US" dirty="0">
-                <a:latin typeface="Franklin Gothic Book" panose="020B0503020102020204" pitchFamily="34" charset="0"/>
-              </a:rPr>
-              <a:t>Just work on paper or a white board with your team. </a:t>
-            </a:r>
+              <a:t>  </a:t>
+            </a:r>
+            <a:endParaRPr sz="1600" dirty="0">
+              <a:latin typeface="Proxima Nova"/>
+              <a:ea typeface="Proxima Nova"/>
+              <a:cs typeface="Proxima Nova"/>
+              <a:sym typeface="Proxima Nova"/>
+            </a:endParaRPr>
           </a:p>
         </p:txBody>
       </p:sp>
     </p:spTree>
-    <p:extLst>
-      <p:ext uri="{BB962C8B-B14F-4D97-AF65-F5344CB8AC3E}">
-        <p14:creationId xmlns:p14="http://schemas.microsoft.com/office/powerpoint/2010/main" val="2701031142"/>
-      </p:ext>
-    </p:extLst>
   </p:cSld>
   <p:clrMapOvr>
     <a:masterClrMapping/>
   </p:clrMapOvr>
-  <mc:AlternateContent xmlns:mc="http://schemas.openxmlformats.org/markup-compatibility/2006" xmlns:p14="http://schemas.microsoft.com/office/powerpoint/2010/main">
-    <mc:Choice Requires="p14">
-      <p:transition p14:dur="300">
-        <p:fade/>
-      </p:transition>
-    </mc:Choice>
-    <mc:Fallback xmlns="">
-      <p:transition>
-        <p:fade/>
-      </p:transition>
-    </mc:Fallback>
-  </mc:AlternateContent>
-  <p:timing>
-    <p:tnLst>
-      <p:par>
-        <p:cTn id="1" dur="indefinite" restart="never" nodeType="tmRoot">
-          <p:childTnLst>
-            <p:seq concurrent="1" nextAc="seek">
-              <p:cTn id="2" dur="indefinite" nodeType="mainSeq">
-                <p:childTnLst>
-                  <p:par>
-                    <p:cTn id="3" fill="hold">
-                      <p:stCondLst>
-                        <p:cond delay="indefinite"/>
-                      </p:stCondLst>
-                      <p:childTnLst>
-                        <p:par>
-                          <p:cTn id="4" fill="hold">
-                            <p:stCondLst>
-                              <p:cond delay="0"/>
-                            </p:stCondLst>
-                            <p:childTnLst>
-                              <p:par>
-                                <p:cTn id="5" presetID="9" presetClass="entr" presetSubtype="0" fill="hold" grpId="0" nodeType="clickEffect">
-                                  <p:stCondLst>
-                                    <p:cond delay="0"/>
-                                  </p:stCondLst>
-                                  <p:childTnLst>
-                                    <p:set>
-                                      <p:cBhvr>
-                                        <p:cTn id="6" dur="1" fill="hold">
-                                          <p:stCondLst>
-                                            <p:cond delay="0"/>
-                                          </p:stCondLst>
-                                        </p:cTn>
-                                        <p:tgtEl>
-                                          <p:spTgt spid="3">
-                                            <p:txEl>
-                                              <p:pRg st="0" end="0"/>
-                                            </p:txEl>
-                                          </p:spTgt>
-                                        </p:tgtEl>
-                                        <p:attrNameLst>
-                                          <p:attrName>style.visibility</p:attrName>
-                                        </p:attrNameLst>
-                                      </p:cBhvr>
-                                      <p:to>
-                                        <p:strVal val="visible"/>
-                                      </p:to>
-                                    </p:set>
-                                    <p:animEffect transition="in" filter="dissolve">
-                                      <p:cBhvr>
-                                        <p:cTn id="7" dur="500"/>
-                                        <p:tgtEl>
-                                          <p:spTgt spid="3">
-                                            <p:txEl>
-                                              <p:pRg st="0" end="0"/>
-                                            </p:txEl>
-                                          </p:spTgt>
-                                        </p:tgtEl>
-                                      </p:cBhvr>
-                                    </p:animEffect>
-                                  </p:childTnLst>
-                                </p:cTn>
-                              </p:par>
-                            </p:childTnLst>
-                          </p:cTn>
-                        </p:par>
-                      </p:childTnLst>
-                    </p:cTn>
-                  </p:par>
-                  <p:par>
-                    <p:cTn id="8" fill="hold">
-                      <p:stCondLst>
-                        <p:cond delay="indefinite"/>
-                      </p:stCondLst>
-                      <p:childTnLst>
-                        <p:par>
-                          <p:cTn id="9" fill="hold">
-                            <p:stCondLst>
-                              <p:cond delay="0"/>
-                            </p:stCondLst>
-                            <p:childTnLst>
-                              <p:par>
-                                <p:cTn id="10" presetID="9" presetClass="entr" presetSubtype="0" fill="hold" grpId="0" nodeType="clickEffect">
-                                  <p:stCondLst>
-                                    <p:cond delay="0"/>
-                                  </p:stCondLst>
-                                  <p:childTnLst>
-                                    <p:set>
-                                      <p:cBhvr>
-                                        <p:cTn id="11" dur="1" fill="hold">
-                                          <p:stCondLst>
-                                            <p:cond delay="0"/>
-                                          </p:stCondLst>
-                                        </p:cTn>
-                                        <p:tgtEl>
-                                          <p:spTgt spid="3">
-                                            <p:txEl>
-                                              <p:pRg st="1" end="1"/>
-                                            </p:txEl>
-                                          </p:spTgt>
-                                        </p:tgtEl>
-                                        <p:attrNameLst>
-                                          <p:attrName>style.visibility</p:attrName>
-                                        </p:attrNameLst>
-                                      </p:cBhvr>
-                                      <p:to>
-                                        <p:strVal val="visible"/>
-                                      </p:to>
-                                    </p:set>
-                                    <p:animEffect transition="in" filter="dissolve">
-                                      <p:cBhvr>
-                                        <p:cTn id="12" dur="500"/>
-                                        <p:tgtEl>
-                                          <p:spTgt spid="3">
-                                            <p:txEl>
-                                              <p:pRg st="1" end="1"/>
-                                            </p:txEl>
-                                          </p:spTgt>
-                                        </p:tgtEl>
-                                      </p:cBhvr>
-                                    </p:animEffect>
-                                  </p:childTnLst>
-                                </p:cTn>
-                              </p:par>
-                            </p:childTnLst>
-                          </p:cTn>
-                        </p:par>
-                      </p:childTnLst>
-                    </p:cTn>
-                  </p:par>
-                </p:childTnLst>
-              </p:cTn>
-              <p:prevCondLst>
-                <p:cond evt="onPrev" delay="0">
-                  <p:tgtEl>
-                    <p:sldTgt/>
-                  </p:tgtEl>
-                </p:cond>
-              </p:prevCondLst>
-              <p:nextCondLst>
-                <p:cond evt="onNext" delay="0">
-                  <p:tgtEl>
-                    <p:sldTgt/>
-                  </p:tgtEl>
-                </p:cond>
-              </p:nextCondLst>
-            </p:seq>
-          </p:childTnLst>
-        </p:cTn>
-      </p:par>
-    </p:tnLst>
-    <p:bldLst>
-      <p:bldP spid="3" grpId="0" build="p"/>
-    </p:bldLst>
-  </p:timing>
 </p:sld>
 </file>
 
@@ -8735,10 +9398,1178 @@
       </p:grpSpPr>
       <p:sp>
         <p:nvSpPr>
-          <p:cNvPr id="2" name="Title 1">
+          <p:cNvPr id="4" name="Title 3">
             <a:extLst>
               <a:ext uri="{FF2B5EF4-FFF2-40B4-BE49-F238E27FC236}">
-                <a16:creationId xmlns:a16="http://schemas.microsoft.com/office/drawing/2014/main" id="{93838C94-E64F-F94F-8E6E-CCB90AB7D9D1}"/>
+                <a16:creationId xmlns:a16="http://schemas.microsoft.com/office/drawing/2014/main" id="{1961150C-BAC2-47A4-8D36-28CE8F6AA4D8}"/>
+              </a:ext>
+            </a:extLst>
+          </p:cNvPr>
+          <p:cNvSpPr>
+            <a:spLocks noGrp="1"/>
+          </p:cNvSpPr>
+          <p:nvPr>
+            <p:ph type="title"/>
+          </p:nvPr>
+        </p:nvSpPr>
+        <p:spPr>
+          <a:xfrm>
+            <a:off x="3445328" y="2799373"/>
+            <a:ext cx="9744199" cy="1015663"/>
+          </a:xfrm>
+        </p:spPr>
+        <p:txBody>
+          <a:bodyPr/>
+          <a:lstStyle/>
+          <a:p>
+            <a:r>
+              <a:rPr lang="en-US" dirty="0"/>
+              <a:t>Computing Needs: World War II</a:t>
+            </a:r>
+          </a:p>
+        </p:txBody>
+      </p:sp>
+      <p:sp>
+        <p:nvSpPr>
+          <p:cNvPr id="5" name="Text Placeholder 4">
+            <a:extLst>
+              <a:ext uri="{FF2B5EF4-FFF2-40B4-BE49-F238E27FC236}">
+                <a16:creationId xmlns:a16="http://schemas.microsoft.com/office/drawing/2014/main" id="{062FD629-FCF1-4412-9CBB-634A5B356709}"/>
+              </a:ext>
+            </a:extLst>
+          </p:cNvPr>
+          <p:cNvSpPr>
+            <a:spLocks noGrp="1"/>
+          </p:cNvSpPr>
+          <p:nvPr>
+            <p:ph type="body" sz="quarter" idx="10"/>
+          </p:nvPr>
+        </p:nvSpPr>
+        <p:spPr/>
+        <p:txBody>
+          <a:bodyPr/>
+          <a:lstStyle/>
+          <a:p>
+            <a:endParaRPr lang="en-US"/>
+          </a:p>
+        </p:txBody>
+      </p:sp>
+    </p:spTree>
+    <p:extLst>
+      <p:ext uri="{BB962C8B-B14F-4D97-AF65-F5344CB8AC3E}">
+        <p14:creationId xmlns:p14="http://schemas.microsoft.com/office/powerpoint/2010/main" val="663647898"/>
+      </p:ext>
+    </p:extLst>
+  </p:cSld>
+  <p:clrMapOvr>
+    <a:masterClrMapping/>
+  </p:clrMapOvr>
+  <mc:AlternateContent xmlns:mc="http://schemas.openxmlformats.org/markup-compatibility/2006" xmlns:p14="http://schemas.microsoft.com/office/powerpoint/2010/main">
+    <mc:Choice Requires="p14">
+      <p:transition p14:dur="300">
+        <p:fade/>
+      </p:transition>
+    </mc:Choice>
+    <mc:Fallback xmlns="">
+      <p:transition>
+        <p:fade/>
+      </p:transition>
+    </mc:Fallback>
+  </mc:AlternateContent>
+</p:sld>
+</file>
+
+<file path=ppt/slides/slide15.xml><?xml version="1.0" encoding="utf-8"?>
+<p:sld xmlns:a="http://schemas.openxmlformats.org/drawingml/2006/main" xmlns:r="http://schemas.openxmlformats.org/officeDocument/2006/relationships" xmlns:p="http://schemas.openxmlformats.org/presentationml/2006/main">
+  <p:cSld>
+    <p:spTree>
+      <p:nvGrpSpPr>
+        <p:cNvPr id="1" name="Shape 219"/>
+        <p:cNvGrpSpPr/>
+        <p:nvPr/>
+      </p:nvGrpSpPr>
+      <p:grpSpPr>
+        <a:xfrm>
+          <a:off x="0" y="0"/>
+          <a:ext cx="0" cy="0"/>
+          <a:chOff x="0" y="0"/>
+          <a:chExt cx="0" cy="0"/>
+        </a:xfrm>
+      </p:grpSpPr>
+      <p:sp>
+        <p:nvSpPr>
+          <p:cNvPr id="220" name="Google Shape;220;p44"/>
+          <p:cNvSpPr txBox="1">
+            <a:spLocks noGrp="1"/>
+          </p:cNvSpPr>
+          <p:nvPr>
+            <p:ph type="title"/>
+          </p:nvPr>
+        </p:nvSpPr>
+        <p:spPr>
+          <a:xfrm>
+            <a:off x="628075" y="751389"/>
+            <a:ext cx="12561413" cy="1015467"/>
+          </a:xfrm>
+          <a:prstGeom prst="rect">
+            <a:avLst/>
+          </a:prstGeom>
+        </p:spPr>
+        <p:txBody>
+          <a:bodyPr spcFirstLastPara="1" vert="horz" wrap="square" lIns="91422" tIns="91422" rIns="91422" bIns="91422" rtlCol="0" anchor="b" anchorCtr="0">
+            <a:noAutofit/>
+          </a:bodyPr>
+          <a:lstStyle/>
+          <a:p>
+            <a:r>
+              <a:rPr lang="en" dirty="0"/>
+              <a:t>Alan Turing</a:t>
+            </a:r>
+            <a:endParaRPr dirty="0"/>
+          </a:p>
+        </p:txBody>
+      </p:sp>
+      <p:sp>
+        <p:nvSpPr>
+          <p:cNvPr id="221" name="Google Shape;221;p44"/>
+          <p:cNvSpPr txBox="1">
+            <a:spLocks noGrp="1"/>
+          </p:cNvSpPr>
+          <p:nvPr>
+            <p:ph type="body" idx="1"/>
+          </p:nvPr>
+        </p:nvSpPr>
+        <p:spPr>
+          <a:xfrm>
+            <a:off x="628075" y="1683000"/>
+            <a:ext cx="5318186" cy="4744587"/>
+          </a:xfrm>
+          <a:prstGeom prst="rect">
+            <a:avLst/>
+          </a:prstGeom>
+        </p:spPr>
+        <p:txBody>
+          <a:bodyPr spcFirstLastPara="1" vert="horz" wrap="square" lIns="91422" tIns="91422" rIns="91422" bIns="91422" rtlCol="0" anchor="t" anchorCtr="0">
+            <a:noAutofit/>
+          </a:bodyPr>
+          <a:lstStyle/>
+          <a:p>
+            <a:r>
+              <a:rPr lang="en" dirty="0"/>
+              <a:t>Mathematician and Philosopher</a:t>
+            </a:r>
+            <a:endParaRPr dirty="0"/>
+          </a:p>
+          <a:p>
+            <a:pPr>
+              <a:spcBef>
+                <a:spcPts val="0"/>
+              </a:spcBef>
+            </a:pPr>
+            <a:r>
+              <a:rPr lang="en" dirty="0"/>
+              <a:t>Enigma Code Breaker - Bombe Machine</a:t>
+            </a:r>
+            <a:endParaRPr dirty="0"/>
+          </a:p>
+          <a:p>
+            <a:pPr lvl="1">
+              <a:spcBef>
+                <a:spcPts val="0"/>
+              </a:spcBef>
+            </a:pPr>
+            <a:r>
+              <a:rPr lang="en" dirty="0"/>
+              <a:t>Series of interlocking wheels</a:t>
+            </a:r>
+            <a:endParaRPr dirty="0"/>
+          </a:p>
+          <a:p>
+            <a:pPr lvl="1">
+              <a:spcBef>
+                <a:spcPts val="0"/>
+              </a:spcBef>
+            </a:pPr>
+            <a:r>
+              <a:rPr lang="en" dirty="0"/>
+              <a:t>Looked at all combinations</a:t>
+            </a:r>
+            <a:endParaRPr dirty="0"/>
+          </a:p>
+          <a:p>
+            <a:pPr>
+              <a:spcBef>
+                <a:spcPts val="0"/>
+              </a:spcBef>
+            </a:pPr>
+            <a:r>
+              <a:rPr lang="en" dirty="0"/>
+              <a:t>Turing Machine</a:t>
+            </a:r>
+            <a:endParaRPr dirty="0"/>
+          </a:p>
+          <a:p>
+            <a:pPr lvl="1">
+              <a:spcBef>
+                <a:spcPts val="0"/>
+              </a:spcBef>
+            </a:pPr>
+            <a:r>
+              <a:rPr lang="en" dirty="0"/>
+              <a:t>Analog theoretical computer</a:t>
+            </a:r>
+            <a:endParaRPr dirty="0"/>
+          </a:p>
+          <a:p>
+            <a:pPr lvl="1">
+              <a:spcBef>
+                <a:spcPts val="0"/>
+              </a:spcBef>
+            </a:pPr>
+            <a:r>
+              <a:rPr lang="en" dirty="0"/>
+              <a:t>We have ‘close approximations’</a:t>
+            </a:r>
+            <a:endParaRPr dirty="0"/>
+          </a:p>
+          <a:p>
+            <a:pPr>
+              <a:spcBef>
+                <a:spcPts val="0"/>
+              </a:spcBef>
+            </a:pPr>
+            <a:r>
+              <a:rPr lang="en" dirty="0"/>
+              <a:t>Turing Test</a:t>
+            </a:r>
+            <a:endParaRPr dirty="0"/>
+          </a:p>
+          <a:p>
+            <a:pPr lvl="1">
+              <a:spcBef>
+                <a:spcPts val="0"/>
+              </a:spcBef>
+            </a:pPr>
+            <a:r>
+              <a:rPr lang="en" dirty="0"/>
+              <a:t>Imitation Game</a:t>
+            </a:r>
+            <a:endParaRPr dirty="0"/>
+          </a:p>
+          <a:p>
+            <a:pPr lvl="1">
+              <a:spcBef>
+                <a:spcPts val="0"/>
+              </a:spcBef>
+            </a:pPr>
+            <a:r>
+              <a:rPr lang="en" dirty="0"/>
+              <a:t>Thinking is hard to define</a:t>
+            </a:r>
+            <a:endParaRPr dirty="0"/>
+          </a:p>
+          <a:p>
+            <a:pPr>
+              <a:spcBef>
+                <a:spcPts val="0"/>
+              </a:spcBef>
+            </a:pPr>
+            <a:r>
+              <a:rPr lang="en" dirty="0"/>
+              <a:t>Later life</a:t>
+            </a:r>
+            <a:endParaRPr dirty="0"/>
+          </a:p>
+          <a:p>
+            <a:pPr lvl="1">
+              <a:spcBef>
+                <a:spcPts val="0"/>
+              </a:spcBef>
+            </a:pPr>
+            <a:r>
+              <a:rPr lang="en" dirty="0"/>
+              <a:t>Chemical Castration (DES)</a:t>
+            </a:r>
+            <a:endParaRPr dirty="0"/>
+          </a:p>
+          <a:p>
+            <a:pPr lvl="1">
+              <a:spcBef>
+                <a:spcPts val="0"/>
+              </a:spcBef>
+            </a:pPr>
+            <a:r>
+              <a:rPr lang="en" dirty="0"/>
+              <a:t>Died age 41 from Cyanide poisoning</a:t>
+            </a:r>
+            <a:endParaRPr dirty="0"/>
+          </a:p>
+          <a:p>
+            <a:pPr lvl="1">
+              <a:spcBef>
+                <a:spcPts val="0"/>
+              </a:spcBef>
+            </a:pPr>
+            <a:r>
+              <a:rPr lang="en" dirty="0"/>
+              <a:t>Queen pardoned him of ‘crimes’ - 2013</a:t>
+            </a:r>
+            <a:endParaRPr dirty="0"/>
+          </a:p>
+          <a:p>
+            <a:pPr marL="0" indent="0">
+              <a:spcAft>
+                <a:spcPts val="604"/>
+              </a:spcAft>
+              <a:buNone/>
+            </a:pPr>
+            <a:endParaRPr dirty="0"/>
+          </a:p>
+        </p:txBody>
+      </p:sp>
+      <p:pic>
+        <p:nvPicPr>
+          <p:cNvPr id="224" name="Google Shape;224;p44" descr="Replica build of Bombe Machine."/>
+          <p:cNvPicPr preferRelativeResize="0"/>
+          <p:nvPr/>
+        </p:nvPicPr>
+        <p:blipFill>
+          <a:blip r:embed="rId3">
+            <a:alphaModFix/>
+          </a:blip>
+          <a:stretch>
+            <a:fillRect/>
+          </a:stretch>
+        </p:blipFill>
+        <p:spPr>
+          <a:xfrm>
+            <a:off x="5946374" y="2726725"/>
+            <a:ext cx="4869442" cy="3563011"/>
+          </a:xfrm>
+          <a:prstGeom prst="rect">
+            <a:avLst/>
+          </a:prstGeom>
+          <a:noFill/>
+          <a:ln>
+            <a:noFill/>
+          </a:ln>
+        </p:spPr>
+      </p:pic>
+      <p:sp>
+        <p:nvSpPr>
+          <p:cNvPr id="226" name="Google Shape;226;p44"/>
+          <p:cNvSpPr txBox="1"/>
+          <p:nvPr/>
+        </p:nvSpPr>
+        <p:spPr>
+          <a:xfrm>
+            <a:off x="10737767" y="5634216"/>
+            <a:ext cx="2670587" cy="655520"/>
+          </a:xfrm>
+          <a:prstGeom prst="rect">
+            <a:avLst/>
+          </a:prstGeom>
+          <a:noFill/>
+          <a:ln>
+            <a:noFill/>
+          </a:ln>
+        </p:spPr>
+        <p:txBody>
+          <a:bodyPr spcFirstLastPara="1" wrap="square" lIns="138153" tIns="138153" rIns="138153" bIns="138153" anchor="t" anchorCtr="0">
+            <a:noAutofit/>
+          </a:bodyPr>
+          <a:lstStyle/>
+          <a:p>
+            <a:r>
+              <a:rPr lang="en" sz="1058" dirty="0"/>
+              <a:t>Replica of Bombe Machine</a:t>
+            </a:r>
+            <a:endParaRPr sz="1058" dirty="0"/>
+          </a:p>
+          <a:p>
+            <a:r>
+              <a:rPr lang="en" sz="1058" dirty="0"/>
+              <a:t>Photographer: Tom Yates. </a:t>
+            </a:r>
+            <a:r>
+              <a:rPr lang="en" sz="1058" u="sng" dirty="0">
+                <a:solidFill>
+                  <a:schemeClr val="hlink"/>
+                </a:solidFill>
+                <a:hlinkClick r:id="rId4"/>
+              </a:rPr>
+              <a:t>Source</a:t>
+            </a:r>
+            <a:endParaRPr sz="1058" dirty="0"/>
+          </a:p>
+        </p:txBody>
+      </p:sp>
+      <p:pic>
+        <p:nvPicPr>
+          <p:cNvPr id="222" name="Google Shape;222;p44" descr="Portrait of Alan Turing at age 16. "/>
+          <p:cNvPicPr preferRelativeResize="0"/>
+          <p:nvPr/>
+        </p:nvPicPr>
+        <p:blipFill>
+          <a:blip r:embed="rId5">
+            <a:alphaModFix/>
+          </a:blip>
+          <a:stretch>
+            <a:fillRect/>
+          </a:stretch>
+        </p:blipFill>
+        <p:spPr>
+          <a:xfrm>
+            <a:off x="10815816" y="104910"/>
+            <a:ext cx="2779953" cy="3781291"/>
+          </a:xfrm>
+          <a:prstGeom prst="rect">
+            <a:avLst/>
+          </a:prstGeom>
+          <a:noFill/>
+          <a:ln>
+            <a:noFill/>
+          </a:ln>
+        </p:spPr>
+      </p:pic>
+      <p:sp>
+        <p:nvSpPr>
+          <p:cNvPr id="223" name="Google Shape;223;p44"/>
+          <p:cNvSpPr txBox="1"/>
+          <p:nvPr/>
+        </p:nvSpPr>
+        <p:spPr>
+          <a:xfrm>
+            <a:off x="10815816" y="3886200"/>
+            <a:ext cx="2779840" cy="338187"/>
+          </a:xfrm>
+          <a:prstGeom prst="rect">
+            <a:avLst/>
+          </a:prstGeom>
+          <a:noFill/>
+          <a:ln>
+            <a:noFill/>
+          </a:ln>
+        </p:spPr>
+        <p:txBody>
+          <a:bodyPr spcFirstLastPara="1" wrap="square" lIns="138153" tIns="138153" rIns="138153" bIns="138153" anchor="ctr" anchorCtr="0">
+            <a:noAutofit/>
+          </a:bodyPr>
+          <a:lstStyle/>
+          <a:p>
+            <a:r>
+              <a:rPr lang="en" sz="1209"/>
+              <a:t>See </a:t>
+            </a:r>
+            <a:r>
+              <a:rPr lang="en" sz="1209" u="sng">
+                <a:solidFill>
+                  <a:schemeClr val="hlink"/>
+                </a:solidFill>
+                <a:hlinkClick r:id="rId6"/>
+              </a:rPr>
+              <a:t>page</a:t>
+            </a:r>
+            <a:r>
+              <a:rPr lang="en" sz="1209"/>
+              <a:t> for author [Public domain], via Wikimedia Commons</a:t>
+            </a:r>
+            <a:endParaRPr sz="1209" dirty="0"/>
+          </a:p>
+        </p:txBody>
+      </p:sp>
+      <p:pic>
+        <p:nvPicPr>
+          <p:cNvPr id="225" name="Google Shape;225;p44">
+            <a:extLst>
+              <a:ext uri="{C183D7F6-B498-43B3-948B-1728B52AA6E4}">
+                <adec:decorative xmlns:adec="http://schemas.microsoft.com/office/drawing/2017/decorative" val="1"/>
+              </a:ext>
+            </a:extLst>
+          </p:cNvPr>
+          <p:cNvPicPr preferRelativeResize="0"/>
+          <p:nvPr/>
+        </p:nvPicPr>
+        <p:blipFill>
+          <a:blip r:embed="rId7">
+            <a:alphaModFix/>
+          </a:blip>
+          <a:stretch>
+            <a:fillRect/>
+          </a:stretch>
+        </p:blipFill>
+        <p:spPr>
+          <a:xfrm>
+            <a:off x="9970319" y="5951549"/>
+            <a:ext cx="845497" cy="338187"/>
+          </a:xfrm>
+          <a:prstGeom prst="rect">
+            <a:avLst/>
+          </a:prstGeom>
+          <a:noFill/>
+          <a:ln>
+            <a:noFill/>
+          </a:ln>
+        </p:spPr>
+      </p:pic>
+    </p:spTree>
+  </p:cSld>
+  <p:clrMapOvr>
+    <a:masterClrMapping/>
+  </p:clrMapOvr>
+</p:sld>
+</file>
+
+<file path=ppt/slides/slide16.xml><?xml version="1.0" encoding="utf-8"?>
+<p:sld xmlns:a="http://schemas.openxmlformats.org/drawingml/2006/main" xmlns:r="http://schemas.openxmlformats.org/officeDocument/2006/relationships" xmlns:p="http://schemas.openxmlformats.org/presentationml/2006/main">
+  <p:cSld>
+    <p:spTree>
+      <p:nvGrpSpPr>
+        <p:cNvPr id="1" name="Shape 231"/>
+        <p:cNvGrpSpPr/>
+        <p:nvPr/>
+      </p:nvGrpSpPr>
+      <p:grpSpPr>
+        <a:xfrm>
+          <a:off x="0" y="0"/>
+          <a:ext cx="0" cy="0"/>
+          <a:chOff x="0" y="0"/>
+          <a:chExt cx="0" cy="0"/>
+        </a:xfrm>
+      </p:grpSpPr>
+      <p:sp>
+        <p:nvSpPr>
+          <p:cNvPr id="232" name="Google Shape;232;p45"/>
+          <p:cNvSpPr txBox="1">
+            <a:spLocks noGrp="1"/>
+          </p:cNvSpPr>
+          <p:nvPr>
+            <p:ph type="title"/>
+          </p:nvPr>
+        </p:nvSpPr>
+        <p:spPr>
+          <a:xfrm>
+            <a:off x="628075" y="751389"/>
+            <a:ext cx="12561413" cy="1015467"/>
+          </a:xfrm>
+          <a:prstGeom prst="rect">
+            <a:avLst/>
+          </a:prstGeom>
+        </p:spPr>
+        <p:txBody>
+          <a:bodyPr spcFirstLastPara="1" vert="horz" wrap="square" lIns="91422" tIns="91422" rIns="91422" bIns="91422" rtlCol="0" anchor="b" anchorCtr="0">
+            <a:noAutofit/>
+          </a:bodyPr>
+          <a:lstStyle/>
+          <a:p>
+            <a:r>
+              <a:rPr lang="en"/>
+              <a:t>Who Programmed the Bombe?</a:t>
+            </a:r>
+            <a:endParaRPr dirty="0"/>
+          </a:p>
+        </p:txBody>
+      </p:sp>
+      <p:sp>
+        <p:nvSpPr>
+          <p:cNvPr id="233" name="Google Shape;233;p45"/>
+          <p:cNvSpPr txBox="1">
+            <a:spLocks noGrp="1"/>
+          </p:cNvSpPr>
+          <p:nvPr>
+            <p:ph type="body" idx="1"/>
+          </p:nvPr>
+        </p:nvSpPr>
+        <p:spPr>
+          <a:xfrm>
+            <a:off x="480836" y="2368793"/>
+            <a:ext cx="6192080" cy="4253173"/>
+          </a:xfrm>
+          <a:prstGeom prst="rect">
+            <a:avLst/>
+          </a:prstGeom>
+        </p:spPr>
+        <p:txBody>
+          <a:bodyPr spcFirstLastPara="1" vert="horz" wrap="square" lIns="91422" tIns="91422" rIns="91422" bIns="91422" rtlCol="0" anchor="t" anchorCtr="0">
+            <a:noAutofit/>
+          </a:bodyPr>
+          <a:lstStyle/>
+          <a:p>
+            <a:r>
+              <a:rPr lang="en" dirty="0"/>
+              <a:t>Jean Valentine</a:t>
+            </a:r>
+            <a:endParaRPr dirty="0"/>
+          </a:p>
+          <a:p>
+            <a:pPr>
+              <a:spcBef>
+                <a:spcPts val="0"/>
+              </a:spcBef>
+            </a:pPr>
+            <a:r>
+              <a:rPr lang="en" dirty="0"/>
+              <a:t>Along with many others</a:t>
+            </a:r>
+            <a:endParaRPr dirty="0"/>
+          </a:p>
+          <a:p>
+            <a:pPr indent="-450988">
+              <a:spcBef>
+                <a:spcPts val="0"/>
+              </a:spcBef>
+              <a:buSzPts val="1100"/>
+            </a:pPr>
+            <a:r>
+              <a:rPr lang="en" sz="1662" dirty="0"/>
+              <a:t>Colossus machines</a:t>
+            </a:r>
+            <a:endParaRPr sz="1662" dirty="0"/>
+          </a:p>
+          <a:p>
+            <a:pPr lvl="1">
+              <a:spcBef>
+                <a:spcPts val="0"/>
+              </a:spcBef>
+            </a:pPr>
+            <a:r>
+              <a:rPr lang="en" dirty="0"/>
+              <a:t>Call “Wrens”</a:t>
+            </a:r>
+            <a:endParaRPr dirty="0"/>
+          </a:p>
+          <a:p>
+            <a:pPr lvl="1">
+              <a:spcBef>
+                <a:spcPts val="0"/>
+              </a:spcBef>
+            </a:pPr>
+            <a:r>
+              <a:rPr lang="en" dirty="0"/>
+              <a:t>Worked in parallel with the bombe</a:t>
+            </a:r>
+            <a:endParaRPr dirty="0"/>
+          </a:p>
+          <a:p>
+            <a:pPr lvl="1">
+              <a:spcBef>
+                <a:spcPts val="0"/>
+              </a:spcBef>
+            </a:pPr>
+            <a:r>
+              <a:rPr lang="en" dirty="0"/>
+              <a:t>Woman programmed them</a:t>
+            </a:r>
+            <a:endParaRPr dirty="0"/>
+          </a:p>
+          <a:p>
+            <a:pPr lvl="1">
+              <a:spcBef>
+                <a:spcPts val="0"/>
+              </a:spcBef>
+            </a:pPr>
+            <a:r>
+              <a:rPr lang="en" dirty="0"/>
+              <a:t>Considered “unskilled labor”</a:t>
+            </a:r>
+            <a:endParaRPr dirty="0"/>
+          </a:p>
+          <a:p>
+            <a:pPr lvl="2">
+              <a:spcBef>
+                <a:spcPts val="0"/>
+              </a:spcBef>
+            </a:pPr>
+            <a:r>
+              <a:rPr lang="en" dirty="0"/>
+              <a:t>To the point of morning revelry </a:t>
+            </a:r>
+            <a:endParaRPr dirty="0"/>
+          </a:p>
+          <a:p>
+            <a:pPr lvl="1">
+              <a:spcBef>
+                <a:spcPts val="0"/>
+              </a:spcBef>
+            </a:pPr>
+            <a:r>
+              <a:rPr lang="en" dirty="0"/>
+              <a:t>Mostly lost to history due to security restrictions</a:t>
+            </a:r>
+            <a:endParaRPr dirty="0"/>
+          </a:p>
+          <a:p>
+            <a:pPr lvl="2">
+              <a:spcBef>
+                <a:spcPts val="0"/>
+              </a:spcBef>
+            </a:pPr>
+            <a:r>
+              <a:rPr lang="en" dirty="0"/>
+              <a:t>Many were not allowed to continue in computing.</a:t>
+            </a:r>
+            <a:endParaRPr dirty="0"/>
+          </a:p>
+          <a:p>
+            <a:pPr>
+              <a:spcBef>
+                <a:spcPts val="0"/>
+              </a:spcBef>
+            </a:pPr>
+            <a:r>
+              <a:rPr lang="en" dirty="0"/>
+              <a:t>Cryptographers were men, programmers were women</a:t>
+            </a:r>
+            <a:endParaRPr dirty="0"/>
+          </a:p>
+        </p:txBody>
+      </p:sp>
+      <p:pic>
+        <p:nvPicPr>
+          <p:cNvPr id="234" name="Google Shape;234;p45" descr="Women programming a colossus machine. "/>
+          <p:cNvPicPr preferRelativeResize="0"/>
+          <p:nvPr/>
+        </p:nvPicPr>
+        <p:blipFill>
+          <a:blip r:embed="rId3">
+            <a:alphaModFix/>
+          </a:blip>
+          <a:stretch>
+            <a:fillRect/>
+          </a:stretch>
+        </p:blipFill>
+        <p:spPr>
+          <a:xfrm>
+            <a:off x="7018054" y="2368793"/>
+            <a:ext cx="6558524" cy="4372350"/>
+          </a:xfrm>
+          <a:prstGeom prst="rect">
+            <a:avLst/>
+          </a:prstGeom>
+          <a:noFill/>
+          <a:ln>
+            <a:noFill/>
+          </a:ln>
+        </p:spPr>
+      </p:pic>
+      <p:sp>
+        <p:nvSpPr>
+          <p:cNvPr id="235" name="Google Shape;235;p45"/>
+          <p:cNvSpPr txBox="1"/>
+          <p:nvPr/>
+        </p:nvSpPr>
+        <p:spPr>
+          <a:xfrm>
+            <a:off x="7101316" y="6741067"/>
+            <a:ext cx="6820400" cy="344533"/>
+          </a:xfrm>
+          <a:prstGeom prst="rect">
+            <a:avLst/>
+          </a:prstGeom>
+          <a:noFill/>
+          <a:ln>
+            <a:noFill/>
+          </a:ln>
+        </p:spPr>
+        <p:txBody>
+          <a:bodyPr spcFirstLastPara="1" wrap="square" lIns="138153" tIns="138153" rIns="138153" bIns="138153" anchor="ctr" anchorCtr="0">
+            <a:noAutofit/>
+          </a:bodyPr>
+          <a:lstStyle/>
+          <a:p>
+            <a:r>
+              <a:rPr lang="en" sz="907"/>
+              <a:t>See </a:t>
+            </a:r>
+            <a:r>
+              <a:rPr lang="en" sz="907" u="sng">
+                <a:solidFill>
+                  <a:schemeClr val="hlink"/>
+                </a:solidFill>
+                <a:hlinkClick r:id="rId4"/>
+              </a:rPr>
+              <a:t>page</a:t>
+            </a:r>
+            <a:r>
+              <a:rPr lang="en" sz="907"/>
+              <a:t> for author [Public domain], via Wikimedia Commons</a:t>
+            </a:r>
+            <a:endParaRPr sz="907" dirty="0"/>
+          </a:p>
+        </p:txBody>
+      </p:sp>
+    </p:spTree>
+  </p:cSld>
+  <p:clrMapOvr>
+    <a:masterClrMapping/>
+  </p:clrMapOvr>
+</p:sld>
+</file>
+
+<file path=ppt/slides/slide17.xml><?xml version="1.0" encoding="utf-8"?>
+<p:sld xmlns:a="http://schemas.openxmlformats.org/drawingml/2006/main" xmlns:r="http://schemas.openxmlformats.org/officeDocument/2006/relationships" xmlns:p="http://schemas.openxmlformats.org/presentationml/2006/main">
+  <p:cSld>
+    <p:spTree>
+      <p:nvGrpSpPr>
+        <p:cNvPr id="1" name="Shape 239"/>
+        <p:cNvGrpSpPr/>
+        <p:nvPr/>
+      </p:nvGrpSpPr>
+      <p:grpSpPr>
+        <a:xfrm>
+          <a:off x="0" y="0"/>
+          <a:ext cx="0" cy="0"/>
+          <a:chOff x="0" y="0"/>
+          <a:chExt cx="0" cy="0"/>
+        </a:xfrm>
+      </p:grpSpPr>
+      <p:sp>
+        <p:nvSpPr>
+          <p:cNvPr id="240" name="Google Shape;240;p46"/>
+          <p:cNvSpPr txBox="1">
+            <a:spLocks noGrp="1"/>
+          </p:cNvSpPr>
+          <p:nvPr>
+            <p:ph type="title"/>
+          </p:nvPr>
+        </p:nvSpPr>
+        <p:spPr>
+          <a:xfrm>
+            <a:off x="628075" y="751389"/>
+            <a:ext cx="12561413" cy="1015467"/>
+          </a:xfrm>
+          <a:prstGeom prst="rect">
+            <a:avLst/>
+          </a:prstGeom>
+        </p:spPr>
+        <p:txBody>
+          <a:bodyPr spcFirstLastPara="1" vert="horz" wrap="square" lIns="91422" tIns="91422" rIns="91422" bIns="91422" rtlCol="0" anchor="b" anchorCtr="0">
+            <a:noAutofit/>
+          </a:bodyPr>
+          <a:lstStyle/>
+          <a:p>
+            <a:r>
+              <a:rPr lang="en"/>
+              <a:t>World War II - USA</a:t>
+            </a:r>
+            <a:endParaRPr dirty="0"/>
+          </a:p>
+        </p:txBody>
+      </p:sp>
+      <p:sp>
+        <p:nvSpPr>
+          <p:cNvPr id="241" name="Google Shape;241;p46"/>
+          <p:cNvSpPr txBox="1">
+            <a:spLocks noGrp="1"/>
+          </p:cNvSpPr>
+          <p:nvPr>
+            <p:ph type="body" idx="1"/>
+          </p:nvPr>
+        </p:nvSpPr>
+        <p:spPr>
+          <a:xfrm>
+            <a:off x="628075" y="1785011"/>
+            <a:ext cx="5372000" cy="5236000"/>
+          </a:xfrm>
+          <a:prstGeom prst="rect">
+            <a:avLst/>
+          </a:prstGeom>
+        </p:spPr>
+        <p:txBody>
+          <a:bodyPr spcFirstLastPara="1" vert="horz" wrap="square" lIns="91422" tIns="91422" rIns="91422" bIns="91422" rtlCol="0" anchor="t" anchorCtr="0">
+            <a:noAutofit/>
+          </a:bodyPr>
+          <a:lstStyle/>
+          <a:p>
+            <a:pPr>
+              <a:buClr>
+                <a:schemeClr val="dk1"/>
+              </a:buClr>
+              <a:buFont typeface="Arial"/>
+              <a:buAutoNum type="arabicPeriod"/>
+            </a:pPr>
+            <a:r>
+              <a:rPr lang="en" dirty="0"/>
+              <a:t>Electronic Numerical Integrator and Computer (ENIAC) </a:t>
+            </a:r>
+            <a:endParaRPr dirty="0"/>
+          </a:p>
+          <a:p>
+            <a:pPr>
+              <a:spcBef>
+                <a:spcPts val="0"/>
+              </a:spcBef>
+              <a:buAutoNum type="arabicPeriod"/>
+            </a:pPr>
+            <a:r>
+              <a:rPr lang="en" dirty="0"/>
+              <a:t>The ‘silent’ programmers</a:t>
+            </a:r>
+            <a:endParaRPr dirty="0"/>
+          </a:p>
+          <a:p>
+            <a:pPr lvl="1">
+              <a:spcBef>
+                <a:spcPts val="0"/>
+              </a:spcBef>
+              <a:buAutoNum type="alphaLcPeriod"/>
+            </a:pPr>
+            <a:r>
+              <a:rPr lang="en" dirty="0"/>
+              <a:t>Jean Jennings (Bartik)</a:t>
+            </a:r>
+            <a:endParaRPr dirty="0"/>
+          </a:p>
+          <a:p>
+            <a:pPr lvl="1">
+              <a:spcBef>
+                <a:spcPts val="0"/>
+              </a:spcBef>
+              <a:buAutoNum type="alphaLcPeriod"/>
+            </a:pPr>
+            <a:r>
+              <a:rPr lang="en" dirty="0"/>
+              <a:t>Betty Snyder (Holberton)</a:t>
+            </a:r>
+            <a:endParaRPr dirty="0"/>
+          </a:p>
+          <a:p>
+            <a:pPr lvl="1">
+              <a:spcBef>
+                <a:spcPts val="0"/>
+              </a:spcBef>
+              <a:buAutoNum type="alphaLcPeriod"/>
+            </a:pPr>
+            <a:r>
+              <a:rPr lang="en" dirty="0"/>
+              <a:t>Frances Bilas (Spence)</a:t>
+            </a:r>
+            <a:endParaRPr dirty="0"/>
+          </a:p>
+          <a:p>
+            <a:pPr lvl="1">
+              <a:spcBef>
+                <a:spcPts val="0"/>
+              </a:spcBef>
+              <a:buAutoNum type="alphaLcPeriod"/>
+            </a:pPr>
+            <a:r>
+              <a:rPr lang="en" dirty="0"/>
+              <a:t>Kay McNulty (Mauchly Antonelli)</a:t>
+            </a:r>
+            <a:endParaRPr dirty="0"/>
+          </a:p>
+          <a:p>
+            <a:pPr lvl="1">
+              <a:spcBef>
+                <a:spcPts val="0"/>
+              </a:spcBef>
+              <a:buAutoNum type="alphaLcPeriod"/>
+            </a:pPr>
+            <a:r>
+              <a:rPr lang="en" dirty="0"/>
+              <a:t>Marlyn Wescoff (Meltzer)</a:t>
+            </a:r>
+            <a:endParaRPr dirty="0"/>
+          </a:p>
+          <a:p>
+            <a:pPr lvl="1">
+              <a:spcBef>
+                <a:spcPts val="0"/>
+              </a:spcBef>
+              <a:buAutoNum type="alphaLcPeriod"/>
+            </a:pPr>
+            <a:r>
+              <a:rPr lang="en" dirty="0"/>
+              <a:t>Ruth Lichterman (Teitelbaum).</a:t>
+            </a:r>
+            <a:endParaRPr dirty="0"/>
+          </a:p>
+          <a:p>
+            <a:pPr>
+              <a:spcBef>
+                <a:spcPts val="0"/>
+              </a:spcBef>
+              <a:buAutoNum type="arabicPeriod"/>
+            </a:pPr>
+            <a:r>
+              <a:rPr lang="en" dirty="0"/>
+              <a:t>Was considered “unskilled” labor</a:t>
+            </a:r>
+            <a:endParaRPr dirty="0"/>
+          </a:p>
+          <a:p>
+            <a:pPr lvl="1">
+              <a:spcBef>
+                <a:spcPts val="0"/>
+              </a:spcBef>
+              <a:buAutoNum type="alphaLcPeriod"/>
+            </a:pPr>
+            <a:r>
+              <a:rPr lang="en" dirty="0"/>
+              <a:t>degrees in mathematics.</a:t>
+            </a:r>
+            <a:endParaRPr dirty="0"/>
+          </a:p>
+          <a:p>
+            <a:pPr>
+              <a:spcBef>
+                <a:spcPts val="0"/>
+              </a:spcBef>
+              <a:buAutoNum type="arabicPeriod"/>
+            </a:pPr>
+            <a:r>
+              <a:rPr lang="en" dirty="0"/>
+              <a:t>After the war?</a:t>
+            </a:r>
+            <a:endParaRPr dirty="0"/>
+          </a:p>
+          <a:p>
+            <a:pPr lvl="1">
+              <a:spcBef>
+                <a:spcPts val="0"/>
+              </a:spcBef>
+              <a:buAutoNum type="alphaLcPeriod"/>
+            </a:pPr>
+            <a:r>
+              <a:rPr lang="en" dirty="0"/>
+              <a:t>They continued on after, had more, but limited freedom.</a:t>
+            </a:r>
+            <a:endParaRPr dirty="0"/>
+          </a:p>
+          <a:p>
+            <a:pPr lvl="1">
+              <a:spcBef>
+                <a:spcPts val="0"/>
+              </a:spcBef>
+              <a:buAutoNum type="alphaLcPeriod"/>
+            </a:pPr>
+            <a:r>
+              <a:rPr lang="en" dirty="0"/>
+              <a:t>Defined the field</a:t>
+            </a:r>
+            <a:endParaRPr dirty="0"/>
+          </a:p>
+          <a:p>
+            <a:pPr lvl="1">
+              <a:spcBef>
+                <a:spcPts val="0"/>
+              </a:spcBef>
+              <a:buAutoNum type="alphaLcPeriod"/>
+            </a:pPr>
+            <a:r>
+              <a:rPr lang="en" dirty="0"/>
+              <a:t>Changed the world </a:t>
+            </a:r>
+            <a:endParaRPr dirty="0"/>
+          </a:p>
+        </p:txBody>
+      </p:sp>
+      <p:pic>
+        <p:nvPicPr>
+          <p:cNvPr id="242" name="Google Shape;242;p46">
+            <a:extLst>
+              <a:ext uri="{C183D7F6-B498-43B3-948B-1728B52AA6E4}">
+                <adec:decorative xmlns:adec="http://schemas.microsoft.com/office/drawing/2017/decorative" val="1"/>
+              </a:ext>
+            </a:extLst>
+          </p:cNvPr>
+          <p:cNvPicPr preferRelativeResize="0"/>
+          <p:nvPr/>
+        </p:nvPicPr>
+        <p:blipFill>
+          <a:blip r:embed="rId3">
+            <a:alphaModFix/>
+          </a:blip>
+          <a:stretch>
+            <a:fillRect/>
+          </a:stretch>
+        </p:blipFill>
+        <p:spPr>
+          <a:xfrm>
+            <a:off x="6211423" y="1658559"/>
+            <a:ext cx="7472029" cy="4926864"/>
+          </a:xfrm>
+          <a:prstGeom prst="rect">
+            <a:avLst/>
+          </a:prstGeom>
+          <a:noFill/>
+          <a:ln>
+            <a:noFill/>
+          </a:ln>
+        </p:spPr>
+      </p:pic>
+      <p:sp>
+        <p:nvSpPr>
+          <p:cNvPr id="243" name="Google Shape;243;p46"/>
+          <p:cNvSpPr txBox="1"/>
+          <p:nvPr/>
+        </p:nvSpPr>
+        <p:spPr>
+          <a:xfrm>
+            <a:off x="6764262" y="6650438"/>
+            <a:ext cx="6162613" cy="374000"/>
+          </a:xfrm>
+          <a:prstGeom prst="rect">
+            <a:avLst/>
+          </a:prstGeom>
+          <a:noFill/>
+          <a:ln>
+            <a:noFill/>
+          </a:ln>
+        </p:spPr>
+        <p:txBody>
+          <a:bodyPr spcFirstLastPara="1" wrap="square" lIns="138153" tIns="138153" rIns="138153" bIns="138153" anchor="t" anchorCtr="0">
+            <a:noAutofit/>
+          </a:bodyPr>
+          <a:lstStyle/>
+          <a:p>
+            <a:r>
+              <a:rPr lang="en" sz="907"/>
+              <a:t>Programmers Betty Jean Jennings (left) and Fran Bilas (right) operate ENIAC's main control panel</a:t>
+            </a:r>
+            <a:endParaRPr sz="907" dirty="0"/>
+          </a:p>
+          <a:p>
+            <a:r>
+              <a:rPr lang="en" sz="907"/>
+              <a:t>By United States Army (Image from http://ftp.arl.army.mil/~mike/comphist/) [Public domain], via Wikimedia Commons</a:t>
+            </a:r>
+            <a:endParaRPr sz="907" dirty="0"/>
+          </a:p>
+        </p:txBody>
+      </p:sp>
+    </p:spTree>
+  </p:cSld>
+  <p:clrMapOvr>
+    <a:masterClrMapping/>
+  </p:clrMapOvr>
+</p:sld>
+</file>
+
+<file path=ppt/slides/slide18.xml><?xml version="1.0" encoding="utf-8"?>
+<p:sld xmlns:a="http://schemas.openxmlformats.org/drawingml/2006/main" xmlns:r="http://schemas.openxmlformats.org/officeDocument/2006/relationships" xmlns:p="http://schemas.openxmlformats.org/presentationml/2006/main">
+  <p:cSld>
+    <p:spTree>
+      <p:nvGrpSpPr>
+        <p:cNvPr id="1" name=""/>
+        <p:cNvGrpSpPr/>
+        <p:nvPr/>
+      </p:nvGrpSpPr>
+      <p:grpSpPr>
+        <a:xfrm>
+          <a:off x="0" y="0"/>
+          <a:ext cx="0" cy="0"/>
+          <a:chOff x="0" y="0"/>
+          <a:chExt cx="0" cy="0"/>
+        </a:xfrm>
+      </p:grpSpPr>
+      <p:sp>
+        <p:nvSpPr>
+          <p:cNvPr id="4" name="Title 3">
+            <a:extLst>
+              <a:ext uri="{FF2B5EF4-FFF2-40B4-BE49-F238E27FC236}">
+                <a16:creationId xmlns:a16="http://schemas.microsoft.com/office/drawing/2014/main" id="{CB5F5C46-85EE-C64C-B68E-0F67EDB1F11E}"/>
               </a:ext>
             </a:extLst>
           </p:cNvPr>
@@ -8756,17 +10587,17 @@
           <a:p>
             <a:r>
               <a:rPr lang="en-US" dirty="0"/>
-              <a:t>Thought Question</a:t>
+              <a:t>Python, Your Intro Language</a:t>
             </a:r>
           </a:p>
         </p:txBody>
       </p:sp>
       <p:sp>
         <p:nvSpPr>
-          <p:cNvPr id="3" name="Text Placeholder 2">
+          <p:cNvPr id="5" name="Text Placeholder 4">
             <a:extLst>
               <a:ext uri="{FF2B5EF4-FFF2-40B4-BE49-F238E27FC236}">
-                <a16:creationId xmlns:a16="http://schemas.microsoft.com/office/drawing/2014/main" id="{D0C1E9F7-86EE-EB44-A494-85BCDCE9AA47}"/>
+                <a16:creationId xmlns:a16="http://schemas.microsoft.com/office/drawing/2014/main" id="{B8AFC55D-F466-DE4B-8CBE-D0A330A6DE5C}"/>
               </a:ext>
             </a:extLst>
           </p:cNvPr>
@@ -8777,14 +10608,68 @@
             <p:ph type="body" sz="quarter" idx="10"/>
           </p:nvPr>
         </p:nvSpPr>
-        <p:spPr/>
+        <p:spPr>
+          <a:xfrm>
+            <a:off x="3445328" y="4138725"/>
+            <a:ext cx="9744199" cy="486543"/>
+          </a:xfrm>
+        </p:spPr>
         <p:txBody>
           <a:bodyPr/>
           <a:lstStyle/>
           <a:p>
             <a:r>
               <a:rPr lang="en-US" dirty="0"/>
-              <a:t>What great world event pushed computers as an essential tool towards victory?</a:t>
+              <a:t>We will start in detail on Wednesday!</a:t>
+            </a:r>
+          </a:p>
+        </p:txBody>
+      </p:sp>
+      <p:sp>
+        <p:nvSpPr>
+          <p:cNvPr id="2" name="TextBox 1">
+            <a:extLst>
+              <a:ext uri="{FF2B5EF4-FFF2-40B4-BE49-F238E27FC236}">
+                <a16:creationId xmlns:a16="http://schemas.microsoft.com/office/drawing/2014/main" id="{A968738E-6B2C-A64F-9DA8-E68E9A79543A}"/>
+              </a:ext>
+            </a:extLst>
+          </p:cNvPr>
+          <p:cNvSpPr txBox="1"/>
+          <p:nvPr/>
+        </p:nvSpPr>
+        <p:spPr>
+          <a:xfrm>
+            <a:off x="4321979" y="5081558"/>
+            <a:ext cx="6538072" cy="707886"/>
+          </a:xfrm>
+          <a:prstGeom prst="rect">
+            <a:avLst/>
+          </a:prstGeom>
+          <a:noFill/>
+        </p:spPr>
+        <p:txBody>
+          <a:bodyPr wrap="none" rtlCol="0">
+            <a:spAutoFit/>
+          </a:bodyPr>
+          <a:lstStyle/>
+          <a:p>
+            <a:r>
+              <a:rPr lang="en-US" dirty="0"/>
+              <a:t>Quick Reminder: You should do reading </a:t>
+            </a:r>
+            <a:r>
+              <a:rPr lang="en-US" b="1" dirty="0"/>
+              <a:t>before</a:t>
+            </a:r>
+            <a:r>
+              <a:rPr lang="en-US" dirty="0"/>
+              <a:t> lecture. </a:t>
+            </a:r>
+          </a:p>
+          <a:p>
+            <a:r>
+              <a:rPr lang="en-US" dirty="0"/>
+              <a:t>Content assumes you have. </a:t>
             </a:r>
           </a:p>
         </p:txBody>
@@ -8792,7 +10677,7 @@
     </p:spTree>
     <p:extLst>
       <p:ext uri="{BB962C8B-B14F-4D97-AF65-F5344CB8AC3E}">
-        <p14:creationId xmlns:p14="http://schemas.microsoft.com/office/powerpoint/2010/main" val="2389025649"/>
+        <p14:creationId xmlns:p14="http://schemas.microsoft.com/office/powerpoint/2010/main" val="2070328429"/>
       </p:ext>
     </p:extLst>
   </p:cSld>
@@ -8897,6 +10782,7 @@
             </a:r>
           </a:p>
           <a:p>
+            <a:pPr lvl="1"/>
             <a:r>
               <a:rPr lang="en-US" dirty="0"/>
               <a:t>Make sure to start the welcome question as soon as you sit down (meant to be done before class starts)</a:t>
@@ -8905,63 +10791,44 @@
           <a:p>
             <a:r>
               <a:rPr lang="en-US" dirty="0"/>
-              <a:t>Monday end of day - be through Reading 2</a:t>
-            </a:r>
-          </a:p>
-          <a:p>
-            <a:pPr marL="230292" indent="0">
-              <a:buNone/>
-            </a:pPr>
+              <a:t>Help Sessions: </a:t>
+            </a:r>
+            <a:r>
+              <a:rPr lang="en-US" b="1" dirty="0"/>
+              <a:t>Start This Week</a:t>
+            </a:r>
             <a:endParaRPr lang="en-US" dirty="0"/>
           </a:p>
           <a:p>
-            <a:pPr marL="230292" indent="0" algn="ctr">
-              <a:buNone/>
-            </a:pPr>
-            <a:r>
-              <a:rPr lang="en-US" b="1" dirty="0"/>
-              <a:t>ACM / ACM-W - Welcome Back Boardgames!</a:t>
-            </a:r>
-          </a:p>
-          <a:p>
-            <a:pPr marL="230292" indent="0" algn="ctr">
-              <a:buNone/>
-            </a:pPr>
-            <a:r>
-              <a:rPr lang="en-US" b="1" dirty="0"/>
-              <a:t>Pinon Hall 131 (the study area)</a:t>
-            </a:r>
-          </a:p>
-          <a:p>
-            <a:pPr marL="230292" indent="0" algn="ctr">
-              <a:buNone/>
-            </a:pPr>
-            <a:r>
-              <a:rPr lang="en-US" b="1" dirty="0"/>
-              <a:t>Thursday (26</a:t>
-            </a:r>
-            <a:r>
-              <a:rPr lang="en-US" b="1" baseline="30000" dirty="0"/>
-              <a:t>th</a:t>
-            </a:r>
-            <a:r>
-              <a:rPr lang="en-US" b="1" dirty="0"/>
-              <a:t>) 5:30 PM</a:t>
-            </a:r>
-          </a:p>
-          <a:p>
-            <a:pPr marL="230292" indent="0">
-              <a:buNone/>
-            </a:pPr>
+            <a:pPr lvl="1"/>
             <a:endParaRPr lang="en-US" dirty="0"/>
           </a:p>
           <a:p>
-            <a:pPr marL="230292" indent="0">
-              <a:buNone/>
-            </a:pPr>
             <a:r>
               <a:rPr lang="en-US" dirty="0"/>
-              <a:t>A super popular event, great way to meet others in the major, and have fun!</a:t>
+              <a:t>Reminder – readings are due </a:t>
+            </a:r>
+            <a:r>
+              <a:rPr lang="en-US" b="1" u="sng" dirty="0"/>
+              <a:t>before</a:t>
+            </a:r>
+            <a:r>
+              <a:rPr lang="en-US" dirty="0"/>
+              <a:t> lecture</a:t>
+            </a:r>
+          </a:p>
+          <a:p>
+            <a:pPr lvl="1"/>
+            <a:r>
+              <a:rPr lang="en-US" dirty="0"/>
+              <a:t>You don’t have to do all of it - challenge problems can be challenging…</a:t>
+            </a:r>
+          </a:p>
+          <a:p>
+            <a:pPr lvl="1"/>
+            <a:r>
+              <a:rPr lang="en-US" dirty="0"/>
+              <a:t>You can return to them. </a:t>
             </a:r>
           </a:p>
         </p:txBody>
@@ -8981,7 +10848,7 @@
         <p:spPr>
           <a:xfrm>
             <a:off x="10054127" y="1658113"/>
-            <a:ext cx="3597662" cy="1938992"/>
+            <a:ext cx="3597662" cy="1631216"/>
           </a:xfrm>
           <a:prstGeom prst="rect">
             <a:avLst/>
@@ -9009,7 +10876,15 @@
             </a:pPr>
             <a:r>
               <a:rPr lang="en-US" dirty="0"/>
-              <a:t>Setup MS Teams</a:t>
+              <a:t>Reading 0 &amp; 1 (</a:t>
+            </a:r>
+            <a:r>
+              <a:rPr lang="en-US" dirty="0" err="1"/>
+              <a:t>Zybooks</a:t>
+            </a:r>
+            <a:r>
+              <a:rPr lang="en-US" dirty="0"/>
+              <a:t>)</a:t>
             </a:r>
           </a:p>
           <a:p>
@@ -9019,15 +10894,7 @@
             </a:pPr>
             <a:r>
               <a:rPr lang="en-US" dirty="0"/>
-              <a:t>Reading 1 (</a:t>
-            </a:r>
-            <a:r>
-              <a:rPr lang="en-US" dirty="0" err="1"/>
-              <a:t>Zybooks</a:t>
-            </a:r>
-            <a:r>
-              <a:rPr lang="en-US" dirty="0"/>
-              <a:t>)</a:t>
+              <a:t>Knowledge Check</a:t>
             </a:r>
           </a:p>
           <a:p>
@@ -9037,17 +10904,7 @@
             </a:pPr>
             <a:r>
               <a:rPr lang="en-US" dirty="0"/>
-              <a:t>Syllabus Quiz</a:t>
-            </a:r>
-          </a:p>
-          <a:p>
-            <a:pPr marL="431797" indent="-431797">
-              <a:buFont typeface="Arial" panose="020B0604020202020204" pitchFamily="34" charset="0"/>
-              <a:buChar char="•"/>
-            </a:pPr>
-            <a:r>
-              <a:rPr lang="en-US" dirty="0"/>
-              <a:t>Knowledge Check</a:t>
+              <a:t>Lab 00 this week!</a:t>
             </a:r>
           </a:p>
         </p:txBody>
@@ -9147,7 +11004,7 @@
 </file>
 
 <file path=ppt/slides/slide3.xml><?xml version="1.0" encoding="utf-8"?>
-<p:sld xmlns:a="http://schemas.openxmlformats.org/drawingml/2006/main" xmlns:r="http://schemas.openxmlformats.org/officeDocument/2006/relationships" xmlns:p="http://schemas.openxmlformats.org/presentationml/2006/main">
+<p:sld xmlns:a="http://schemas.openxmlformats.org/drawingml/2006/main" xmlns:r="http://schemas.openxmlformats.org/officeDocument/2006/relationships" xmlns:p="http://schemas.openxmlformats.org/presentationml/2006/main" show="0">
   <p:cSld>
     <p:spTree>
       <p:nvGrpSpPr>
@@ -9419,10 +11276,10 @@
       </p:grpSpPr>
       <p:sp>
         <p:nvSpPr>
-          <p:cNvPr id="4" name="Title 3">
+          <p:cNvPr id="2" name="Title 1">
             <a:extLst>
               <a:ext uri="{FF2B5EF4-FFF2-40B4-BE49-F238E27FC236}">
-                <a16:creationId xmlns:a16="http://schemas.microsoft.com/office/drawing/2014/main" id="{E4EB2D8E-758C-5C40-AB20-4179AA16F9CA}"/>
+                <a16:creationId xmlns:a16="http://schemas.microsoft.com/office/drawing/2014/main" id="{70D2154B-1BB4-0F4A-A620-5BB34A608CB3}"/>
               </a:ext>
             </a:extLst>
           </p:cNvPr>
@@ -9440,17 +11297,17 @@
           <a:p>
             <a:r>
               <a:rPr lang="en-US" dirty="0"/>
-              <a:t>Industries For Computing?</a:t>
+              <a:t>Six Laws of Technology</a:t>
             </a:r>
           </a:p>
         </p:txBody>
       </p:sp>
       <p:sp>
         <p:nvSpPr>
-          <p:cNvPr id="5" name="Text Placeholder 4">
+          <p:cNvPr id="3" name="Text Placeholder 2">
             <a:extLst>
               <a:ext uri="{FF2B5EF4-FFF2-40B4-BE49-F238E27FC236}">
-                <a16:creationId xmlns:a16="http://schemas.microsoft.com/office/drawing/2014/main" id="{DF94F8F2-DB00-B24F-8FEE-984DFD19E975}"/>
+                <a16:creationId xmlns:a16="http://schemas.microsoft.com/office/drawing/2014/main" id="{D11FE192-E0BF-A041-A4A0-A7FBDFC92400}"/>
               </a:ext>
             </a:extLst>
           </p:cNvPr>
@@ -9458,114 +11315,17 @@
             <a:spLocks noGrp="1"/>
           </p:cNvSpPr>
           <p:nvPr>
-            <p:ph type="body" idx="1"/>
+            <p:ph type="body" sz="quarter" idx="10"/>
           </p:nvPr>
         </p:nvSpPr>
-        <p:spPr>
-          <a:xfrm>
-            <a:off x="628075" y="1920724"/>
-            <a:ext cx="12561413" cy="4663662"/>
-          </a:xfrm>
-        </p:spPr>
+        <p:spPr/>
         <p:txBody>
           <a:bodyPr/>
           <a:lstStyle/>
           <a:p>
             <a:r>
               <a:rPr lang="en-US" dirty="0"/>
-              <a:t>Break into groups</a:t>
-            </a:r>
-          </a:p>
-          <a:p>
-            <a:pPr lvl="1"/>
-            <a:r>
-              <a:rPr lang="en-US" dirty="0"/>
-              <a:t>Brainstorm industries in which computers are used in</a:t>
-            </a:r>
-          </a:p>
-          <a:p>
-            <a:pPr lvl="2"/>
-            <a:r>
-              <a:rPr lang="en-US" dirty="0"/>
-              <a:t>How many require specialized applications?</a:t>
-            </a:r>
-          </a:p>
-          <a:p>
-            <a:pPr lvl="2"/>
-            <a:r>
-              <a:rPr lang="en-US" dirty="0"/>
-              <a:t>Saying all is not a valid answer (for this)! – you must have an actual use before listing the industry</a:t>
-            </a:r>
-          </a:p>
-          <a:p>
-            <a:pPr lvl="1"/>
-            <a:r>
-              <a:rPr lang="en-US" dirty="0"/>
-              <a:t>Go to a white board, and write down all the options you came up with! </a:t>
-            </a:r>
-          </a:p>
-          <a:p>
-            <a:r>
-              <a:rPr lang="en-US" dirty="0"/>
-              <a:t>Circle the one you think was the “first industry”</a:t>
-            </a:r>
-          </a:p>
-          <a:p>
-            <a:endParaRPr lang="en-US" dirty="0"/>
-          </a:p>
-          <a:p>
-            <a:r>
-              <a:rPr lang="en-US" dirty="0"/>
-              <a:t>Deeper discussion:</a:t>
-            </a:r>
-          </a:p>
-          <a:p>
-            <a:pPr lvl="1"/>
-            <a:r>
-              <a:rPr lang="en-US" dirty="0"/>
-              <a:t>Why are computers involved in so many? </a:t>
-            </a:r>
-          </a:p>
-          <a:p>
-            <a:pPr lvl="1"/>
-            <a:r>
-              <a:rPr lang="en-US" dirty="0"/>
-              <a:t>What do they accomplish that humans can’t/don’t?</a:t>
-            </a:r>
-          </a:p>
-        </p:txBody>
-      </p:sp>
-      <p:sp>
-        <p:nvSpPr>
-          <p:cNvPr id="6" name="TextBox 5">
-            <a:extLst>
-              <a:ext uri="{FF2B5EF4-FFF2-40B4-BE49-F238E27FC236}">
-                <a16:creationId xmlns:a16="http://schemas.microsoft.com/office/drawing/2014/main" id="{AD31963D-DFE8-B14B-9E16-D67AE56593FA}"/>
-              </a:ext>
-            </a:extLst>
-          </p:cNvPr>
-          <p:cNvSpPr txBox="1"/>
-          <p:nvPr/>
-        </p:nvSpPr>
-        <p:spPr>
-          <a:xfrm>
-            <a:off x="12624269" y="212392"/>
-            <a:ext cx="1130438" cy="557397"/>
-          </a:xfrm>
-          <a:prstGeom prst="rect">
-            <a:avLst/>
-          </a:prstGeom>
-          <a:noFill/>
-        </p:spPr>
-        <p:txBody>
-          <a:bodyPr wrap="none" rtlCol="0">
-            <a:spAutoFit/>
-          </a:bodyPr>
-          <a:lstStyle/>
-          <a:p>
-            <a:r>
-              <a:rPr lang="en-US" sz="3022" dirty="0"/>
-              <a:t>5 Min</a:t>
+              <a:t>We will come back to these all semester</a:t>
             </a:r>
           </a:p>
         </p:txBody>
@@ -9573,20 +11333,146 @@
     </p:spTree>
     <p:extLst>
       <p:ext uri="{BB962C8B-B14F-4D97-AF65-F5344CB8AC3E}">
-        <p14:creationId xmlns:p14="http://schemas.microsoft.com/office/powerpoint/2010/main" val="647093047"/>
+        <p14:creationId xmlns:p14="http://schemas.microsoft.com/office/powerpoint/2010/main" val="3588921649"/>
       </p:ext>
     </p:extLst>
   </p:cSld>
   <p:clrMapOvr>
     <a:masterClrMapping/>
   </p:clrMapOvr>
-  <p:transition>
-    <p:fade/>
-  </p:transition>
+  <mc:AlternateContent xmlns:mc="http://schemas.openxmlformats.org/markup-compatibility/2006">
+    <mc:Choice xmlns:p14="http://schemas.microsoft.com/office/powerpoint/2010/main" Requires="p14">
+      <p:transition p14:dur="300">
+        <p:fade/>
+      </p:transition>
+    </mc:Choice>
+    <mc:Fallback>
+      <p:transition>
+        <p:fade/>
+      </p:transition>
+    </mc:Fallback>
+  </mc:AlternateContent>
 </p:sld>
 </file>
 
 <file path=ppt/slides/slide5.xml><?xml version="1.0" encoding="utf-8"?>
+<p:sld xmlns:a="http://schemas.openxmlformats.org/drawingml/2006/main" xmlns:r="http://schemas.openxmlformats.org/officeDocument/2006/relationships" xmlns:p="http://schemas.openxmlformats.org/presentationml/2006/main">
+  <p:cSld>
+    <p:spTree>
+      <p:nvGrpSpPr>
+        <p:cNvPr id="1" name="Shape 191"/>
+        <p:cNvGrpSpPr/>
+        <p:nvPr/>
+      </p:nvGrpSpPr>
+      <p:grpSpPr>
+        <a:xfrm>
+          <a:off x="0" y="0"/>
+          <a:ext cx="0" cy="0"/>
+          <a:chOff x="0" y="0"/>
+          <a:chExt cx="0" cy="0"/>
+        </a:xfrm>
+      </p:grpSpPr>
+      <p:sp>
+        <p:nvSpPr>
+          <p:cNvPr id="192" name="Google Shape;192;p40"/>
+          <p:cNvSpPr txBox="1">
+            <a:spLocks noGrp="1"/>
+          </p:cNvSpPr>
+          <p:nvPr>
+            <p:ph type="title"/>
+          </p:nvPr>
+        </p:nvSpPr>
+        <p:spPr>
+          <a:xfrm>
+            <a:off x="628075" y="905258"/>
+            <a:ext cx="12561413" cy="1015467"/>
+          </a:xfrm>
+          <a:prstGeom prst="rect">
+            <a:avLst/>
+          </a:prstGeom>
+        </p:spPr>
+        <p:txBody>
+          <a:bodyPr spcFirstLastPara="1" vert="horz" wrap="square" lIns="91422" tIns="91422" rIns="91422" bIns="91422" rtlCol="0" anchor="b" anchorCtr="0">
+            <a:noAutofit/>
+          </a:bodyPr>
+          <a:lstStyle/>
+          <a:p>
+            <a:r>
+              <a:rPr lang="en"/>
+              <a:t>Technology is Human</a:t>
+            </a:r>
+            <a:endParaRPr dirty="0"/>
+          </a:p>
+        </p:txBody>
+      </p:sp>
+      <p:sp>
+        <p:nvSpPr>
+          <p:cNvPr id="193" name="Google Shape;193;p40"/>
+          <p:cNvSpPr txBox="1">
+            <a:spLocks noGrp="1"/>
+          </p:cNvSpPr>
+          <p:nvPr>
+            <p:ph type="body" idx="1"/>
+          </p:nvPr>
+        </p:nvSpPr>
+        <p:spPr>
+          <a:xfrm>
+            <a:off x="628094" y="2487903"/>
+            <a:ext cx="12561413" cy="3864213"/>
+          </a:xfrm>
+          <a:prstGeom prst="rect">
+            <a:avLst/>
+          </a:prstGeom>
+        </p:spPr>
+        <p:txBody>
+          <a:bodyPr spcFirstLastPara="1" vert="horz" wrap="square" lIns="91422" tIns="91422" rIns="91422" bIns="91422" rtlCol="0" anchor="t" anchorCtr="0">
+            <a:noAutofit/>
+          </a:bodyPr>
+          <a:lstStyle/>
+          <a:p>
+            <a:pPr marL="0" indent="0">
+              <a:buNone/>
+            </a:pPr>
+            <a:r>
+              <a:rPr lang="en" sz="2720" dirty="0"/>
+              <a:t>A lady came up to the great violinist Fritz Kreisler after a concert and gushed, “Maestro, your violin makes such beautiful music.” Kreisler held his violin up to his ear and said, “I don’t hear any music coming out of it.” </a:t>
+            </a:r>
+            <a:endParaRPr sz="2720" dirty="0"/>
+          </a:p>
+          <a:p>
+            <a:pPr marL="0" indent="0">
+              <a:buNone/>
+            </a:pPr>
+            <a:endParaRPr sz="2720" dirty="0"/>
+          </a:p>
+          <a:p>
+            <a:pPr marL="0" indent="0">
+              <a:spcAft>
+                <a:spcPts val="604"/>
+              </a:spcAft>
+              <a:buNone/>
+            </a:pPr>
+            <a:r>
+              <a:rPr lang="en" sz="2720" dirty="0"/>
+              <a:t>You see, the instrument, the hardware, the violin itself, was of no use without the human element. But then again, without the instrument, Kreisler would not have been able to make music. - </a:t>
+            </a:r>
+            <a:r>
+              <a:rPr lang="en" sz="2720" i="1" dirty="0"/>
+              <a:t>Dr. Melvin Kranzberg</a:t>
+            </a:r>
+            <a:endParaRPr sz="2720" i="1" dirty="0"/>
+          </a:p>
+        </p:txBody>
+      </p:sp>
+    </p:spTree>
+  </p:cSld>
+  <p:clrMapOvr>
+    <a:masterClrMapping/>
+  </p:clrMapOvr>
+</p:sld>
+</file>
+
+<file path=ppt/slides/slide6.xml><?xml version="1.0" encoding="utf-8"?>
 <p:sld xmlns:a="http://schemas.openxmlformats.org/drawingml/2006/main" xmlns:r="http://schemas.openxmlformats.org/officeDocument/2006/relationships" xmlns:p="http://schemas.openxmlformats.org/presentationml/2006/main">
   <p:cSld>
     <p:spTree>
@@ -9615,8 +11501,8 @@
         </p:nvSpPr>
         <p:spPr>
           <a:xfrm>
-            <a:off x="628075" y="905258"/>
-            <a:ext cx="12561413" cy="1015467"/>
+            <a:off x="628093" y="905269"/>
+            <a:ext cx="12699680" cy="1015467"/>
           </a:xfrm>
           <a:prstGeom prst="rect">
             <a:avLst/>
@@ -9630,9 +11516,16 @@
           <a:p>
             <a:r>
               <a:rPr lang="en" dirty="0"/>
-              <a:t>First Computer?</a:t>
+              <a:t>Six “Laws of Technology” </a:t>
             </a:r>
             <a:endParaRPr dirty="0"/>
+          </a:p>
+          <a:p>
+            <a:r>
+              <a:rPr lang="en" sz="2720" dirty="0"/>
+              <a:t>by Melvin Kranzberg</a:t>
+            </a:r>
+            <a:endParaRPr sz="2720" dirty="0"/>
           </a:p>
         </p:txBody>
       </p:sp>
@@ -9648,8 +11541,8 @@
         </p:nvSpPr>
         <p:spPr>
           <a:xfrm>
-            <a:off x="628075" y="2164732"/>
-            <a:ext cx="12561413" cy="2015520"/>
+            <a:off x="628094" y="1920749"/>
+            <a:ext cx="12561413" cy="4638053"/>
           </a:xfrm>
           <a:prstGeom prst="rect">
             <a:avLst/>
@@ -9661,76 +11554,237 @@
           </a:bodyPr>
           <a:lstStyle/>
           <a:p>
-            <a:r>
-              <a:rPr lang="en" dirty="0"/>
-              <a:t>The industry - Weaving! </a:t>
-            </a:r>
-            <a:endParaRPr dirty="0"/>
-          </a:p>
-          <a:p>
-            <a:pPr>
+            <a:pPr indent="-479774">
+              <a:buSzPts val="1400"/>
+              <a:buAutoNum type="arabicPeriod"/>
+            </a:pPr>
+            <a:r>
+              <a:rPr lang="en" sz="2116" dirty="0"/>
+              <a:t>Technology is neither good nor bad; nor is it neutral.</a:t>
+            </a:r>
+            <a:endParaRPr sz="2116" dirty="0"/>
+          </a:p>
+          <a:p>
+            <a:pPr lvl="1">
               <a:spcBef>
                 <a:spcPts val="0"/>
               </a:spcBef>
+              <a:buAutoNum type="alphaLcPeriod"/>
             </a:pPr>
             <a:r>
-              <a:rPr lang="en" dirty="0"/>
-              <a:t>Jacquard loom / machine</a:t>
-            </a:r>
-            <a:endParaRPr dirty="0"/>
-          </a:p>
-          <a:p>
-            <a:pPr>
+              <a:rPr lang="en" dirty="0">
+                <a:solidFill>
+                  <a:srgbClr val="000000"/>
+                </a:solidFill>
+              </a:rPr>
+              <a:t>Tech companies should try to anticipate how their tech can be used</a:t>
+            </a:r>
+            <a:endParaRPr dirty="0">
+              <a:solidFill>
+                <a:srgbClr val="000000"/>
+              </a:solidFill>
+            </a:endParaRPr>
+          </a:p>
+          <a:p>
+            <a:pPr lvl="1">
               <a:spcBef>
                 <a:spcPts val="0"/>
               </a:spcBef>
+              <a:buAutoNum type="alphaLcPeriod"/>
             </a:pPr>
             <a:r>
-              <a:rPr lang="en" dirty="0"/>
-              <a:t>Invented by  Joseph Marie Jacquard in </a:t>
-            </a:r>
-            <a:r>
-              <a:rPr lang="en" b="1" dirty="0"/>
-              <a:t>1804</a:t>
-            </a:r>
-            <a:endParaRPr b="1" dirty="0"/>
-          </a:p>
-          <a:p>
-            <a:pPr>
+              <a:rPr lang="en" dirty="0">
+                <a:solidFill>
+                  <a:srgbClr val="000000"/>
+                </a:solidFill>
+              </a:rPr>
+              <a:t>Should they even try? Do they have a social responsibility? </a:t>
+            </a:r>
+            <a:endParaRPr dirty="0">
+              <a:solidFill>
+                <a:srgbClr val="000000"/>
+              </a:solidFill>
+            </a:endParaRPr>
+          </a:p>
+          <a:p>
+            <a:pPr indent="-479774">
               <a:spcBef>
                 <a:spcPts val="0"/>
               </a:spcBef>
+              <a:buSzPts val="1400"/>
+              <a:buAutoNum type="arabicPeriod"/>
             </a:pPr>
             <a:r>
-              <a:rPr lang="en" dirty="0"/>
-              <a:t>Cards set the patterns, colors, etc</a:t>
-            </a:r>
-            <a:endParaRPr dirty="0"/>
-          </a:p>
-          <a:p>
-            <a:pPr>
+              <a:rPr lang="en" sz="2116" dirty="0"/>
+              <a:t>Invention is the mother of necessity.</a:t>
+            </a:r>
+            <a:endParaRPr sz="2116" dirty="0"/>
+          </a:p>
+          <a:p>
+            <a:pPr lvl="1">
               <a:spcBef>
                 <a:spcPts val="0"/>
               </a:spcBef>
+              <a:buAutoNum type="alphaLcPeriod"/>
             </a:pPr>
             <a:r>
-              <a:rPr lang="en" dirty="0"/>
-              <a:t>Very specific use - not general purpose</a:t>
-            </a:r>
-            <a:endParaRPr b="1" dirty="0"/>
+              <a:rPr lang="en" dirty="0">
+                <a:solidFill>
+                  <a:srgbClr val="000000"/>
+                </a:solidFill>
+              </a:rPr>
+              <a:t>Tech adds to tech. </a:t>
+            </a:r>
+            <a:endParaRPr dirty="0">
+              <a:solidFill>
+                <a:srgbClr val="000000"/>
+              </a:solidFill>
+            </a:endParaRPr>
+          </a:p>
+          <a:p>
+            <a:pPr indent="-479774">
+              <a:spcBef>
+                <a:spcPts val="0"/>
+              </a:spcBef>
+              <a:buSzPts val="1400"/>
+              <a:buAutoNum type="arabicPeriod"/>
+            </a:pPr>
+            <a:r>
+              <a:rPr lang="en" sz="2116" dirty="0"/>
+              <a:t>Technology comes in packages, big and small.</a:t>
+            </a:r>
+            <a:endParaRPr sz="2116" dirty="0"/>
+          </a:p>
+          <a:p>
+            <a:pPr lvl="1">
+              <a:spcBef>
+                <a:spcPts val="0"/>
+              </a:spcBef>
+              <a:buAutoNum type="alphaLcPeriod"/>
+            </a:pPr>
+            <a:r>
+              <a:rPr lang="en" dirty="0">
+                <a:solidFill>
+                  <a:srgbClr val="000000"/>
+                </a:solidFill>
+              </a:rPr>
+              <a:t>From the nuclear bomb to the smart watch</a:t>
+            </a:r>
+            <a:endParaRPr dirty="0">
+              <a:solidFill>
+                <a:srgbClr val="000000"/>
+              </a:solidFill>
+            </a:endParaRPr>
+          </a:p>
+          <a:p>
+            <a:pPr indent="-479774">
+              <a:spcBef>
+                <a:spcPts val="0"/>
+              </a:spcBef>
+              <a:buSzPts val="1400"/>
+              <a:buAutoNum type="arabicPeriod"/>
+            </a:pPr>
+            <a:r>
+              <a:rPr lang="en" sz="2116" dirty="0"/>
+              <a:t>Although technology might be a prime element in many public issues, nontechnical factors take precedence in technology-policy decisions.</a:t>
+            </a:r>
+            <a:endParaRPr sz="2116" dirty="0"/>
+          </a:p>
+          <a:p>
+            <a:pPr lvl="1">
+              <a:spcBef>
+                <a:spcPts val="0"/>
+              </a:spcBef>
+              <a:buAutoNum type="alphaLcPeriod"/>
+            </a:pPr>
+            <a:r>
+              <a:rPr lang="en" dirty="0">
+                <a:solidFill>
+                  <a:srgbClr val="000000"/>
+                </a:solidFill>
+              </a:rPr>
+              <a:t>Corollary - people who do not know about tech, make the laws about tech - unless we intervene</a:t>
+            </a:r>
+            <a:endParaRPr dirty="0">
+              <a:solidFill>
+                <a:srgbClr val="000000"/>
+              </a:solidFill>
+            </a:endParaRPr>
+          </a:p>
+          <a:p>
+            <a:pPr indent="-479774">
+              <a:spcBef>
+                <a:spcPts val="0"/>
+              </a:spcBef>
+              <a:buSzPts val="1400"/>
+              <a:buAutoNum type="arabicPeriod"/>
+            </a:pPr>
+            <a:r>
+              <a:rPr lang="en" sz="2116" dirty="0"/>
+              <a:t>All history is relevant, but the history of technology is the most relevant.</a:t>
+            </a:r>
+            <a:endParaRPr sz="2116" dirty="0"/>
+          </a:p>
+          <a:p>
+            <a:pPr lvl="1">
+              <a:spcBef>
+                <a:spcPts val="0"/>
+              </a:spcBef>
+              <a:buAutoNum type="alphaLcPeriod"/>
+            </a:pPr>
+            <a:r>
+              <a:rPr lang="en" dirty="0">
+                <a:solidFill>
+                  <a:srgbClr val="000000"/>
+                </a:solidFill>
+              </a:rPr>
+              <a:t>As tech leads to tech</a:t>
+            </a:r>
+            <a:endParaRPr dirty="0">
+              <a:solidFill>
+                <a:srgbClr val="000000"/>
+              </a:solidFill>
+            </a:endParaRPr>
+          </a:p>
+          <a:p>
+            <a:pPr indent="-479774">
+              <a:spcBef>
+                <a:spcPts val="0"/>
+              </a:spcBef>
+              <a:buSzPts val="1400"/>
+              <a:buAutoNum type="arabicPeriod"/>
+            </a:pPr>
+            <a:r>
+              <a:rPr lang="en" sz="2116" b="1" dirty="0"/>
+              <a:t>Technology is a very human activity.</a:t>
+            </a:r>
+            <a:endParaRPr sz="2116" b="1" dirty="0"/>
+          </a:p>
+          <a:p>
+            <a:pPr marL="0" indent="0">
+              <a:spcAft>
+                <a:spcPts val="604"/>
+              </a:spcAft>
+              <a:buNone/>
+            </a:pPr>
+            <a:endParaRPr dirty="0">
+              <a:solidFill>
+                <a:srgbClr val="000000"/>
+              </a:solidFill>
+            </a:endParaRPr>
           </a:p>
         </p:txBody>
       </p:sp>
       <p:sp>
         <p:nvSpPr>
-          <p:cNvPr id="201" name="Google Shape;201;p41"/>
+          <p:cNvPr id="200" name="Google Shape;200;p41"/>
           <p:cNvSpPr txBox="1"/>
           <p:nvPr/>
         </p:nvSpPr>
         <p:spPr>
           <a:xfrm>
-            <a:off x="3082695" y="5634075"/>
-            <a:ext cx="5837120" cy="1233067"/>
+            <a:off x="3025422" y="7309500"/>
+            <a:ext cx="7592792" cy="462900"/>
           </a:xfrm>
           <a:prstGeom prst="rect">
             <a:avLst/>
@@ -9747,80 +11801,834 @@
           <a:lstStyle/>
           <a:p>
             <a:r>
-              <a:rPr lang="en" sz="3022"/>
-              <a:t>“</a:t>
-            </a:r>
-            <a:r>
-              <a:rPr lang="en" sz="1436">
+              <a:rPr lang="en" sz="1600" dirty="0">
+                <a:latin typeface="Proxima Nova"/>
+                <a:ea typeface="Proxima Nova"/>
+                <a:cs typeface="Proxima Nova"/>
+                <a:sym typeface="Proxima Nova"/>
+              </a:rPr>
+              <a:t>Additional Reading: </a:t>
+            </a:r>
+            <a:r>
+              <a:rPr lang="en" sz="1600" u="sng" dirty="0">
                 <a:solidFill>
-                  <a:srgbClr val="222222"/>
+                  <a:schemeClr val="hlink"/>
                 </a:solidFill>
-              </a:rPr>
-              <a:t>This portrait of </a:t>
-            </a:r>
-            <a:r>
-              <a:rPr lang="en" sz="1436" u="sng">
-                <a:solidFill>
-                  <a:srgbClr val="0B0080"/>
-                </a:solidFill>
+                <a:latin typeface="Proxima Nova"/>
+                <a:ea typeface="Proxima Nova"/>
+                <a:cs typeface="Proxima Nova"/>
+                <a:sym typeface="Proxima Nova"/>
                 <a:hlinkClick r:id="rId3"/>
               </a:rPr>
-              <a:t>Jacquard</a:t>
-            </a:r>
-            <a:r>
-              <a:rPr lang="en" sz="1436">
+              <a:t>6 Laws of Tech</a:t>
+            </a:r>
+            <a:r>
+              <a:rPr lang="en" sz="1600" dirty="0">
+                <a:latin typeface="Proxima Nova"/>
+                <a:ea typeface="Proxima Nova"/>
+                <a:cs typeface="Proxima Nova"/>
+                <a:sym typeface="Proxima Nova"/>
+              </a:rPr>
+              <a:t>, </a:t>
+            </a:r>
+            <a:r>
+              <a:rPr lang="en" sz="1600" u="sng" dirty="0">
                 <a:solidFill>
-                  <a:srgbClr val="222222"/>
+                  <a:schemeClr val="hlink"/>
                 </a:solidFill>
+                <a:latin typeface="Proxima Nova"/>
+                <a:ea typeface="Proxima Nova"/>
+                <a:cs typeface="Proxima Nova"/>
+                <a:sym typeface="Proxima Nova"/>
+                <a:hlinkClick r:id="rId4"/>
               </a:rPr>
-              <a:t> was woven in silk on a Jacquard loom and required 24,000 punched cards to create (1839). “  - ref: https://en.wikipedia.org/wiki/Jacquard_loom</a:t>
-            </a:r>
-            <a:endParaRPr sz="3022" dirty="0"/>
+              <a:t>6 Laws of Tech Story and Metaphor</a:t>
+            </a:r>
+            <a:endParaRPr sz="1600" dirty="0">
+              <a:latin typeface="Proxima Nova"/>
+              <a:ea typeface="Proxima Nova"/>
+              <a:cs typeface="Proxima Nova"/>
+              <a:sym typeface="Proxima Nova"/>
+            </a:endParaRPr>
           </a:p>
         </p:txBody>
       </p:sp>
-      <p:pic>
-        <p:nvPicPr>
-          <p:cNvPr id="200" name="Google Shape;200;p41" descr="Portrait of Joseph Jacquard"/>
-          <p:cNvPicPr preferRelativeResize="0"/>
-          <p:nvPr/>
-        </p:nvPicPr>
-        <p:blipFill>
-          <a:blip r:embed="rId4">
-            <a:alphaModFix/>
-          </a:blip>
-          <a:stretch>
-            <a:fillRect/>
-          </a:stretch>
-        </p:blipFill>
-        <p:spPr>
-          <a:xfrm>
-            <a:off x="8967462" y="309929"/>
-            <a:ext cx="4222044" cy="6371449"/>
-          </a:xfrm>
-          <a:prstGeom prst="rect">
-            <a:avLst/>
-          </a:prstGeom>
-          <a:noFill/>
-          <a:ln>
-            <a:noFill/>
-          </a:ln>
-        </p:spPr>
-      </p:pic>
     </p:spTree>
   </p:cSld>
   <p:clrMapOvr>
     <a:masterClrMapping/>
   </p:clrMapOvr>
+  <p:timing>
+    <p:tnLst>
+      <p:par>
+        <p:cTn id="1" dur="indefinite" restart="never" nodeType="tmRoot">
+          <p:childTnLst>
+            <p:seq concurrent="1" nextAc="seek">
+              <p:cTn id="2" dur="indefinite" nodeType="mainSeq">
+                <p:childTnLst>
+                  <p:par>
+                    <p:cTn id="3" fill="hold">
+                      <p:stCondLst>
+                        <p:cond delay="indefinite"/>
+                      </p:stCondLst>
+                      <p:childTnLst>
+                        <p:par>
+                          <p:cTn id="4" fill="hold">
+                            <p:stCondLst>
+                              <p:cond delay="0"/>
+                            </p:stCondLst>
+                            <p:childTnLst>
+                              <p:par>
+                                <p:cTn id="5" presetID="10" presetClass="entr" presetSubtype="0" fill="hold" nodeType="clickEffect">
+                                  <p:stCondLst>
+                                    <p:cond delay="0"/>
+                                  </p:stCondLst>
+                                  <p:childTnLst>
+                                    <p:set>
+                                      <p:cBhvr>
+                                        <p:cTn id="6" dur="1" fill="hold">
+                                          <p:stCondLst>
+                                            <p:cond delay="0"/>
+                                          </p:stCondLst>
+                                        </p:cTn>
+                                        <p:tgtEl>
+                                          <p:spTgt spid="199">
+                                            <p:txEl>
+                                              <p:pRg st="0" end="0"/>
+                                            </p:txEl>
+                                          </p:spTgt>
+                                        </p:tgtEl>
+                                        <p:attrNameLst>
+                                          <p:attrName>style.visibility</p:attrName>
+                                        </p:attrNameLst>
+                                      </p:cBhvr>
+                                      <p:to>
+                                        <p:strVal val="visible"/>
+                                      </p:to>
+                                    </p:set>
+                                    <p:animEffect transition="in" filter="fade">
+                                      <p:cBhvr>
+                                        <p:cTn id="7" dur="1000"/>
+                                        <p:tgtEl>
+                                          <p:spTgt spid="199">
+                                            <p:txEl>
+                                              <p:pRg st="0" end="0"/>
+                                            </p:txEl>
+                                          </p:spTgt>
+                                        </p:tgtEl>
+                                      </p:cBhvr>
+                                    </p:animEffect>
+                                  </p:childTnLst>
+                                </p:cTn>
+                              </p:par>
+                            </p:childTnLst>
+                          </p:cTn>
+                        </p:par>
+                      </p:childTnLst>
+                    </p:cTn>
+                  </p:par>
+                  <p:par>
+                    <p:cTn id="8" fill="hold">
+                      <p:stCondLst>
+                        <p:cond delay="indefinite"/>
+                      </p:stCondLst>
+                      <p:childTnLst>
+                        <p:par>
+                          <p:cTn id="9" fill="hold">
+                            <p:stCondLst>
+                              <p:cond delay="0"/>
+                            </p:stCondLst>
+                            <p:childTnLst>
+                              <p:par>
+                                <p:cTn id="10" presetID="10" presetClass="entr" presetSubtype="0" fill="hold" nodeType="clickEffect">
+                                  <p:stCondLst>
+                                    <p:cond delay="0"/>
+                                  </p:stCondLst>
+                                  <p:childTnLst>
+                                    <p:set>
+                                      <p:cBhvr>
+                                        <p:cTn id="11" dur="1" fill="hold">
+                                          <p:stCondLst>
+                                            <p:cond delay="0"/>
+                                          </p:stCondLst>
+                                        </p:cTn>
+                                        <p:tgtEl>
+                                          <p:spTgt spid="199">
+                                            <p:txEl>
+                                              <p:pRg st="1" end="1"/>
+                                            </p:txEl>
+                                          </p:spTgt>
+                                        </p:tgtEl>
+                                        <p:attrNameLst>
+                                          <p:attrName>style.visibility</p:attrName>
+                                        </p:attrNameLst>
+                                      </p:cBhvr>
+                                      <p:to>
+                                        <p:strVal val="visible"/>
+                                      </p:to>
+                                    </p:set>
+                                    <p:animEffect transition="in" filter="fade">
+                                      <p:cBhvr>
+                                        <p:cTn id="12" dur="1000"/>
+                                        <p:tgtEl>
+                                          <p:spTgt spid="199">
+                                            <p:txEl>
+                                              <p:pRg st="1" end="1"/>
+                                            </p:txEl>
+                                          </p:spTgt>
+                                        </p:tgtEl>
+                                      </p:cBhvr>
+                                    </p:animEffect>
+                                  </p:childTnLst>
+                                </p:cTn>
+                              </p:par>
+                            </p:childTnLst>
+                          </p:cTn>
+                        </p:par>
+                      </p:childTnLst>
+                    </p:cTn>
+                  </p:par>
+                  <p:par>
+                    <p:cTn id="13" fill="hold">
+                      <p:stCondLst>
+                        <p:cond delay="indefinite"/>
+                      </p:stCondLst>
+                      <p:childTnLst>
+                        <p:par>
+                          <p:cTn id="14" fill="hold">
+                            <p:stCondLst>
+                              <p:cond delay="0"/>
+                            </p:stCondLst>
+                            <p:childTnLst>
+                              <p:par>
+                                <p:cTn id="15" presetID="10" presetClass="entr" presetSubtype="0" fill="hold" nodeType="clickEffect">
+                                  <p:stCondLst>
+                                    <p:cond delay="0"/>
+                                  </p:stCondLst>
+                                  <p:childTnLst>
+                                    <p:set>
+                                      <p:cBhvr>
+                                        <p:cTn id="16" dur="1" fill="hold">
+                                          <p:stCondLst>
+                                            <p:cond delay="0"/>
+                                          </p:stCondLst>
+                                        </p:cTn>
+                                        <p:tgtEl>
+                                          <p:spTgt spid="199">
+                                            <p:txEl>
+                                              <p:pRg st="2" end="2"/>
+                                            </p:txEl>
+                                          </p:spTgt>
+                                        </p:tgtEl>
+                                        <p:attrNameLst>
+                                          <p:attrName>style.visibility</p:attrName>
+                                        </p:attrNameLst>
+                                      </p:cBhvr>
+                                      <p:to>
+                                        <p:strVal val="visible"/>
+                                      </p:to>
+                                    </p:set>
+                                    <p:animEffect transition="in" filter="fade">
+                                      <p:cBhvr>
+                                        <p:cTn id="17" dur="1000"/>
+                                        <p:tgtEl>
+                                          <p:spTgt spid="199">
+                                            <p:txEl>
+                                              <p:pRg st="2" end="2"/>
+                                            </p:txEl>
+                                          </p:spTgt>
+                                        </p:tgtEl>
+                                      </p:cBhvr>
+                                    </p:animEffect>
+                                  </p:childTnLst>
+                                </p:cTn>
+                              </p:par>
+                            </p:childTnLst>
+                          </p:cTn>
+                        </p:par>
+                      </p:childTnLst>
+                    </p:cTn>
+                  </p:par>
+                  <p:par>
+                    <p:cTn id="18" fill="hold">
+                      <p:stCondLst>
+                        <p:cond delay="indefinite"/>
+                      </p:stCondLst>
+                      <p:childTnLst>
+                        <p:par>
+                          <p:cTn id="19" fill="hold">
+                            <p:stCondLst>
+                              <p:cond delay="0"/>
+                            </p:stCondLst>
+                            <p:childTnLst>
+                              <p:par>
+                                <p:cTn id="20" presetID="10" presetClass="entr" presetSubtype="0" fill="hold" nodeType="clickEffect">
+                                  <p:stCondLst>
+                                    <p:cond delay="0"/>
+                                  </p:stCondLst>
+                                  <p:childTnLst>
+                                    <p:set>
+                                      <p:cBhvr>
+                                        <p:cTn id="21" dur="1" fill="hold">
+                                          <p:stCondLst>
+                                            <p:cond delay="0"/>
+                                          </p:stCondLst>
+                                        </p:cTn>
+                                        <p:tgtEl>
+                                          <p:spTgt spid="199">
+                                            <p:txEl>
+                                              <p:pRg st="3" end="3"/>
+                                            </p:txEl>
+                                          </p:spTgt>
+                                        </p:tgtEl>
+                                        <p:attrNameLst>
+                                          <p:attrName>style.visibility</p:attrName>
+                                        </p:attrNameLst>
+                                      </p:cBhvr>
+                                      <p:to>
+                                        <p:strVal val="visible"/>
+                                      </p:to>
+                                    </p:set>
+                                    <p:animEffect transition="in" filter="fade">
+                                      <p:cBhvr>
+                                        <p:cTn id="22" dur="1000"/>
+                                        <p:tgtEl>
+                                          <p:spTgt spid="199">
+                                            <p:txEl>
+                                              <p:pRg st="3" end="3"/>
+                                            </p:txEl>
+                                          </p:spTgt>
+                                        </p:tgtEl>
+                                      </p:cBhvr>
+                                    </p:animEffect>
+                                  </p:childTnLst>
+                                </p:cTn>
+                              </p:par>
+                            </p:childTnLst>
+                          </p:cTn>
+                        </p:par>
+                      </p:childTnLst>
+                    </p:cTn>
+                  </p:par>
+                  <p:par>
+                    <p:cTn id="23" fill="hold">
+                      <p:stCondLst>
+                        <p:cond delay="indefinite"/>
+                      </p:stCondLst>
+                      <p:childTnLst>
+                        <p:par>
+                          <p:cTn id="24" fill="hold">
+                            <p:stCondLst>
+                              <p:cond delay="0"/>
+                            </p:stCondLst>
+                            <p:childTnLst>
+                              <p:par>
+                                <p:cTn id="25" presetID="10" presetClass="entr" presetSubtype="0" fill="hold" nodeType="clickEffect">
+                                  <p:stCondLst>
+                                    <p:cond delay="0"/>
+                                  </p:stCondLst>
+                                  <p:childTnLst>
+                                    <p:set>
+                                      <p:cBhvr>
+                                        <p:cTn id="26" dur="1" fill="hold">
+                                          <p:stCondLst>
+                                            <p:cond delay="0"/>
+                                          </p:stCondLst>
+                                        </p:cTn>
+                                        <p:tgtEl>
+                                          <p:spTgt spid="199">
+                                            <p:txEl>
+                                              <p:pRg st="4" end="4"/>
+                                            </p:txEl>
+                                          </p:spTgt>
+                                        </p:tgtEl>
+                                        <p:attrNameLst>
+                                          <p:attrName>style.visibility</p:attrName>
+                                        </p:attrNameLst>
+                                      </p:cBhvr>
+                                      <p:to>
+                                        <p:strVal val="visible"/>
+                                      </p:to>
+                                    </p:set>
+                                    <p:animEffect transition="in" filter="fade">
+                                      <p:cBhvr>
+                                        <p:cTn id="27" dur="1000"/>
+                                        <p:tgtEl>
+                                          <p:spTgt spid="199">
+                                            <p:txEl>
+                                              <p:pRg st="4" end="4"/>
+                                            </p:txEl>
+                                          </p:spTgt>
+                                        </p:tgtEl>
+                                      </p:cBhvr>
+                                    </p:animEffect>
+                                  </p:childTnLst>
+                                </p:cTn>
+                              </p:par>
+                            </p:childTnLst>
+                          </p:cTn>
+                        </p:par>
+                      </p:childTnLst>
+                    </p:cTn>
+                  </p:par>
+                  <p:par>
+                    <p:cTn id="28" fill="hold">
+                      <p:stCondLst>
+                        <p:cond delay="indefinite"/>
+                      </p:stCondLst>
+                      <p:childTnLst>
+                        <p:par>
+                          <p:cTn id="29" fill="hold">
+                            <p:stCondLst>
+                              <p:cond delay="0"/>
+                            </p:stCondLst>
+                            <p:childTnLst>
+                              <p:par>
+                                <p:cTn id="30" presetID="10" presetClass="entr" presetSubtype="0" fill="hold" nodeType="clickEffect">
+                                  <p:stCondLst>
+                                    <p:cond delay="0"/>
+                                  </p:stCondLst>
+                                  <p:childTnLst>
+                                    <p:set>
+                                      <p:cBhvr>
+                                        <p:cTn id="31" dur="1" fill="hold">
+                                          <p:stCondLst>
+                                            <p:cond delay="0"/>
+                                          </p:stCondLst>
+                                        </p:cTn>
+                                        <p:tgtEl>
+                                          <p:spTgt spid="199">
+                                            <p:txEl>
+                                              <p:pRg st="5" end="5"/>
+                                            </p:txEl>
+                                          </p:spTgt>
+                                        </p:tgtEl>
+                                        <p:attrNameLst>
+                                          <p:attrName>style.visibility</p:attrName>
+                                        </p:attrNameLst>
+                                      </p:cBhvr>
+                                      <p:to>
+                                        <p:strVal val="visible"/>
+                                      </p:to>
+                                    </p:set>
+                                    <p:animEffect transition="in" filter="fade">
+                                      <p:cBhvr>
+                                        <p:cTn id="32" dur="1000"/>
+                                        <p:tgtEl>
+                                          <p:spTgt spid="199">
+                                            <p:txEl>
+                                              <p:pRg st="5" end="5"/>
+                                            </p:txEl>
+                                          </p:spTgt>
+                                        </p:tgtEl>
+                                      </p:cBhvr>
+                                    </p:animEffect>
+                                  </p:childTnLst>
+                                </p:cTn>
+                              </p:par>
+                            </p:childTnLst>
+                          </p:cTn>
+                        </p:par>
+                      </p:childTnLst>
+                    </p:cTn>
+                  </p:par>
+                  <p:par>
+                    <p:cTn id="33" fill="hold">
+                      <p:stCondLst>
+                        <p:cond delay="indefinite"/>
+                      </p:stCondLst>
+                      <p:childTnLst>
+                        <p:par>
+                          <p:cTn id="34" fill="hold">
+                            <p:stCondLst>
+                              <p:cond delay="0"/>
+                            </p:stCondLst>
+                            <p:childTnLst>
+                              <p:par>
+                                <p:cTn id="35" presetID="10" presetClass="entr" presetSubtype="0" fill="hold" nodeType="clickEffect">
+                                  <p:stCondLst>
+                                    <p:cond delay="0"/>
+                                  </p:stCondLst>
+                                  <p:childTnLst>
+                                    <p:set>
+                                      <p:cBhvr>
+                                        <p:cTn id="36" dur="1" fill="hold">
+                                          <p:stCondLst>
+                                            <p:cond delay="0"/>
+                                          </p:stCondLst>
+                                        </p:cTn>
+                                        <p:tgtEl>
+                                          <p:spTgt spid="199">
+                                            <p:txEl>
+                                              <p:pRg st="6" end="6"/>
+                                            </p:txEl>
+                                          </p:spTgt>
+                                        </p:tgtEl>
+                                        <p:attrNameLst>
+                                          <p:attrName>style.visibility</p:attrName>
+                                        </p:attrNameLst>
+                                      </p:cBhvr>
+                                      <p:to>
+                                        <p:strVal val="visible"/>
+                                      </p:to>
+                                    </p:set>
+                                    <p:animEffect transition="in" filter="fade">
+                                      <p:cBhvr>
+                                        <p:cTn id="37" dur="1000"/>
+                                        <p:tgtEl>
+                                          <p:spTgt spid="199">
+                                            <p:txEl>
+                                              <p:pRg st="6" end="6"/>
+                                            </p:txEl>
+                                          </p:spTgt>
+                                        </p:tgtEl>
+                                      </p:cBhvr>
+                                    </p:animEffect>
+                                  </p:childTnLst>
+                                </p:cTn>
+                              </p:par>
+                            </p:childTnLst>
+                          </p:cTn>
+                        </p:par>
+                      </p:childTnLst>
+                    </p:cTn>
+                  </p:par>
+                  <p:par>
+                    <p:cTn id="38" fill="hold">
+                      <p:stCondLst>
+                        <p:cond delay="indefinite"/>
+                      </p:stCondLst>
+                      <p:childTnLst>
+                        <p:par>
+                          <p:cTn id="39" fill="hold">
+                            <p:stCondLst>
+                              <p:cond delay="0"/>
+                            </p:stCondLst>
+                            <p:childTnLst>
+                              <p:par>
+                                <p:cTn id="40" presetID="10" presetClass="entr" presetSubtype="0" fill="hold" nodeType="clickEffect">
+                                  <p:stCondLst>
+                                    <p:cond delay="0"/>
+                                  </p:stCondLst>
+                                  <p:childTnLst>
+                                    <p:set>
+                                      <p:cBhvr>
+                                        <p:cTn id="41" dur="1" fill="hold">
+                                          <p:stCondLst>
+                                            <p:cond delay="0"/>
+                                          </p:stCondLst>
+                                        </p:cTn>
+                                        <p:tgtEl>
+                                          <p:spTgt spid="199">
+                                            <p:txEl>
+                                              <p:pRg st="7" end="7"/>
+                                            </p:txEl>
+                                          </p:spTgt>
+                                        </p:tgtEl>
+                                        <p:attrNameLst>
+                                          <p:attrName>style.visibility</p:attrName>
+                                        </p:attrNameLst>
+                                      </p:cBhvr>
+                                      <p:to>
+                                        <p:strVal val="visible"/>
+                                      </p:to>
+                                    </p:set>
+                                    <p:animEffect transition="in" filter="fade">
+                                      <p:cBhvr>
+                                        <p:cTn id="42" dur="1000"/>
+                                        <p:tgtEl>
+                                          <p:spTgt spid="199">
+                                            <p:txEl>
+                                              <p:pRg st="7" end="7"/>
+                                            </p:txEl>
+                                          </p:spTgt>
+                                        </p:tgtEl>
+                                      </p:cBhvr>
+                                    </p:animEffect>
+                                  </p:childTnLst>
+                                </p:cTn>
+                              </p:par>
+                            </p:childTnLst>
+                          </p:cTn>
+                        </p:par>
+                      </p:childTnLst>
+                    </p:cTn>
+                  </p:par>
+                  <p:par>
+                    <p:cTn id="43" fill="hold">
+                      <p:stCondLst>
+                        <p:cond delay="indefinite"/>
+                      </p:stCondLst>
+                      <p:childTnLst>
+                        <p:par>
+                          <p:cTn id="44" fill="hold">
+                            <p:stCondLst>
+                              <p:cond delay="0"/>
+                            </p:stCondLst>
+                            <p:childTnLst>
+                              <p:par>
+                                <p:cTn id="45" presetID="10" presetClass="entr" presetSubtype="0" fill="hold" nodeType="clickEffect">
+                                  <p:stCondLst>
+                                    <p:cond delay="0"/>
+                                  </p:stCondLst>
+                                  <p:childTnLst>
+                                    <p:set>
+                                      <p:cBhvr>
+                                        <p:cTn id="46" dur="1" fill="hold">
+                                          <p:stCondLst>
+                                            <p:cond delay="0"/>
+                                          </p:stCondLst>
+                                        </p:cTn>
+                                        <p:tgtEl>
+                                          <p:spTgt spid="199">
+                                            <p:txEl>
+                                              <p:pRg st="8" end="8"/>
+                                            </p:txEl>
+                                          </p:spTgt>
+                                        </p:tgtEl>
+                                        <p:attrNameLst>
+                                          <p:attrName>style.visibility</p:attrName>
+                                        </p:attrNameLst>
+                                      </p:cBhvr>
+                                      <p:to>
+                                        <p:strVal val="visible"/>
+                                      </p:to>
+                                    </p:set>
+                                    <p:animEffect transition="in" filter="fade">
+                                      <p:cBhvr>
+                                        <p:cTn id="47" dur="1000"/>
+                                        <p:tgtEl>
+                                          <p:spTgt spid="199">
+                                            <p:txEl>
+                                              <p:pRg st="8" end="8"/>
+                                            </p:txEl>
+                                          </p:spTgt>
+                                        </p:tgtEl>
+                                      </p:cBhvr>
+                                    </p:animEffect>
+                                  </p:childTnLst>
+                                </p:cTn>
+                              </p:par>
+                            </p:childTnLst>
+                          </p:cTn>
+                        </p:par>
+                      </p:childTnLst>
+                    </p:cTn>
+                  </p:par>
+                  <p:par>
+                    <p:cTn id="48" fill="hold">
+                      <p:stCondLst>
+                        <p:cond delay="indefinite"/>
+                      </p:stCondLst>
+                      <p:childTnLst>
+                        <p:par>
+                          <p:cTn id="49" fill="hold">
+                            <p:stCondLst>
+                              <p:cond delay="0"/>
+                            </p:stCondLst>
+                            <p:childTnLst>
+                              <p:par>
+                                <p:cTn id="50" presetID="10" presetClass="entr" presetSubtype="0" fill="hold" nodeType="clickEffect">
+                                  <p:stCondLst>
+                                    <p:cond delay="0"/>
+                                  </p:stCondLst>
+                                  <p:childTnLst>
+                                    <p:set>
+                                      <p:cBhvr>
+                                        <p:cTn id="51" dur="1" fill="hold">
+                                          <p:stCondLst>
+                                            <p:cond delay="0"/>
+                                          </p:stCondLst>
+                                        </p:cTn>
+                                        <p:tgtEl>
+                                          <p:spTgt spid="199">
+                                            <p:txEl>
+                                              <p:pRg st="9" end="9"/>
+                                            </p:txEl>
+                                          </p:spTgt>
+                                        </p:tgtEl>
+                                        <p:attrNameLst>
+                                          <p:attrName>style.visibility</p:attrName>
+                                        </p:attrNameLst>
+                                      </p:cBhvr>
+                                      <p:to>
+                                        <p:strVal val="visible"/>
+                                      </p:to>
+                                    </p:set>
+                                    <p:animEffect transition="in" filter="fade">
+                                      <p:cBhvr>
+                                        <p:cTn id="52" dur="1000"/>
+                                        <p:tgtEl>
+                                          <p:spTgt spid="199">
+                                            <p:txEl>
+                                              <p:pRg st="9" end="9"/>
+                                            </p:txEl>
+                                          </p:spTgt>
+                                        </p:tgtEl>
+                                      </p:cBhvr>
+                                    </p:animEffect>
+                                  </p:childTnLst>
+                                </p:cTn>
+                              </p:par>
+                            </p:childTnLst>
+                          </p:cTn>
+                        </p:par>
+                      </p:childTnLst>
+                    </p:cTn>
+                  </p:par>
+                  <p:par>
+                    <p:cTn id="53" fill="hold">
+                      <p:stCondLst>
+                        <p:cond delay="indefinite"/>
+                      </p:stCondLst>
+                      <p:childTnLst>
+                        <p:par>
+                          <p:cTn id="54" fill="hold">
+                            <p:stCondLst>
+                              <p:cond delay="0"/>
+                            </p:stCondLst>
+                            <p:childTnLst>
+                              <p:par>
+                                <p:cTn id="55" presetID="10" presetClass="entr" presetSubtype="0" fill="hold" nodeType="clickEffect">
+                                  <p:stCondLst>
+                                    <p:cond delay="0"/>
+                                  </p:stCondLst>
+                                  <p:childTnLst>
+                                    <p:set>
+                                      <p:cBhvr>
+                                        <p:cTn id="56" dur="1" fill="hold">
+                                          <p:stCondLst>
+                                            <p:cond delay="0"/>
+                                          </p:stCondLst>
+                                        </p:cTn>
+                                        <p:tgtEl>
+                                          <p:spTgt spid="199">
+                                            <p:txEl>
+                                              <p:pRg st="10" end="10"/>
+                                            </p:txEl>
+                                          </p:spTgt>
+                                        </p:tgtEl>
+                                        <p:attrNameLst>
+                                          <p:attrName>style.visibility</p:attrName>
+                                        </p:attrNameLst>
+                                      </p:cBhvr>
+                                      <p:to>
+                                        <p:strVal val="visible"/>
+                                      </p:to>
+                                    </p:set>
+                                    <p:animEffect transition="in" filter="fade">
+                                      <p:cBhvr>
+                                        <p:cTn id="57" dur="1000"/>
+                                        <p:tgtEl>
+                                          <p:spTgt spid="199">
+                                            <p:txEl>
+                                              <p:pRg st="10" end="10"/>
+                                            </p:txEl>
+                                          </p:spTgt>
+                                        </p:tgtEl>
+                                      </p:cBhvr>
+                                    </p:animEffect>
+                                  </p:childTnLst>
+                                </p:cTn>
+                              </p:par>
+                            </p:childTnLst>
+                          </p:cTn>
+                        </p:par>
+                      </p:childTnLst>
+                    </p:cTn>
+                  </p:par>
+                  <p:par>
+                    <p:cTn id="58" fill="hold">
+                      <p:stCondLst>
+                        <p:cond delay="indefinite"/>
+                      </p:stCondLst>
+                      <p:childTnLst>
+                        <p:par>
+                          <p:cTn id="59" fill="hold">
+                            <p:stCondLst>
+                              <p:cond delay="0"/>
+                            </p:stCondLst>
+                            <p:childTnLst>
+                              <p:par>
+                                <p:cTn id="60" presetID="10" presetClass="entr" presetSubtype="0" fill="hold" nodeType="clickEffect">
+                                  <p:stCondLst>
+                                    <p:cond delay="0"/>
+                                  </p:stCondLst>
+                                  <p:childTnLst>
+                                    <p:set>
+                                      <p:cBhvr>
+                                        <p:cTn id="61" dur="1" fill="hold">
+                                          <p:stCondLst>
+                                            <p:cond delay="0"/>
+                                          </p:stCondLst>
+                                        </p:cTn>
+                                        <p:tgtEl>
+                                          <p:spTgt spid="199">
+                                            <p:txEl>
+                                              <p:pRg st="11" end="11"/>
+                                            </p:txEl>
+                                          </p:spTgt>
+                                        </p:tgtEl>
+                                        <p:attrNameLst>
+                                          <p:attrName>style.visibility</p:attrName>
+                                        </p:attrNameLst>
+                                      </p:cBhvr>
+                                      <p:to>
+                                        <p:strVal val="visible"/>
+                                      </p:to>
+                                    </p:set>
+                                    <p:animEffect transition="in" filter="fade">
+                                      <p:cBhvr>
+                                        <p:cTn id="62" dur="1000"/>
+                                        <p:tgtEl>
+                                          <p:spTgt spid="199">
+                                            <p:txEl>
+                                              <p:pRg st="11" end="11"/>
+                                            </p:txEl>
+                                          </p:spTgt>
+                                        </p:tgtEl>
+                                      </p:cBhvr>
+                                    </p:animEffect>
+                                  </p:childTnLst>
+                                </p:cTn>
+                              </p:par>
+                            </p:childTnLst>
+                          </p:cTn>
+                        </p:par>
+                      </p:childTnLst>
+                    </p:cTn>
+                  </p:par>
+                </p:childTnLst>
+              </p:cTn>
+              <p:prevCondLst>
+                <p:cond evt="onPrev" delay="0">
+                  <p:tgtEl>
+                    <p:sldTgt/>
+                  </p:tgtEl>
+                </p:cond>
+              </p:prevCondLst>
+              <p:nextCondLst>
+                <p:cond evt="onNext" delay="0">
+                  <p:tgtEl>
+                    <p:sldTgt/>
+                  </p:tgtEl>
+                </p:cond>
+              </p:nextCondLst>
+            </p:seq>
+          </p:childTnLst>
+        </p:cTn>
+      </p:par>
+    </p:tnLst>
+  </p:timing>
 </p:sld>
 </file>
 
-<file path=ppt/slides/slide6.xml><?xml version="1.0" encoding="utf-8"?>
+<file path=ppt/slides/slide7.xml><?xml version="1.0" encoding="utf-8"?>
 <p:sld xmlns:a="http://schemas.openxmlformats.org/drawingml/2006/main" xmlns:r="http://schemas.openxmlformats.org/officeDocument/2006/relationships" xmlns:p="http://schemas.openxmlformats.org/presentationml/2006/main">
   <p:cSld>
     <p:spTree>
       <p:nvGrpSpPr>
-        <p:cNvPr id="1" name="Shape 205"/>
+        <p:cNvPr id="1" name=""/>
         <p:cNvGrpSpPr/>
         <p:nvPr/>
       </p:nvGrpSpPr>
@@ -9834,41 +12642,42 @@
       </p:grpSpPr>
       <p:sp>
         <p:nvSpPr>
-          <p:cNvPr id="206" name="Google Shape;206;p42"/>
-          <p:cNvSpPr txBox="1">
+          <p:cNvPr id="2" name="Title 1">
+            <a:extLst>
+              <a:ext uri="{FF2B5EF4-FFF2-40B4-BE49-F238E27FC236}">
+                <a16:creationId xmlns:a16="http://schemas.microsoft.com/office/drawing/2014/main" id="{81F0BAFC-C53B-4829-97CE-BDC15A46BBDC}"/>
+              </a:ext>
+            </a:extLst>
+          </p:cNvPr>
+          <p:cNvSpPr>
             <a:spLocks noGrp="1"/>
           </p:cNvSpPr>
           <p:nvPr>
             <p:ph type="title"/>
           </p:nvPr>
         </p:nvSpPr>
-        <p:spPr>
-          <a:xfrm>
-            <a:off x="628075" y="905258"/>
-            <a:ext cx="12561413" cy="1015467"/>
-          </a:xfrm>
-          <a:prstGeom prst="rect">
-            <a:avLst/>
-          </a:prstGeom>
-        </p:spPr>
+        <p:spPr/>
         <p:txBody>
-          <a:bodyPr spcFirstLastPara="1" vert="horz" wrap="square" lIns="91422" tIns="91422" rIns="91422" bIns="91422" rtlCol="0" anchor="b" anchorCtr="0">
-            <a:noAutofit/>
-          </a:bodyPr>
+          <a:bodyPr/>
           <a:lstStyle/>
           <a:p>
             <a:r>
-              <a:rPr lang="en"/>
-              <a:t>Analytical Engine</a:t>
-            </a:r>
-            <a:endParaRPr dirty="0"/>
+              <a:rPr lang="en-US" dirty="0"/>
+              <a:t>Which Law Does This Describe?</a:t>
+            </a:r>
           </a:p>
         </p:txBody>
       </p:sp>
       <p:sp>
         <p:nvSpPr>
-          <p:cNvPr id="207" name="Google Shape;207;p42"/>
-          <p:cNvSpPr txBox="1">
+          <p:cNvPr id="3" name="Text Placeholder 2">
+            <a:extLst>
+              <a:ext uri="{FF2B5EF4-FFF2-40B4-BE49-F238E27FC236}">
+                <a16:creationId xmlns:a16="http://schemas.microsoft.com/office/drawing/2014/main" id="{59491267-6215-43E4-B102-65B5BF078225}"/>
+              </a:ext>
+            </a:extLst>
+          </p:cNvPr>
+          <p:cNvSpPr>
             <a:spLocks noGrp="1"/>
           </p:cNvSpPr>
           <p:nvPr>
@@ -9878,181 +12687,197 @@
         <p:spPr>
           <a:xfrm>
             <a:off x="628075" y="2164732"/>
-            <a:ext cx="12561413" cy="2015520"/>
-          </a:xfrm>
-          <a:prstGeom prst="rect">
-            <a:avLst/>
-          </a:prstGeom>
+            <a:ext cx="12561413" cy="4475911"/>
+          </a:xfrm>
         </p:spPr>
         <p:txBody>
-          <a:bodyPr spcFirstLastPara="1" vert="horz" wrap="square" lIns="91422" tIns="91422" rIns="91422" bIns="91422" rtlCol="0" anchor="t" anchorCtr="0">
-            <a:noAutofit/>
-          </a:bodyPr>
+          <a:bodyPr/>
           <a:lstStyle/>
           <a:p>
-            <a:pPr indent="-470179">
-              <a:buSzPts val="1300"/>
+            <a:pPr algn="l"/>
+            <a:r>
+              <a:rPr lang="en-US" b="1" i="0" dirty="0">
+                <a:solidFill>
+                  <a:srgbClr val="2D3B45"/>
+                </a:solidFill>
+                <a:effectLst/>
+                <a:latin typeface="Lato Extended"/>
+              </a:rPr>
+              <a:t>TELUS</a:t>
+            </a:r>
+            <a:r>
+              <a:rPr lang="en-US" b="0" i="0" dirty="0">
+                <a:solidFill>
+                  <a:srgbClr val="2D3B45"/>
+                </a:solidFill>
+                <a:effectLst/>
+                <a:latin typeface="Lato Extended"/>
+              </a:rPr>
+              <a:t>: In 2005, Canada’s second-largest telecommunications company, </a:t>
+            </a:r>
+            <a:r>
+              <a:rPr lang="en-US" b="0" i="0" dirty="0" err="1">
+                <a:solidFill>
+                  <a:srgbClr val="2D3B45"/>
+                </a:solidFill>
+                <a:effectLst/>
+                <a:latin typeface="Lato Extended"/>
+              </a:rPr>
+              <a:t>Telus</a:t>
+            </a:r>
+            <a:r>
+              <a:rPr lang="en-US" b="0" i="0" dirty="0">
+                <a:solidFill>
+                  <a:srgbClr val="2D3B45"/>
+                </a:solidFill>
+                <a:effectLst/>
+                <a:latin typeface="Lato Extended"/>
+              </a:rPr>
+              <a:t>, </a:t>
+            </a:r>
+            <a:r>
+              <a:rPr lang="en-US" b="0" i="0" dirty="0">
+                <a:solidFill>
+                  <a:srgbClr val="009955"/>
+                </a:solidFill>
+                <a:effectLst/>
+                <a:latin typeface="Lato Extended"/>
+                <a:hlinkClick r:id="rId2" tooltip=" (opens in a new window)"/>
+              </a:rPr>
+              <a:t>began blocking access to a server</a:t>
+            </a:r>
+            <a:r>
+              <a:rPr lang="en-US" b="0" i="0" dirty="0">
+                <a:solidFill>
+                  <a:srgbClr val="009955"/>
+                </a:solidFill>
+                <a:effectLst/>
+                <a:latin typeface="Lato Extended"/>
+              </a:rPr>
+              <a:t> </a:t>
+            </a:r>
+            <a:r>
+              <a:rPr lang="en-US" b="0" i="0" dirty="0">
+                <a:solidFill>
+                  <a:srgbClr val="2D3B45"/>
+                </a:solidFill>
+                <a:effectLst/>
+                <a:latin typeface="Lato Extended"/>
+              </a:rPr>
+              <a:t>that hosted a website supporting a labor strike against the company.</a:t>
+            </a:r>
+          </a:p>
+          <a:p>
+            <a:pPr algn="l"/>
+            <a:endParaRPr lang="en-US" dirty="0">
+              <a:solidFill>
+                <a:srgbClr val="2D3B45"/>
+              </a:solidFill>
+              <a:latin typeface="Lato Extended"/>
+            </a:endParaRPr>
+          </a:p>
+          <a:p>
+            <a:pPr algn="l"/>
+            <a:r>
+              <a:rPr lang="en-US" b="0" i="0" dirty="0">
+                <a:solidFill>
+                  <a:srgbClr val="2D3B45"/>
+                </a:solidFill>
+                <a:effectLst/>
+                <a:latin typeface="Lato Extended"/>
+              </a:rPr>
+              <a:t>A - Technology is neither good nor bad; nor is it neutral</a:t>
+            </a:r>
+          </a:p>
+          <a:p>
+            <a:pPr algn="l"/>
+            <a:r>
+              <a:rPr lang="en-US" dirty="0">
+                <a:solidFill>
+                  <a:srgbClr val="2D3B45"/>
+                </a:solidFill>
+                <a:latin typeface="Lato Extended"/>
+              </a:rPr>
+              <a:t>B - Invention is the mother of necessity.</a:t>
+            </a:r>
+          </a:p>
+          <a:p>
+            <a:pPr algn="l"/>
+            <a:r>
+              <a:rPr lang="en-US" b="0" i="0" dirty="0">
+                <a:solidFill>
+                  <a:srgbClr val="2D3B45"/>
+                </a:solidFill>
+                <a:effectLst/>
+                <a:latin typeface="Lato Extended"/>
+              </a:rPr>
+              <a:t>C - Technology comes in packages, big and small.</a:t>
+            </a:r>
+          </a:p>
+          <a:p>
+            <a:pPr algn="l"/>
+            <a:r>
+              <a:rPr lang="en-US" dirty="0">
+                <a:solidFill>
+                  <a:srgbClr val="2D3B45"/>
+                </a:solidFill>
+                <a:latin typeface="Lato Extended"/>
+              </a:rPr>
+              <a:t>D - Although technology might be a prime element in many public issues, nontechnical factors take precedence in technology-policy decisions.</a:t>
+            </a:r>
+          </a:p>
+          <a:p>
+            <a:pPr algn="l"/>
+            <a:r>
+              <a:rPr lang="en-US" b="0" i="0" dirty="0">
+                <a:solidFill>
+                  <a:srgbClr val="2D3B45"/>
+                </a:solidFill>
+                <a:effectLst/>
+                <a:latin typeface="Lato Extended"/>
+              </a:rPr>
+              <a:t>E - All history is relevant, but the history of technology is the most relevant.</a:t>
+            </a:r>
+          </a:p>
+          <a:p>
+            <a:pPr marL="230292" indent="0" algn="l">
+              <a:buNone/>
             </a:pPr>
-            <a:r>
-              <a:rPr lang="en" sz="1964" dirty="0"/>
-              <a:t>Charles Babbage</a:t>
-            </a:r>
-            <a:endParaRPr sz="1964" dirty="0"/>
-          </a:p>
-          <a:p>
-            <a:pPr lvl="1" indent="-460583">
-              <a:spcBef>
-                <a:spcPts val="0"/>
-              </a:spcBef>
-              <a:buSzPts val="1200"/>
-            </a:pPr>
-            <a:r>
-              <a:rPr lang="en" sz="1813" dirty="0"/>
-              <a:t>Polymath</a:t>
-            </a:r>
-            <a:endParaRPr sz="1813" dirty="0"/>
-          </a:p>
-          <a:p>
-            <a:pPr lvl="1" indent="-460583">
-              <a:spcBef>
-                <a:spcPts val="0"/>
-              </a:spcBef>
-              <a:buSzPts val="1200"/>
-            </a:pPr>
-            <a:r>
-              <a:rPr lang="en" sz="1813" dirty="0"/>
-              <a:t>“Father of the computer”</a:t>
-            </a:r>
-            <a:endParaRPr sz="1813" dirty="0"/>
-          </a:p>
-          <a:p>
-            <a:pPr lvl="1" indent="-460583">
-              <a:spcBef>
-                <a:spcPts val="0"/>
-              </a:spcBef>
-              <a:buSzPts val="1200"/>
-            </a:pPr>
-            <a:r>
-              <a:rPr lang="en" sz="1813" dirty="0"/>
-              <a:t>Mainly Theory</a:t>
-            </a:r>
-            <a:endParaRPr sz="1813" dirty="0"/>
-          </a:p>
-          <a:p>
-            <a:pPr indent="-470179">
-              <a:spcBef>
-                <a:spcPts val="0"/>
-              </a:spcBef>
-              <a:buSzPts val="1300"/>
-            </a:pPr>
-            <a:r>
-              <a:rPr lang="en" sz="1964" dirty="0"/>
-              <a:t>Purpose?</a:t>
-            </a:r>
-            <a:endParaRPr sz="1964" dirty="0"/>
-          </a:p>
-          <a:p>
-            <a:pPr lvl="1" indent="-460583">
-              <a:spcBef>
-                <a:spcPts val="0"/>
-              </a:spcBef>
-              <a:buSzPts val="1200"/>
-            </a:pPr>
-            <a:r>
-              <a:rPr lang="en" sz="1813" dirty="0"/>
-              <a:t>Algorithm Development and solving</a:t>
-            </a:r>
-            <a:endParaRPr sz="1813" dirty="0"/>
-          </a:p>
-          <a:p>
-            <a:pPr>
-              <a:spcBef>
-                <a:spcPts val="0"/>
-              </a:spcBef>
-            </a:pPr>
-            <a:r>
-              <a:rPr lang="en" b="1" dirty="0"/>
-              <a:t>1837</a:t>
-            </a:r>
-            <a:endParaRPr b="1" dirty="0"/>
-          </a:p>
-        </p:txBody>
-      </p:sp>
-      <p:pic>
-        <p:nvPicPr>
-          <p:cNvPr id="208" name="Google Shape;208;p42" descr="Photo of The Analytical Engine."/>
-          <p:cNvPicPr preferRelativeResize="0"/>
-          <p:nvPr/>
-        </p:nvPicPr>
-        <p:blipFill>
-          <a:blip r:embed="rId3">
-            <a:alphaModFix/>
-          </a:blip>
-          <a:stretch>
-            <a:fillRect/>
-          </a:stretch>
-        </p:blipFill>
-        <p:spPr>
-          <a:xfrm>
-            <a:off x="7429038" y="905269"/>
-            <a:ext cx="6071229" cy="5823973"/>
-          </a:xfrm>
-          <a:prstGeom prst="rect">
-            <a:avLst/>
-          </a:prstGeom>
-          <a:noFill/>
-          <a:ln>
-            <a:noFill/>
-          </a:ln>
-        </p:spPr>
-      </p:pic>
-      <p:sp>
-        <p:nvSpPr>
-          <p:cNvPr id="209" name="Google Shape;209;p42"/>
-          <p:cNvSpPr txBox="1"/>
-          <p:nvPr/>
-        </p:nvSpPr>
-        <p:spPr>
-          <a:xfrm>
-            <a:off x="7522802" y="6648662"/>
-            <a:ext cx="6071040" cy="561680"/>
-          </a:xfrm>
-          <a:prstGeom prst="rect">
-            <a:avLst/>
-          </a:prstGeom>
-          <a:noFill/>
-          <a:ln>
-            <a:noFill/>
-          </a:ln>
-        </p:spPr>
-        <p:txBody>
-          <a:bodyPr spcFirstLastPara="1" wrap="square" lIns="138153" tIns="138153" rIns="138153" bIns="138153" anchor="t" anchorCtr="0">
-            <a:noAutofit/>
-          </a:bodyPr>
-          <a:lstStyle/>
-          <a:p>
-            <a:r>
-              <a:rPr lang="en" sz="1209"/>
-              <a:t>Bruno Barral (ByB) [CC BY-SA 2.5  (https://creativecommons.org/licenses/by-sa/2.5)], from Wikimedia Commons</a:t>
-            </a:r>
-            <a:endParaRPr sz="1209" dirty="0"/>
+            <a:endParaRPr lang="en-US" b="0" i="0" dirty="0">
+              <a:solidFill>
+                <a:srgbClr val="2D3B45"/>
+              </a:solidFill>
+              <a:effectLst/>
+              <a:latin typeface="Lato Extended"/>
+            </a:endParaRPr>
+          </a:p>
+          <a:p>
+            <a:endParaRPr lang="en-US" dirty="0"/>
           </a:p>
         </p:txBody>
       </p:sp>
     </p:spTree>
+    <p:extLst>
+      <p:ext uri="{BB962C8B-B14F-4D97-AF65-F5344CB8AC3E}">
+        <p14:creationId xmlns:p14="http://schemas.microsoft.com/office/powerpoint/2010/main" val="1415043928"/>
+      </p:ext>
+    </p:extLst>
   </p:cSld>
   <p:clrMapOvr>
     <a:masterClrMapping/>
   </p:clrMapOvr>
+  <p:transition>
+    <p:fade/>
+  </p:transition>
 </p:sld>
 </file>
 
-<file path=ppt/slides/slide7.xml><?xml version="1.0" encoding="utf-8"?>
+<file path=ppt/slides/slide8.xml><?xml version="1.0" encoding="utf-8"?>
 <p:sld xmlns:a="http://schemas.openxmlformats.org/drawingml/2006/main" xmlns:r="http://schemas.openxmlformats.org/officeDocument/2006/relationships" xmlns:p="http://schemas.openxmlformats.org/presentationml/2006/main">
   <p:cSld>
     <p:spTree>
       <p:nvGrpSpPr>
-        <p:cNvPr id="1" name="Shape 213"/>
+        <p:cNvPr id="1" name=""/>
         <p:cNvGrpSpPr/>
         <p:nvPr/>
       </p:nvGrpSpPr>
@@ -10066,674 +12891,79 @@
       </p:grpSpPr>
       <p:sp>
         <p:nvSpPr>
-          <p:cNvPr id="214" name="Google Shape;214;p43"/>
-          <p:cNvSpPr txBox="1">
+          <p:cNvPr id="4" name="Title 3">
+            <a:extLst>
+              <a:ext uri="{FF2B5EF4-FFF2-40B4-BE49-F238E27FC236}">
+                <a16:creationId xmlns:a16="http://schemas.microsoft.com/office/drawing/2014/main" id="{E018C546-DA51-49DA-B080-39AF598FCFB5}"/>
+              </a:ext>
+            </a:extLst>
+          </p:cNvPr>
+          <p:cNvSpPr>
             <a:spLocks noGrp="1"/>
           </p:cNvSpPr>
           <p:nvPr>
             <p:ph type="title"/>
           </p:nvPr>
         </p:nvSpPr>
-        <p:spPr>
-          <a:xfrm>
-            <a:off x="628075" y="905258"/>
-            <a:ext cx="12561413" cy="1015467"/>
-          </a:xfrm>
-          <a:prstGeom prst="rect">
-            <a:avLst/>
-          </a:prstGeom>
-        </p:spPr>
+        <p:spPr/>
         <p:txBody>
-          <a:bodyPr spcFirstLastPara="1" vert="horz" wrap="square" lIns="91422" tIns="91422" rIns="91422" bIns="91422" rtlCol="0" anchor="b" anchorCtr="0">
-            <a:noAutofit/>
-          </a:bodyPr>
+          <a:bodyPr/>
           <a:lstStyle/>
           <a:p>
             <a:r>
-              <a:rPr lang="en" dirty="0"/>
-              <a:t>Enchantress of Numbers </a:t>
-            </a:r>
-            <a:endParaRPr dirty="0"/>
+              <a:rPr lang="en-US" dirty="0"/>
+              <a:t>But how did this all start?</a:t>
+            </a:r>
           </a:p>
         </p:txBody>
       </p:sp>
-      <p:pic>
-        <p:nvPicPr>
-          <p:cNvPr id="215" name="Google Shape;215;p43" descr="Ada Lovelace portrait"/>
-          <p:cNvPicPr preferRelativeResize="0"/>
-          <p:nvPr/>
-        </p:nvPicPr>
-        <p:blipFill>
-          <a:blip r:embed="rId3">
-            <a:alphaModFix/>
-          </a:blip>
-          <a:stretch>
-            <a:fillRect/>
-          </a:stretch>
-        </p:blipFill>
-        <p:spPr>
-          <a:xfrm>
-            <a:off x="741918" y="2276603"/>
-            <a:ext cx="3200647" cy="4597291"/>
-          </a:xfrm>
-          <a:prstGeom prst="rect">
-            <a:avLst/>
-          </a:prstGeom>
-          <a:noFill/>
-          <a:ln>
-            <a:noFill/>
-          </a:ln>
-        </p:spPr>
-      </p:pic>
       <p:sp>
         <p:nvSpPr>
-          <p:cNvPr id="216" name="Google Shape;216;p43"/>
-          <p:cNvSpPr txBox="1"/>
-          <p:nvPr/>
+          <p:cNvPr id="5" name="Text Placeholder 4">
+            <a:extLst>
+              <a:ext uri="{FF2B5EF4-FFF2-40B4-BE49-F238E27FC236}">
+                <a16:creationId xmlns:a16="http://schemas.microsoft.com/office/drawing/2014/main" id="{B9BFB638-25A7-44C9-9F10-71FB0094ECD0}"/>
+              </a:ext>
+            </a:extLst>
+          </p:cNvPr>
+          <p:cNvSpPr>
+            <a:spLocks noGrp="1"/>
+          </p:cNvSpPr>
+          <p:nvPr>
+            <p:ph type="body" sz="quarter" idx="10"/>
+          </p:nvPr>
         </p:nvSpPr>
-        <p:spPr>
-          <a:xfrm>
-            <a:off x="4838691" y="2422689"/>
-            <a:ext cx="8202160" cy="4308933"/>
-          </a:xfrm>
-          <a:prstGeom prst="rect">
-            <a:avLst/>
-          </a:prstGeom>
-          <a:noFill/>
-          <a:ln>
-            <a:noFill/>
-          </a:ln>
-        </p:spPr>
+        <p:spPr/>
         <p:txBody>
-          <a:bodyPr spcFirstLastPara="1" wrap="square" lIns="138153" tIns="138153" rIns="138153" bIns="138153" anchor="ctr" anchorCtr="0">
-            <a:noAutofit/>
-          </a:bodyPr>
+          <a:bodyPr/>
           <a:lstStyle/>
           <a:p>
-            <a:pPr marL="211101" indent="-287865">
-              <a:lnSpc>
-                <a:spcPct val="115000"/>
-              </a:lnSpc>
-            </a:pPr>
-            <a:r>
-              <a:rPr lang="en" sz="2720">
-                <a:solidFill>
-                  <a:schemeClr val="dk1"/>
-                </a:solidFill>
-                <a:latin typeface="Proxima Nova"/>
-                <a:ea typeface="Proxima Nova"/>
-                <a:cs typeface="Proxima Nova"/>
-                <a:sym typeface="Proxima Nova"/>
-              </a:rPr>
-              <a:t>She walks in beauty, like the night </a:t>
-            </a:r>
-            <a:endParaRPr sz="2720" dirty="0">
-              <a:solidFill>
-                <a:schemeClr val="dk1"/>
-              </a:solidFill>
-              <a:latin typeface="Proxima Nova"/>
-              <a:ea typeface="Proxima Nova"/>
-              <a:cs typeface="Proxima Nova"/>
-              <a:sym typeface="Proxima Nova"/>
-            </a:endParaRPr>
-          </a:p>
-          <a:p>
-            <a:pPr marL="211101" indent="-287865">
-              <a:lnSpc>
-                <a:spcPct val="115000"/>
-              </a:lnSpc>
-            </a:pPr>
-            <a:r>
-              <a:rPr lang="en" sz="2720">
-                <a:solidFill>
-                  <a:schemeClr val="dk1"/>
-                </a:solidFill>
-                <a:latin typeface="Proxima Nova"/>
-                <a:ea typeface="Proxima Nova"/>
-                <a:cs typeface="Proxima Nova"/>
-                <a:sym typeface="Proxima Nova"/>
-              </a:rPr>
-              <a:t>Of cloudless climes and starry skies; </a:t>
-            </a:r>
-            <a:endParaRPr sz="2720" dirty="0">
-              <a:solidFill>
-                <a:schemeClr val="dk1"/>
-              </a:solidFill>
-              <a:latin typeface="Proxima Nova"/>
-              <a:ea typeface="Proxima Nova"/>
-              <a:cs typeface="Proxima Nova"/>
-              <a:sym typeface="Proxima Nova"/>
-            </a:endParaRPr>
-          </a:p>
-          <a:p>
-            <a:pPr marL="211101" indent="-287865">
-              <a:lnSpc>
-                <a:spcPct val="115000"/>
-              </a:lnSpc>
-            </a:pPr>
-            <a:r>
-              <a:rPr lang="en" sz="2720">
-                <a:solidFill>
-                  <a:schemeClr val="dk1"/>
-                </a:solidFill>
-                <a:latin typeface="Proxima Nova"/>
-                <a:ea typeface="Proxima Nova"/>
-                <a:cs typeface="Proxima Nova"/>
-                <a:sym typeface="Proxima Nova"/>
-              </a:rPr>
-              <a:t>And all that’s best of dark and bright </a:t>
-            </a:r>
-            <a:endParaRPr sz="2720" dirty="0">
-              <a:solidFill>
-                <a:schemeClr val="dk1"/>
-              </a:solidFill>
-              <a:latin typeface="Proxima Nova"/>
-              <a:ea typeface="Proxima Nova"/>
-              <a:cs typeface="Proxima Nova"/>
-              <a:sym typeface="Proxima Nova"/>
-            </a:endParaRPr>
-          </a:p>
-          <a:p>
-            <a:pPr marL="211101" indent="-287865">
-              <a:lnSpc>
-                <a:spcPct val="115000"/>
-              </a:lnSpc>
-            </a:pPr>
-            <a:r>
-              <a:rPr lang="en" sz="2720">
-                <a:solidFill>
-                  <a:schemeClr val="dk1"/>
-                </a:solidFill>
-                <a:latin typeface="Proxima Nova"/>
-                <a:ea typeface="Proxima Nova"/>
-                <a:cs typeface="Proxima Nova"/>
-                <a:sym typeface="Proxima Nova"/>
-              </a:rPr>
-              <a:t>Meet in her aspect and her eyes; </a:t>
-            </a:r>
-            <a:endParaRPr sz="2720" dirty="0">
-              <a:solidFill>
-                <a:schemeClr val="dk1"/>
-              </a:solidFill>
-              <a:latin typeface="Proxima Nova"/>
-              <a:ea typeface="Proxima Nova"/>
-              <a:cs typeface="Proxima Nova"/>
-              <a:sym typeface="Proxima Nova"/>
-            </a:endParaRPr>
-          </a:p>
-          <a:p>
-            <a:pPr marL="211101" indent="-287865">
-              <a:lnSpc>
-                <a:spcPct val="115000"/>
-              </a:lnSpc>
-            </a:pPr>
-            <a:r>
-              <a:rPr lang="en" sz="2720">
-                <a:solidFill>
-                  <a:schemeClr val="dk1"/>
-                </a:solidFill>
-                <a:latin typeface="Proxima Nova"/>
-                <a:ea typeface="Proxima Nova"/>
-                <a:cs typeface="Proxima Nova"/>
-                <a:sym typeface="Proxima Nova"/>
-              </a:rPr>
-              <a:t>Thus mellowed to that tender light </a:t>
-            </a:r>
-            <a:endParaRPr sz="2720" dirty="0">
-              <a:solidFill>
-                <a:schemeClr val="dk1"/>
-              </a:solidFill>
-              <a:latin typeface="Proxima Nova"/>
-              <a:ea typeface="Proxima Nova"/>
-              <a:cs typeface="Proxima Nova"/>
-              <a:sym typeface="Proxima Nova"/>
-            </a:endParaRPr>
-          </a:p>
-          <a:p>
-            <a:pPr marL="211101" indent="-287865">
-              <a:lnSpc>
-                <a:spcPct val="115000"/>
-              </a:lnSpc>
-            </a:pPr>
-            <a:r>
-              <a:rPr lang="en" sz="2720">
-                <a:solidFill>
-                  <a:schemeClr val="dk1"/>
-                </a:solidFill>
-                <a:latin typeface="Proxima Nova"/>
-                <a:ea typeface="Proxima Nova"/>
-                <a:cs typeface="Proxima Nova"/>
-                <a:sym typeface="Proxima Nova"/>
-              </a:rPr>
-              <a:t>Which heaven to gaudy day denies. </a:t>
-            </a:r>
-            <a:endParaRPr sz="2720" dirty="0">
-              <a:solidFill>
-                <a:schemeClr val="dk1"/>
-              </a:solidFill>
-              <a:latin typeface="Proxima Nova"/>
-              <a:ea typeface="Proxima Nova"/>
-              <a:cs typeface="Proxima Nova"/>
-              <a:sym typeface="Proxima Nova"/>
-            </a:endParaRPr>
-          </a:p>
-          <a:p>
-            <a:pPr marL="211101" indent="-287865">
-              <a:lnSpc>
-                <a:spcPct val="115000"/>
-              </a:lnSpc>
-            </a:pPr>
-            <a:r>
-              <a:rPr lang="en" sz="2720">
-                <a:solidFill>
-                  <a:schemeClr val="dk1"/>
-                </a:solidFill>
-                <a:latin typeface="Proxima Nova"/>
-                <a:ea typeface="Proxima Nova"/>
-                <a:cs typeface="Proxima Nova"/>
-                <a:sym typeface="Proxima Nova"/>
-              </a:rPr>
-              <a:t>	</a:t>
-            </a:r>
-            <a:r>
-              <a:rPr lang="en" sz="1813">
-                <a:solidFill>
-                  <a:schemeClr val="dk1"/>
-                </a:solidFill>
-                <a:latin typeface="Proxima Nova"/>
-                <a:ea typeface="Proxima Nova"/>
-                <a:cs typeface="Proxima Nova"/>
-                <a:sym typeface="Proxima Nova"/>
-              </a:rPr>
-              <a:t>Excerpt from “She Walks in Beauty” by Lord Byron</a:t>
-            </a:r>
-            <a:endParaRPr sz="1813" dirty="0">
-              <a:solidFill>
-                <a:schemeClr val="dk1"/>
-              </a:solidFill>
-              <a:latin typeface="Proxima Nova"/>
-              <a:ea typeface="Proxima Nova"/>
-              <a:cs typeface="Proxima Nova"/>
-              <a:sym typeface="Proxima Nova"/>
-            </a:endParaRPr>
+            <a:endParaRPr lang="en-US"/>
           </a:p>
         </p:txBody>
       </p:sp>
     </p:spTree>
+    <p:extLst>
+      <p:ext uri="{BB962C8B-B14F-4D97-AF65-F5344CB8AC3E}">
+        <p14:creationId xmlns:p14="http://schemas.microsoft.com/office/powerpoint/2010/main" val="1015235800"/>
+      </p:ext>
+    </p:extLst>
   </p:cSld>
   <p:clrMapOvr>
     <a:masterClrMapping/>
   </p:clrMapOvr>
-</p:sld>
-</file>
-
-<file path=ppt/slides/slide8.xml><?xml version="1.0" encoding="utf-8"?>
-<p:sld xmlns:a="http://schemas.openxmlformats.org/drawingml/2006/main" xmlns:r="http://schemas.openxmlformats.org/officeDocument/2006/relationships" xmlns:p="http://schemas.openxmlformats.org/presentationml/2006/main">
-  <p:cSld>
-    <p:spTree>
-      <p:nvGrpSpPr>
-        <p:cNvPr id="1" name="Shape 220"/>
-        <p:cNvGrpSpPr/>
-        <p:nvPr/>
-      </p:nvGrpSpPr>
-      <p:grpSpPr>
-        <a:xfrm>
-          <a:off x="0" y="0"/>
-          <a:ext cx="0" cy="0"/>
-          <a:chOff x="0" y="0"/>
-          <a:chExt cx="0" cy="0"/>
-        </a:xfrm>
-      </p:grpSpPr>
-      <p:sp>
-        <p:nvSpPr>
-          <p:cNvPr id="221" name="Google Shape;221;p44"/>
-          <p:cNvSpPr txBox="1">
-            <a:spLocks noGrp="1"/>
-          </p:cNvSpPr>
-          <p:nvPr>
-            <p:ph type="title"/>
-          </p:nvPr>
-        </p:nvSpPr>
-        <p:spPr>
-          <a:xfrm>
-            <a:off x="628075" y="905258"/>
-            <a:ext cx="12561413" cy="1015467"/>
-          </a:xfrm>
-          <a:prstGeom prst="rect">
-            <a:avLst/>
-          </a:prstGeom>
-        </p:spPr>
-        <p:txBody>
-          <a:bodyPr spcFirstLastPara="1" vert="horz" wrap="square" lIns="91422" tIns="91422" rIns="91422" bIns="91422" rtlCol="0" anchor="b" anchorCtr="0">
-            <a:noAutofit/>
-          </a:bodyPr>
-          <a:lstStyle/>
-          <a:p>
-            <a:r>
-              <a:rPr lang="en" dirty="0"/>
-              <a:t>Ada Lovelace </a:t>
-            </a:r>
-            <a:endParaRPr dirty="0"/>
-          </a:p>
-        </p:txBody>
-      </p:sp>
-      <p:sp>
-        <p:nvSpPr>
-          <p:cNvPr id="222" name="Google Shape;222;p44"/>
-          <p:cNvSpPr txBox="1">
-            <a:spLocks noGrp="1"/>
-          </p:cNvSpPr>
-          <p:nvPr>
-            <p:ph type="body" idx="1"/>
-          </p:nvPr>
-        </p:nvSpPr>
-        <p:spPr>
-          <a:xfrm>
-            <a:off x="339909" y="2095983"/>
-            <a:ext cx="8651373" cy="4341573"/>
-          </a:xfrm>
-          <a:prstGeom prst="rect">
-            <a:avLst/>
-          </a:prstGeom>
-        </p:spPr>
-        <p:txBody>
-          <a:bodyPr spcFirstLastPara="1" vert="horz" wrap="square" lIns="91422" tIns="91422" rIns="91422" bIns="91422" rtlCol="0" anchor="t" anchorCtr="0">
-            <a:noAutofit/>
-          </a:bodyPr>
-          <a:lstStyle/>
-          <a:p>
-            <a:pPr indent="-479774">
-              <a:buSzPts val="1400"/>
-              <a:buAutoNum type="arabicPeriod"/>
-            </a:pPr>
-            <a:r>
-              <a:rPr lang="en" sz="2116" dirty="0"/>
-              <a:t>Grew up in a rich but a single mother household</a:t>
-            </a:r>
-            <a:endParaRPr sz="2116" dirty="0"/>
-          </a:p>
-          <a:p>
-            <a:pPr lvl="1" indent="-470179">
-              <a:spcBef>
-                <a:spcPts val="0"/>
-              </a:spcBef>
-              <a:buSzPts val="1300"/>
-              <a:buAutoNum type="alphaLcPeriod"/>
-            </a:pPr>
-            <a:r>
-              <a:rPr lang="en" sz="1964" dirty="0"/>
-              <a:t>Father was the famous poet Lord Byron </a:t>
-            </a:r>
-            <a:endParaRPr sz="1964" dirty="0"/>
-          </a:p>
-          <a:p>
-            <a:pPr lvl="1" indent="-470179">
-              <a:spcBef>
-                <a:spcPts val="0"/>
-              </a:spcBef>
-              <a:buSzPts val="1300"/>
-              <a:buAutoNum type="alphaLcPeriod"/>
-            </a:pPr>
-            <a:r>
-              <a:rPr lang="en" sz="1964" dirty="0"/>
-              <a:t>Was known as a rebellious child and adult (non-conformist) </a:t>
-            </a:r>
-            <a:endParaRPr sz="1964" dirty="0"/>
-          </a:p>
-          <a:p>
-            <a:pPr lvl="1" indent="-470179">
-              <a:spcBef>
-                <a:spcPts val="0"/>
-              </a:spcBef>
-              <a:buSzPts val="1300"/>
-              <a:buAutoNum type="alphaLcPeriod"/>
-            </a:pPr>
-            <a:r>
-              <a:rPr lang="en" sz="1964" dirty="0"/>
-              <a:t>Mother insisted on her becoming a mathematician </a:t>
-            </a:r>
-            <a:endParaRPr sz="1964" dirty="0"/>
-          </a:p>
-          <a:p>
-            <a:pPr indent="-470179">
-              <a:spcBef>
-                <a:spcPts val="0"/>
-              </a:spcBef>
-              <a:buSzPts val="1300"/>
-              <a:buAutoNum type="arabicPeriod"/>
-            </a:pPr>
-            <a:r>
-              <a:rPr lang="en" sz="2116" dirty="0"/>
-              <a:t>She was unruly: </a:t>
-            </a:r>
-            <a:endParaRPr sz="2116" dirty="0"/>
-          </a:p>
-          <a:p>
-            <a:pPr lvl="1" indent="-470179">
-              <a:spcBef>
-                <a:spcPts val="0"/>
-              </a:spcBef>
-              <a:buSzPts val="1300"/>
-              <a:buAutoNum type="alphaLcPeriod"/>
-            </a:pPr>
-            <a:r>
-              <a:rPr lang="en" sz="2116" dirty="0"/>
-              <a:t>part artist</a:t>
-            </a:r>
-            <a:endParaRPr sz="2116" dirty="0"/>
-          </a:p>
-          <a:p>
-            <a:pPr lvl="1" indent="-470179">
-              <a:spcBef>
-                <a:spcPts val="0"/>
-              </a:spcBef>
-              <a:buSzPts val="1300"/>
-              <a:buAutoNum type="alphaLcPeriod"/>
-            </a:pPr>
-            <a:r>
-              <a:rPr lang="en" sz="2116" dirty="0"/>
-              <a:t>part scientist</a:t>
-            </a:r>
-            <a:endParaRPr sz="2116" dirty="0"/>
-          </a:p>
-          <a:p>
-            <a:pPr lvl="1" indent="-470179">
-              <a:spcBef>
-                <a:spcPts val="0"/>
-              </a:spcBef>
-              <a:buSzPts val="1300"/>
-              <a:buAutoNum type="alphaLcPeriod"/>
-            </a:pPr>
-            <a:r>
-              <a:rPr lang="en" sz="2116" dirty="0"/>
-              <a:t>part philosopher</a:t>
-            </a:r>
-            <a:endParaRPr sz="1964" dirty="0"/>
-          </a:p>
-          <a:p>
-            <a:pPr indent="-470179">
-              <a:spcBef>
-                <a:spcPts val="0"/>
-              </a:spcBef>
-              <a:buSzPts val="1300"/>
-              <a:buAutoNum type="arabicPeriod"/>
-            </a:pPr>
-            <a:r>
-              <a:rPr lang="en" sz="2116" dirty="0"/>
-              <a:t>Wrote the first “Computer Program”</a:t>
-            </a:r>
-            <a:endParaRPr sz="2116" dirty="0"/>
-          </a:p>
-          <a:p>
-            <a:pPr indent="-479774">
-              <a:spcBef>
-                <a:spcPts val="0"/>
-              </a:spcBef>
-              <a:buSzPts val="1400"/>
-              <a:buAutoNum type="arabicPeriod"/>
-            </a:pPr>
-            <a:r>
-              <a:rPr lang="en" sz="2116" dirty="0"/>
-              <a:t>Theorized computers could be ‘general purpose’ machines to solve complex problems. </a:t>
-            </a:r>
-            <a:endParaRPr sz="2116" dirty="0"/>
-          </a:p>
-          <a:p>
-            <a:pPr marL="0" indent="0">
-              <a:buNone/>
-            </a:pPr>
-            <a:endParaRPr sz="2116" dirty="0"/>
-          </a:p>
-          <a:p>
-            <a:pPr indent="0">
-              <a:spcAft>
-                <a:spcPts val="604"/>
-              </a:spcAft>
-              <a:buNone/>
-            </a:pPr>
-            <a:endParaRPr sz="2116" dirty="0"/>
-          </a:p>
-        </p:txBody>
-      </p:sp>
-      <p:pic>
-        <p:nvPicPr>
-          <p:cNvPr id="223" name="Google Shape;223;p44" descr="Diagram for the computation by the Engine of Numbers of Bernoulli"/>
-          <p:cNvPicPr preferRelativeResize="0"/>
-          <p:nvPr/>
-        </p:nvPicPr>
-        <p:blipFill>
-          <a:blip r:embed="rId3">
-            <a:alphaModFix/>
-          </a:blip>
-          <a:stretch>
-            <a:fillRect/>
-          </a:stretch>
-        </p:blipFill>
-        <p:spPr>
-          <a:xfrm>
-            <a:off x="8605021" y="2237107"/>
-            <a:ext cx="4711947" cy="3309296"/>
-          </a:xfrm>
-          <a:prstGeom prst="rect">
-            <a:avLst/>
-          </a:prstGeom>
-          <a:noFill/>
-          <a:ln>
-            <a:noFill/>
-          </a:ln>
-        </p:spPr>
-      </p:pic>
-      <p:sp>
-        <p:nvSpPr>
-          <p:cNvPr id="224" name="Google Shape;224;p44"/>
-          <p:cNvSpPr txBox="1"/>
-          <p:nvPr/>
-        </p:nvSpPr>
-        <p:spPr>
-          <a:xfrm>
-            <a:off x="9444596" y="5546420"/>
-            <a:ext cx="3872373" cy="487787"/>
-          </a:xfrm>
-          <a:prstGeom prst="rect">
-            <a:avLst/>
-          </a:prstGeom>
-          <a:noFill/>
-          <a:ln>
-            <a:noFill/>
-          </a:ln>
-        </p:spPr>
-        <p:txBody>
-          <a:bodyPr spcFirstLastPara="1" wrap="square" lIns="138153" tIns="138153" rIns="138153" bIns="138153" anchor="t" anchorCtr="0">
-            <a:noAutofit/>
-          </a:bodyPr>
-          <a:lstStyle/>
-          <a:p>
-            <a:pPr algn="r"/>
-            <a:r>
-              <a:rPr lang="en" sz="907"/>
-              <a:t>By Ada Lovelace (http://www.sophiararebooks.com/pictures/3544a.jpg) [Public domain], via Wikimedia Commons</a:t>
-            </a:r>
-            <a:endParaRPr sz="907" dirty="0"/>
-          </a:p>
-        </p:txBody>
-      </p:sp>
-      <p:sp>
-        <p:nvSpPr>
-          <p:cNvPr id="225" name="Google Shape;225;p44"/>
-          <p:cNvSpPr txBox="1"/>
-          <p:nvPr/>
-        </p:nvSpPr>
-        <p:spPr>
-          <a:xfrm>
-            <a:off x="5249333" y="7328709"/>
-            <a:ext cx="6023161" cy="652536"/>
-          </a:xfrm>
-          <a:prstGeom prst="rect">
-            <a:avLst/>
-          </a:prstGeom>
-          <a:noFill/>
-          <a:ln>
-            <a:noFill/>
-          </a:ln>
-        </p:spPr>
-        <p:txBody>
-          <a:bodyPr spcFirstLastPara="1" wrap="square" lIns="138153" tIns="138153" rIns="138153" bIns="138153" anchor="t" anchorCtr="0">
-            <a:noAutofit/>
-          </a:bodyPr>
-          <a:lstStyle/>
-          <a:p>
-            <a:r>
-              <a:rPr lang="en" sz="1600" dirty="0">
-                <a:latin typeface="Proxima Nova"/>
-                <a:ea typeface="Proxima Nova"/>
-                <a:cs typeface="Proxima Nova"/>
-                <a:sym typeface="Proxima Nova"/>
-              </a:rPr>
-              <a:t>Additional Reading: </a:t>
-            </a:r>
-            <a:r>
-              <a:rPr lang="en" sz="1600" dirty="0">
-                <a:solidFill>
-                  <a:srgbClr val="212529"/>
-                </a:solidFill>
-              </a:rPr>
-              <a:t> </a:t>
-            </a:r>
-            <a:r>
-              <a:rPr lang="en" sz="1600" dirty="0">
-                <a:solidFill>
-                  <a:srgbClr val="105456"/>
-                </a:solidFill>
-                <a:uFill>
-                  <a:noFill/>
-                </a:uFill>
-                <a:hlinkClick r:id="rId4"/>
-              </a:rPr>
-              <a:t>Victorian computing visionary</a:t>
-            </a:r>
-            <a:r>
-              <a:rPr lang="en" sz="1600" dirty="0">
-                <a:latin typeface="Proxima Nova"/>
-                <a:ea typeface="Proxima Nova"/>
-                <a:cs typeface="Proxima Nova"/>
-                <a:sym typeface="Proxima Nova"/>
-              </a:rPr>
-              <a:t>  </a:t>
-            </a:r>
-            <a:endParaRPr sz="1600" dirty="0">
-              <a:latin typeface="Proxima Nova"/>
-              <a:ea typeface="Proxima Nova"/>
-              <a:cs typeface="Proxima Nova"/>
-              <a:sym typeface="Proxima Nova"/>
-            </a:endParaRPr>
-          </a:p>
-        </p:txBody>
-      </p:sp>
-    </p:spTree>
-  </p:cSld>
-  <p:clrMapOvr>
-    <a:masterClrMapping/>
-  </p:clrMapOvr>
+  <mc:AlternateContent xmlns:mc="http://schemas.openxmlformats.org/markup-compatibility/2006" xmlns:p14="http://schemas.microsoft.com/office/powerpoint/2010/main">
+    <mc:Choice Requires="p14">
+      <p:transition p14:dur="300">
+        <p:fade/>
+      </p:transition>
+    </mc:Choice>
+    <mc:Fallback xmlns="">
+      <p:transition>
+        <p:fade/>
+      </p:transition>
+    </mc:Fallback>
+  </mc:AlternateContent>
 </p:sld>
 </file>
 
@@ -10759,7 +12989,7 @@
           <p:cNvPr id="4" name="Title 3">
             <a:extLst>
               <a:ext uri="{FF2B5EF4-FFF2-40B4-BE49-F238E27FC236}">
-                <a16:creationId xmlns:a16="http://schemas.microsoft.com/office/drawing/2014/main" id="{CB5F5C46-85EE-C64C-B68E-0F67EDB1F11E}"/>
+                <a16:creationId xmlns:a16="http://schemas.microsoft.com/office/drawing/2014/main" id="{E4EB2D8E-758C-5C40-AB20-4179AA16F9CA}"/>
               </a:ext>
             </a:extLst>
           </p:cNvPr>
@@ -10777,7 +13007,7 @@
           <a:p>
             <a:r>
               <a:rPr lang="en-US" dirty="0"/>
-              <a:t>Python, Your Intro Language</a:t>
+              <a:t>Industries For Computing?</a:t>
             </a:r>
           </a:p>
         </p:txBody>
@@ -10787,7 +13017,7 @@
           <p:cNvPr id="5" name="Text Placeholder 4">
             <a:extLst>
               <a:ext uri="{FF2B5EF4-FFF2-40B4-BE49-F238E27FC236}">
-                <a16:creationId xmlns:a16="http://schemas.microsoft.com/office/drawing/2014/main" id="{B8AFC55D-F466-DE4B-8CBE-D0A330A6DE5C}"/>
+                <a16:creationId xmlns:a16="http://schemas.microsoft.com/office/drawing/2014/main" id="{DF94F8F2-DB00-B24F-8FEE-984DFD19E975}"/>
               </a:ext>
             </a:extLst>
           </p:cNvPr>
@@ -10795,24 +13025,93 @@
             <a:spLocks noGrp="1"/>
           </p:cNvSpPr>
           <p:nvPr>
-            <p:ph type="body" sz="quarter" idx="10"/>
+            <p:ph type="body" idx="1"/>
           </p:nvPr>
         </p:nvSpPr>
-        <p:spPr/>
+        <p:spPr>
+          <a:xfrm>
+            <a:off x="628075" y="1920724"/>
+            <a:ext cx="12561413" cy="4663662"/>
+          </a:xfrm>
+        </p:spPr>
         <p:txBody>
           <a:bodyPr/>
           <a:lstStyle/>
           <a:p>
-            <a:endParaRPr lang="en-US"/>
+            <a:r>
+              <a:rPr lang="en-US" dirty="0"/>
+              <a:t>Break into groups</a:t>
+            </a:r>
+          </a:p>
+          <a:p>
+            <a:pPr lvl="1"/>
+            <a:r>
+              <a:rPr lang="en-US" dirty="0"/>
+              <a:t>Brainstorm industries in which computers are used in</a:t>
+            </a:r>
+          </a:p>
+          <a:p>
+            <a:pPr lvl="2"/>
+            <a:r>
+              <a:rPr lang="en-US" dirty="0"/>
+              <a:t>How many require specialized applications?</a:t>
+            </a:r>
+          </a:p>
+          <a:p>
+            <a:pPr lvl="2"/>
+            <a:r>
+              <a:rPr lang="en-US" dirty="0"/>
+              <a:t>Saying all is not a valid answer (for this)! – you must have an actual use before listing the industry</a:t>
+            </a:r>
+          </a:p>
+          <a:p>
+            <a:r>
+              <a:rPr lang="en-US" b="1" dirty="0" err="1"/>
+              <a:t>iClicker</a:t>
+            </a:r>
+            <a:r>
+              <a:rPr lang="en-US" b="1" dirty="0"/>
+              <a:t> Question</a:t>
+            </a:r>
+          </a:p>
+          <a:p>
+            <a:pPr lvl="1"/>
+            <a:r>
+              <a:rPr lang="en-US" dirty="0"/>
+              <a:t>Do you have one you agree on that is the first industry? Type it out! </a:t>
+            </a:r>
+          </a:p>
+          <a:p>
+            <a:endParaRPr lang="en-US" dirty="0"/>
+          </a:p>
+          <a:p>
+            <a:r>
+              <a:rPr lang="en-US" dirty="0"/>
+              <a:t>Deeper discussion:</a:t>
+            </a:r>
+          </a:p>
+          <a:p>
+            <a:pPr lvl="1"/>
+            <a:r>
+              <a:rPr lang="en-US" dirty="0"/>
+              <a:t>Why are computers involved in so many? </a:t>
+            </a:r>
+          </a:p>
+          <a:p>
+            <a:pPr lvl="1"/>
+            <a:r>
+              <a:rPr lang="en-US" dirty="0"/>
+              <a:t>What do they accomplish that humans can’t/don’t?</a:t>
+            </a:r>
           </a:p>
         </p:txBody>
       </p:sp>
       <p:sp>
         <p:nvSpPr>
-          <p:cNvPr id="2" name="TextBox 1">
+          <p:cNvPr id="6" name="TextBox 5">
             <a:extLst>
               <a:ext uri="{FF2B5EF4-FFF2-40B4-BE49-F238E27FC236}">
-                <a16:creationId xmlns:a16="http://schemas.microsoft.com/office/drawing/2014/main" id="{A968738E-6B2C-A64F-9DA8-E68E9A79543A}"/>
+                <a16:creationId xmlns:a16="http://schemas.microsoft.com/office/drawing/2014/main" id="{AD31963D-DFE8-B14B-9E16-D67AE56593FA}"/>
               </a:ext>
             </a:extLst>
           </p:cNvPr>
@@ -10821,8 +13120,8 @@
         </p:nvSpPr>
         <p:spPr>
           <a:xfrm>
-            <a:off x="4831644" y="6818488"/>
-            <a:ext cx="6538072" cy="707886"/>
+            <a:off x="12624269" y="212392"/>
+            <a:ext cx="1130438" cy="557397"/>
           </a:xfrm>
           <a:prstGeom prst="rect">
             <a:avLst/>
@@ -10836,22 +13135,8 @@
           <a:lstStyle/>
           <a:p>
             <a:r>
-              <a:rPr lang="en-US" dirty="0"/>
-              <a:t>Quick Reminder: You should do reading </a:t>
-            </a:r>
-            <a:r>
-              <a:rPr lang="en-US" b="1" dirty="0"/>
-              <a:t>before</a:t>
-            </a:r>
-            <a:r>
-              <a:rPr lang="en-US" dirty="0"/>
-              <a:t> lecture. </a:t>
-            </a:r>
-          </a:p>
-          <a:p>
-            <a:r>
-              <a:rPr lang="en-US" dirty="0"/>
-              <a:t>Content assumes you have. </a:t>
+              <a:rPr lang="en-US" sz="3022" dirty="0"/>
+              <a:t>5 Min</a:t>
             </a:r>
           </a:p>
         </p:txBody>
@@ -10859,25 +13144,16 @@
     </p:spTree>
     <p:extLst>
       <p:ext uri="{BB962C8B-B14F-4D97-AF65-F5344CB8AC3E}">
-        <p14:creationId xmlns:p14="http://schemas.microsoft.com/office/powerpoint/2010/main" val="2070328429"/>
+        <p14:creationId xmlns:p14="http://schemas.microsoft.com/office/powerpoint/2010/main" val="647093047"/>
       </p:ext>
     </p:extLst>
   </p:cSld>
   <p:clrMapOvr>
     <a:masterClrMapping/>
   </p:clrMapOvr>
-  <mc:AlternateContent xmlns:mc="http://schemas.openxmlformats.org/markup-compatibility/2006" xmlns:p14="http://schemas.microsoft.com/office/powerpoint/2010/main">
-    <mc:Choice Requires="p14">
-      <p:transition p14:dur="300">
-        <p:fade/>
-      </p:transition>
-    </mc:Choice>
-    <mc:Fallback xmlns="">
-      <p:transition>
-        <p:fade/>
-      </p:transition>
-    </mc:Fallback>
-  </mc:AlternateContent>
+  <p:transition>
+    <p:fade/>
+  </p:transition>
 </p:sld>
 </file>
 
